--- a/presentations/Abnahme Sprint 2/Rebecca_Do_Julian_Anita_Hubert_Lisa.pptx
+++ b/presentations/Abnahme Sprint 2/Rebecca_Do_Julian_Anita_Hubert_Lisa.pptx
@@ -5,7 +5,7 @@
     <p:sldMasterId id="2147483677" r:id="rId1"/>
   </p:sldMasterIdLst>
   <p:notesMasterIdLst>
-    <p:notesMasterId r:id="rId47"/>
+    <p:notesMasterId r:id="rId48"/>
   </p:notesMasterIdLst>
   <p:sldIdLst>
     <p:sldId id="309" r:id="rId2"/>
@@ -21,38 +21,39 @@
     <p:sldId id="364" r:id="rId12"/>
     <p:sldId id="345" r:id="rId13"/>
     <p:sldId id="323" r:id="rId14"/>
-    <p:sldId id="354" r:id="rId15"/>
-    <p:sldId id="355" r:id="rId16"/>
-    <p:sldId id="356" r:id="rId17"/>
-    <p:sldId id="357" r:id="rId18"/>
-    <p:sldId id="358" r:id="rId19"/>
-    <p:sldId id="324" r:id="rId20"/>
-    <p:sldId id="371" r:id="rId21"/>
-    <p:sldId id="370" r:id="rId22"/>
-    <p:sldId id="372" r:id="rId23"/>
-    <p:sldId id="373" r:id="rId24"/>
-    <p:sldId id="359" r:id="rId25"/>
-    <p:sldId id="325" r:id="rId26"/>
-    <p:sldId id="339" r:id="rId27"/>
-    <p:sldId id="340" r:id="rId28"/>
-    <p:sldId id="341" r:id="rId29"/>
-    <p:sldId id="360" r:id="rId30"/>
-    <p:sldId id="326" r:id="rId31"/>
-    <p:sldId id="365" r:id="rId32"/>
-    <p:sldId id="366" r:id="rId33"/>
-    <p:sldId id="367" r:id="rId34"/>
-    <p:sldId id="368" r:id="rId35"/>
-    <p:sldId id="369" r:id="rId36"/>
-    <p:sldId id="361" r:id="rId37"/>
-    <p:sldId id="327" r:id="rId38"/>
-    <p:sldId id="342" r:id="rId39"/>
-    <p:sldId id="343" r:id="rId40"/>
-    <p:sldId id="344" r:id="rId41"/>
-    <p:sldId id="362" r:id="rId42"/>
-    <p:sldId id="328" r:id="rId43"/>
-    <p:sldId id="338" r:id="rId44"/>
-    <p:sldId id="337" r:id="rId45"/>
-    <p:sldId id="363" r:id="rId46"/>
+    <p:sldId id="375" r:id="rId15"/>
+    <p:sldId id="376" r:id="rId16"/>
+    <p:sldId id="377" r:id="rId17"/>
+    <p:sldId id="378" r:id="rId18"/>
+    <p:sldId id="379" r:id="rId19"/>
+    <p:sldId id="358" r:id="rId20"/>
+    <p:sldId id="324" r:id="rId21"/>
+    <p:sldId id="371" r:id="rId22"/>
+    <p:sldId id="370" r:id="rId23"/>
+    <p:sldId id="372" r:id="rId24"/>
+    <p:sldId id="373" r:id="rId25"/>
+    <p:sldId id="359" r:id="rId26"/>
+    <p:sldId id="325" r:id="rId27"/>
+    <p:sldId id="339" r:id="rId28"/>
+    <p:sldId id="340" r:id="rId29"/>
+    <p:sldId id="341" r:id="rId30"/>
+    <p:sldId id="360" r:id="rId31"/>
+    <p:sldId id="326" r:id="rId32"/>
+    <p:sldId id="365" r:id="rId33"/>
+    <p:sldId id="366" r:id="rId34"/>
+    <p:sldId id="367" r:id="rId35"/>
+    <p:sldId id="368" r:id="rId36"/>
+    <p:sldId id="369" r:id="rId37"/>
+    <p:sldId id="361" r:id="rId38"/>
+    <p:sldId id="327" r:id="rId39"/>
+    <p:sldId id="342" r:id="rId40"/>
+    <p:sldId id="343" r:id="rId41"/>
+    <p:sldId id="344" r:id="rId42"/>
+    <p:sldId id="362" r:id="rId43"/>
+    <p:sldId id="328" r:id="rId44"/>
+    <p:sldId id="338" r:id="rId45"/>
+    <p:sldId id="337" r:id="rId46"/>
+    <p:sldId id="363" r:id="rId47"/>
   </p:sldIdLst>
   <p:sldSz cx="12192000" cy="6858000"/>
   <p:notesSz cx="6858000" cy="9144000"/>
@@ -248,7 +249,7 @@
           <a:p>
             <a:fld id="{BD50FA3B-8C2A-45ED-9DC5-CB3028ABFCB7}" type="datetimeFigureOut">
               <a:rPr lang="de-DE" smtClean="0"/>
-              <a:t>14.12.2017</a:t>
+              <a:t>14.12.17</a:t>
             </a:fld>
             <a:endParaRPr lang="de-DE"/>
           </a:p>
@@ -832,7 +833,7 @@
           <a:p>
             <a:fld id="{9246EBA2-7F35-4B7B-BE0F-6CB1169C1171}" type="slidenum">
               <a:rPr lang="de-DE" smtClean="0"/>
-              <a:t>19</a:t>
+              <a:t>20</a:t>
             </a:fld>
             <a:endParaRPr lang="de-DE"/>
           </a:p>
@@ -916,7 +917,7 @@
           <a:p>
             <a:fld id="{9246EBA2-7F35-4B7B-BE0F-6CB1169C1171}" type="slidenum">
               <a:rPr lang="de-DE" smtClean="0"/>
-              <a:t>25</a:t>
+              <a:t>26</a:t>
             </a:fld>
             <a:endParaRPr lang="de-DE"/>
           </a:p>
@@ -1000,7 +1001,7 @@
           <a:p>
             <a:fld id="{9246EBA2-7F35-4B7B-BE0F-6CB1169C1171}" type="slidenum">
               <a:rPr lang="de-DE" smtClean="0"/>
-              <a:t>30</a:t>
+              <a:t>31</a:t>
             </a:fld>
             <a:endParaRPr lang="de-DE"/>
           </a:p>
@@ -1084,7 +1085,7 @@
           <a:p>
             <a:fld id="{9246EBA2-7F35-4B7B-BE0F-6CB1169C1171}" type="slidenum">
               <a:rPr lang="de-DE" smtClean="0"/>
-              <a:t>37</a:t>
+              <a:t>38</a:t>
             </a:fld>
             <a:endParaRPr lang="de-DE"/>
           </a:p>
@@ -1168,7 +1169,7 @@
           <a:p>
             <a:fld id="{9246EBA2-7F35-4B7B-BE0F-6CB1169C1171}" type="slidenum">
               <a:rPr lang="de-DE" smtClean="0"/>
-              <a:t>42</a:t>
+              <a:t>43</a:t>
             </a:fld>
             <a:endParaRPr lang="de-DE"/>
           </a:p>
@@ -2111,7 +2112,7 @@
           <a:p>
             <a:fld id="{26D84DCC-459A-439E-AA34-F06534B95DC9}" type="datetimeFigureOut">
               <a:rPr lang="de-DE" smtClean="0"/>
-              <a:t>14.12.2017</a:t>
+              <a:t>14.12.17</a:t>
             </a:fld>
             <a:endParaRPr lang="de-DE"/>
           </a:p>
@@ -2281,7 +2282,7 @@
           <a:p>
             <a:fld id="{26D84DCC-459A-439E-AA34-F06534B95DC9}" type="datetimeFigureOut">
               <a:rPr lang="de-DE" smtClean="0"/>
-              <a:t>14.12.2017</a:t>
+              <a:t>14.12.17</a:t>
             </a:fld>
             <a:endParaRPr lang="de-DE"/>
           </a:p>
@@ -2461,7 +2462,7 @@
           <a:p>
             <a:fld id="{26D84DCC-459A-439E-AA34-F06534B95DC9}" type="datetimeFigureOut">
               <a:rPr lang="de-DE" smtClean="0"/>
-              <a:t>14.12.2017</a:t>
+              <a:t>14.12.17</a:t>
             </a:fld>
             <a:endParaRPr lang="de-DE"/>
           </a:p>
@@ -2631,7 +2632,7 @@
           <a:p>
             <a:fld id="{26D84DCC-459A-439E-AA34-F06534B95DC9}" type="datetimeFigureOut">
               <a:rPr lang="de-DE" smtClean="0"/>
-              <a:t>14.12.2017</a:t>
+              <a:t>14.12.17</a:t>
             </a:fld>
             <a:endParaRPr lang="de-DE"/>
           </a:p>
@@ -2889,7 +2890,7 @@
           <a:p>
             <a:fld id="{26D84DCC-459A-439E-AA34-F06534B95DC9}" type="datetimeFigureOut">
               <a:rPr lang="de-DE" smtClean="0"/>
-              <a:t>14.12.2017</a:t>
+              <a:t>14.12.17</a:t>
             </a:fld>
             <a:endParaRPr lang="de-DE"/>
           </a:p>
@@ -3177,7 +3178,7 @@
           <a:p>
             <a:fld id="{26D84DCC-459A-439E-AA34-F06534B95DC9}" type="datetimeFigureOut">
               <a:rPr lang="de-DE" smtClean="0"/>
-              <a:t>14.12.2017</a:t>
+              <a:t>14.12.17</a:t>
             </a:fld>
             <a:endParaRPr lang="de-DE"/>
           </a:p>
@@ -3619,7 +3620,7 @@
           <a:p>
             <a:fld id="{26D84DCC-459A-439E-AA34-F06534B95DC9}" type="datetimeFigureOut">
               <a:rPr lang="de-DE" smtClean="0"/>
-              <a:t>14.12.2017</a:t>
+              <a:t>14.12.17</a:t>
             </a:fld>
             <a:endParaRPr lang="de-DE"/>
           </a:p>
@@ -3737,7 +3738,7 @@
           <a:p>
             <a:fld id="{26D84DCC-459A-439E-AA34-F06534B95DC9}" type="datetimeFigureOut">
               <a:rPr lang="de-DE" smtClean="0"/>
-              <a:t>14.12.2017</a:t>
+              <a:t>14.12.17</a:t>
             </a:fld>
             <a:endParaRPr lang="de-DE"/>
           </a:p>
@@ -3832,7 +3833,7 @@
           <a:p>
             <a:fld id="{26D84DCC-459A-439E-AA34-F06534B95DC9}" type="datetimeFigureOut">
               <a:rPr lang="de-DE" smtClean="0"/>
-              <a:t>14.12.2017</a:t>
+              <a:t>14.12.17</a:t>
             </a:fld>
             <a:endParaRPr lang="de-DE"/>
           </a:p>
@@ -4120,7 +4121,7 @@
           <a:p>
             <a:fld id="{26D84DCC-459A-439E-AA34-F06534B95DC9}" type="datetimeFigureOut">
               <a:rPr lang="de-DE" smtClean="0"/>
-              <a:t>14.12.2017</a:t>
+              <a:t>14.12.17</a:t>
             </a:fld>
             <a:endParaRPr lang="de-DE"/>
           </a:p>
@@ -4393,7 +4394,7 @@
           <a:p>
             <a:fld id="{26D84DCC-459A-439E-AA34-F06534B95DC9}" type="datetimeFigureOut">
               <a:rPr lang="de-DE" smtClean="0"/>
-              <a:t>14.12.2017</a:t>
+              <a:t>14.12.17</a:t>
             </a:fld>
             <a:endParaRPr lang="de-DE"/>
           </a:p>
@@ -4690,7 +4691,7 @@
           <a:p>
             <a:fld id="{26D84DCC-459A-439E-AA34-F06534B95DC9}" type="datetimeFigureOut">
               <a:rPr lang="de-DE" smtClean="0"/>
-              <a:t>14.12.2017</a:t>
+              <a:t>14.12.17</a:t>
             </a:fld>
             <a:endParaRPr lang="de-DE"/>
           </a:p>
@@ -5359,7 +5360,7 @@
           <p:cNvPr id="2" name="Title 6">
             <a:extLst>
               <a:ext uri="{FF2B5EF4-FFF2-40B4-BE49-F238E27FC236}">
-                <a16:creationId xmlns:a16="http://schemas.microsoft.com/office/drawing/2014/main" xmlns="" id="{04F78A0C-BF40-4E0B-9FA4-AAAA57E3C4EF}"/>
+                <a16:creationId xmlns="" xmlns:a16="http://schemas.microsoft.com/office/drawing/2014/main" id="{04F78A0C-BF40-4E0B-9FA4-AAAA57E3C4EF}"/>
               </a:ext>
             </a:extLst>
           </p:cNvPr>
@@ -5391,7 +5392,7 @@
           <p:cNvPr id="3" name="Content Placeholder 7">
             <a:extLst>
               <a:ext uri="{FF2B5EF4-FFF2-40B4-BE49-F238E27FC236}">
-                <a16:creationId xmlns:a16="http://schemas.microsoft.com/office/drawing/2014/main" xmlns="" id="{3A52400E-A01D-4CCF-8280-EBE32B011F8E}"/>
+                <a16:creationId xmlns="" xmlns:a16="http://schemas.microsoft.com/office/drawing/2014/main" id="{3A52400E-A01D-4CCF-8280-EBE32B011F8E}"/>
               </a:ext>
             </a:extLst>
           </p:cNvPr>
@@ -5581,7 +5582,7 @@
           <p:cNvPr id="2" name="Title 6">
             <a:extLst>
               <a:ext uri="{FF2B5EF4-FFF2-40B4-BE49-F238E27FC236}">
-                <a16:creationId xmlns:a16="http://schemas.microsoft.com/office/drawing/2014/main" xmlns="" id="{04F78A0C-BF40-4E0B-9FA4-AAAA57E3C4EF}"/>
+                <a16:creationId xmlns="" xmlns:a16="http://schemas.microsoft.com/office/drawing/2014/main" id="{04F78A0C-BF40-4E0B-9FA4-AAAA57E3C4EF}"/>
               </a:ext>
             </a:extLst>
           </p:cNvPr>
@@ -5613,7 +5614,7 @@
           <p:cNvPr id="3" name="Content Placeholder 7">
             <a:extLst>
               <a:ext uri="{FF2B5EF4-FFF2-40B4-BE49-F238E27FC236}">
-                <a16:creationId xmlns:a16="http://schemas.microsoft.com/office/drawing/2014/main" xmlns="" id="{3A52400E-A01D-4CCF-8280-EBE32B011F8E}"/>
+                <a16:creationId xmlns="" xmlns:a16="http://schemas.microsoft.com/office/drawing/2014/main" id="{3A52400E-A01D-4CCF-8280-EBE32B011F8E}"/>
               </a:ext>
             </a:extLst>
           </p:cNvPr>
@@ -6251,137 +6252,9 @@
             <a:pPr lvl="0" algn="ctr"/>
             <a:r>
               <a:rPr lang="en-GB" sz="2800" dirty="0" err="1" smtClean="0"/>
-              <a:t>Betrachtete</a:t>
-            </a:r>
-            <a:r>
-              <a:rPr lang="en-GB" sz="2800" dirty="0" smtClean="0"/>
-              <a:t> </a:t>
-            </a:r>
-            <a:r>
-              <a:rPr lang="en-GB" sz="2800" dirty="0" err="1" smtClean="0"/>
               <a:t>Szenarien</a:t>
             </a:r>
             <a:endParaRPr lang="en-GB" sz="2800" dirty="0"/>
-          </a:p>
-        </p:txBody>
-      </p:sp>
-      <p:sp>
-        <p:nvSpPr>
-          <p:cNvPr id="3" name="Content Placeholder 7">
-            <a:extLst>
-              <a:ext uri="{FF2B5EF4-FFF2-40B4-BE49-F238E27FC236}">
-                <a16:creationId xmlns:a16="http://schemas.microsoft.com/office/drawing/2014/main" xmlns="" id="{3A52400E-A01D-4CCF-8280-EBE32B011F8E}"/>
-              </a:ext>
-            </a:extLst>
-          </p:cNvPr>
-          <p:cNvSpPr txBox="1">
-            <a:spLocks noGrp="1"/>
-          </p:cNvSpPr>
-          <p:nvPr>
-            <p:ph idx="1"/>
-          </p:nvPr>
-        </p:nvSpPr>
-        <p:spPr>
-          <a:xfrm>
-            <a:off x="3897242" y="174811"/>
-            <a:ext cx="7315200" cy="5984748"/>
-          </a:xfrm>
-        </p:spPr>
-        <p:txBody>
-          <a:bodyPr>
-            <a:normAutofit/>
-          </a:bodyPr>
-          <a:lstStyle/>
-          <a:p>
-            <a:pPr marL="0" lvl="0" indent="0">
-              <a:lnSpc>
-                <a:spcPct val="200000"/>
-              </a:lnSpc>
-              <a:buNone/>
-            </a:pPr>
-            <a:endParaRPr lang="de-DE" dirty="0">
-              <a:solidFill>
-                <a:schemeClr val="tx1"/>
-              </a:solidFill>
-            </a:endParaRPr>
-          </a:p>
-          <a:p>
-            <a:pPr marL="0" lvl="0" indent="0">
-              <a:lnSpc>
-                <a:spcPct val="200000"/>
-              </a:lnSpc>
-              <a:buNone/>
-            </a:pPr>
-            <a:endParaRPr lang="de-DE" dirty="0" smtClean="0">
-              <a:solidFill>
-                <a:schemeClr val="tx1"/>
-              </a:solidFill>
-            </a:endParaRPr>
-          </a:p>
-          <a:p>
-            <a:pPr marL="0" lvl="0" indent="0">
-              <a:lnSpc>
-                <a:spcPct val="200000"/>
-              </a:lnSpc>
-              <a:buNone/>
-            </a:pPr>
-            <a:endParaRPr lang="de-DE" dirty="0">
-              <a:solidFill>
-                <a:schemeClr val="tx1"/>
-              </a:solidFill>
-            </a:endParaRPr>
-          </a:p>
-          <a:p>
-            <a:pPr marL="0" lvl="0" indent="0">
-              <a:lnSpc>
-                <a:spcPct val="200000"/>
-              </a:lnSpc>
-              <a:buNone/>
-            </a:pPr>
-            <a:endParaRPr lang="de-DE" dirty="0" smtClean="0">
-              <a:solidFill>
-                <a:schemeClr val="tx1"/>
-              </a:solidFill>
-            </a:endParaRPr>
-          </a:p>
-          <a:p>
-            <a:pPr marL="0" lvl="0" indent="0">
-              <a:lnSpc>
-                <a:spcPct val="200000"/>
-              </a:lnSpc>
-              <a:buNone/>
-            </a:pPr>
-            <a:endParaRPr lang="de-DE" dirty="0">
-              <a:solidFill>
-                <a:schemeClr val="tx1"/>
-              </a:solidFill>
-            </a:endParaRPr>
-          </a:p>
-          <a:p>
-            <a:pPr marL="0" lvl="0" indent="0">
-              <a:lnSpc>
-                <a:spcPct val="200000"/>
-              </a:lnSpc>
-              <a:buNone/>
-            </a:pPr>
-            <a:endParaRPr lang="de-DE" dirty="0" smtClean="0">
-              <a:solidFill>
-                <a:schemeClr val="tx1"/>
-              </a:solidFill>
-            </a:endParaRPr>
-          </a:p>
-          <a:p>
-            <a:pPr marL="0" lvl="0" indent="0">
-              <a:lnSpc>
-                <a:spcPct val="200000"/>
-              </a:lnSpc>
-              <a:buNone/>
-            </a:pPr>
-            <a:endParaRPr lang="de-DE" dirty="0">
-              <a:solidFill>
-                <a:schemeClr val="tx1"/>
-              </a:solidFill>
-            </a:endParaRPr>
           </a:p>
         </p:txBody>
       </p:sp>
@@ -6407,8 +6280,8 @@
         </p:blipFill>
         <p:spPr>
           <a:xfrm>
-            <a:off x="3897242" y="1561643"/>
-            <a:ext cx="2063717" cy="2479302"/>
+            <a:off x="4589669" y="117439"/>
+            <a:ext cx="2752152" cy="3306372"/>
           </a:xfrm>
           <a:prstGeom prst="rect">
             <a:avLst/>
@@ -6437,8 +6310,8 @@
         </p:blipFill>
         <p:spPr>
           <a:xfrm>
-            <a:off x="8963683" y="1561643"/>
-            <a:ext cx="2021564" cy="2444472"/>
+            <a:off x="8016465" y="117440"/>
+            <a:ext cx="2734350" cy="3306372"/>
           </a:xfrm>
           <a:prstGeom prst="rect">
             <a:avLst/>
@@ -6467,8 +6340,8 @@
         </p:blipFill>
         <p:spPr>
           <a:xfrm>
-            <a:off x="6394379" y="687884"/>
-            <a:ext cx="2066084" cy="2479301"/>
+            <a:off x="8016464" y="3490517"/>
+            <a:ext cx="2736603" cy="3283924"/>
           </a:xfrm>
           <a:prstGeom prst="rect">
             <a:avLst/>
@@ -6497,8 +6370,8 @@
         </p:blipFill>
         <p:spPr>
           <a:xfrm>
-            <a:off x="6411829" y="3869364"/>
-            <a:ext cx="2048634" cy="2444472"/>
+            <a:off x="4589669" y="3490516"/>
+            <a:ext cx="2752152" cy="3283924"/>
           </a:xfrm>
           <a:prstGeom prst="rect">
             <a:avLst/>
@@ -6508,7 +6381,7 @@
     </p:spTree>
     <p:extLst>
       <p:ext uri="{BB962C8B-B14F-4D97-AF65-F5344CB8AC3E}">
-        <p14:creationId xmlns:p14="http://schemas.microsoft.com/office/powerpoint/2010/main" val="1431167404"/>
+        <p14:creationId xmlns:p14="http://schemas.microsoft.com/office/powerpoint/2010/main" val="1427906540"/>
       </p:ext>
     </p:extLst>
   </p:cSld>
@@ -6570,15 +6443,7 @@
           <a:p>
             <a:pPr lvl="0" algn="ctr"/>
             <a:r>
-              <a:rPr lang="en-GB" sz="2800" dirty="0" err="1" smtClean="0"/>
-              <a:t>Betrachtete</a:t>
-            </a:r>
-            <a:r>
-              <a:rPr lang="en-GB" sz="2800" dirty="0" smtClean="0"/>
-              <a:t> </a:t>
-            </a:r>
-            <a:r>
-              <a:rPr lang="en-GB" sz="2800" dirty="0" err="1" smtClean="0"/>
+              <a:rPr lang="en-GB" sz="2800" dirty="0" err="1"/>
               <a:t>Szenarien</a:t>
             </a:r>
             <a:endParaRPr lang="en-GB" sz="2800" dirty="0"/>
@@ -6720,14 +6585,20 @@
       </p:sp>
       <p:pic>
         <p:nvPicPr>
-          <p:cNvPr id="5" name="Bild 4"/>
+          <p:cNvPr id="11" name="Grafik 11">
+            <a:extLst>
+              <a:ext uri="{FF2B5EF4-FFF2-40B4-BE49-F238E27FC236}">
+                <a16:creationId xmlns="" xmlns:a16="http://schemas.microsoft.com/office/drawing/2014/main" id="{03A262AB-6C02-4E2B-B3C3-9465A004203A}"/>
+              </a:ext>
+            </a:extLst>
+          </p:cNvPr>
           <p:cNvPicPr>
             <a:picLocks noChangeAspect="1"/>
           </p:cNvPicPr>
           <p:nvPr/>
         </p:nvPicPr>
         <p:blipFill>
-          <a:blip r:embed="rId2">
+          <a:blip r:embed="rId2" cstate="print">
             <a:extLst>
               <a:ext uri="{28A0092B-C50C-407E-A947-70E740481C1C}">
                 <a14:useLocalDpi xmlns:a14="http://schemas.microsoft.com/office/drawing/2010/main" val="0"/>
@@ -6740,38 +6611,8 @@
         </p:blipFill>
         <p:spPr>
           <a:xfrm>
-            <a:off x="7060028" y="1672185"/>
-            <a:ext cx="1798645" cy="3504485"/>
-          </a:xfrm>
-          <a:prstGeom prst="rect">
-            <a:avLst/>
-          </a:prstGeom>
-        </p:spPr>
-      </p:pic>
-      <p:pic>
-        <p:nvPicPr>
-          <p:cNvPr id="6" name="Bild 5"/>
-          <p:cNvPicPr>
-            <a:picLocks noChangeAspect="1"/>
-          </p:cNvPicPr>
-          <p:nvPr/>
-        </p:nvPicPr>
-        <p:blipFill>
-          <a:blip r:embed="rId3">
-            <a:extLst>
-              <a:ext uri="{28A0092B-C50C-407E-A947-70E740481C1C}">
-                <a14:useLocalDpi xmlns:a14="http://schemas.microsoft.com/office/drawing/2010/main" val="0"/>
-              </a:ext>
-            </a:extLst>
-          </a:blip>
-          <a:stretch>
-            <a:fillRect/>
-          </a:stretch>
-        </p:blipFill>
-        <p:spPr>
-          <a:xfrm>
-            <a:off x="9163181" y="1665864"/>
-            <a:ext cx="1716779" cy="3502228"/>
+            <a:off x="3869268" y="334035"/>
+            <a:ext cx="3355447" cy="3351274"/>
           </a:xfrm>
           <a:prstGeom prst="rect">
             <a:avLst/>
@@ -6793,7 +6634,7 @@
           <p:nvPr/>
         </p:nvPicPr>
         <p:blipFill>
-          <a:blip r:embed="rId4" cstate="print">
+          <a:blip r:embed="rId3" cstate="print">
             <a:extLst>
               <a:ext uri="{28A0092B-C50C-407E-A947-70E740481C1C}">
                 <a14:useLocalDpi xmlns:a14="http://schemas.microsoft.com/office/drawing/2010/main" val="0"/>
@@ -6806,8 +6647,8 @@
         </p:blipFill>
         <p:spPr>
           <a:xfrm>
-            <a:off x="4277674" y="3642991"/>
-            <a:ext cx="2352868" cy="2352868"/>
+            <a:off x="8118764" y="334035"/>
+            <a:ext cx="3350556" cy="3350556"/>
           </a:xfrm>
           <a:prstGeom prst="rect">
             <a:avLst/>
@@ -6816,34 +6657,27 @@
       </p:pic>
       <p:pic>
         <p:nvPicPr>
-          <p:cNvPr id="11" name="Grafik 11">
-            <a:extLst>
-              <a:ext uri="{FF2B5EF4-FFF2-40B4-BE49-F238E27FC236}">
-                <a16:creationId xmlns="" xmlns:a16="http://schemas.microsoft.com/office/drawing/2014/main" id="{03A262AB-6C02-4E2B-B3C3-9465A004203A}"/>
-              </a:ext>
-            </a:extLst>
-          </p:cNvPr>
+          <p:cNvPr id="4" name="Bild 3"/>
           <p:cNvPicPr>
             <a:picLocks noChangeAspect="1"/>
           </p:cNvPicPr>
           <p:nvPr/>
         </p:nvPicPr>
-        <p:blipFill>
-          <a:blip r:embed="rId5" cstate="print">
+        <p:blipFill rotWithShape="1">
+          <a:blip r:embed="rId4">
             <a:extLst>
               <a:ext uri="{28A0092B-C50C-407E-A947-70E740481C1C}">
                 <a14:useLocalDpi xmlns:a14="http://schemas.microsoft.com/office/drawing/2010/main" val="0"/>
               </a:ext>
             </a:extLst>
           </a:blip>
-          <a:stretch>
-            <a:fillRect/>
-          </a:stretch>
+          <a:srcRect r="4680"/>
+          <a:stretch/>
         </p:blipFill>
         <p:spPr>
           <a:xfrm>
-            <a:off x="4277784" y="886929"/>
-            <a:ext cx="2352758" cy="2349832"/>
+            <a:off x="6065683" y="2950300"/>
+            <a:ext cx="3175299" cy="3837709"/>
           </a:xfrm>
           <a:prstGeom prst="rect">
             <a:avLst/>
@@ -6853,7 +6687,7 @@
     </p:spTree>
     <p:extLst>
       <p:ext uri="{BB962C8B-B14F-4D97-AF65-F5344CB8AC3E}">
-        <p14:creationId xmlns:p14="http://schemas.microsoft.com/office/powerpoint/2010/main" val="4115571104"/>
+        <p14:creationId xmlns:p14="http://schemas.microsoft.com/office/powerpoint/2010/main" val="695462555"/>
       </p:ext>
     </p:extLst>
   </p:cSld>
@@ -6915,16 +6749,8 @@
           <a:p>
             <a:pPr lvl="0" algn="ctr"/>
             <a:r>
-              <a:rPr lang="en-GB" sz="2800" dirty="0" err="1" smtClean="0"/>
-              <a:t>Weitere</a:t>
-            </a:r>
-            <a:r>
-              <a:rPr lang="en-GB" sz="2800" dirty="0" smtClean="0"/>
-              <a:t> </a:t>
-            </a:r>
-            <a:r>
-              <a:rPr lang="en-GB" sz="2800" dirty="0" err="1" smtClean="0"/>
-              <a:t>Aufgaben</a:t>
+              <a:rPr lang="en-GB" sz="2800" dirty="0" err="1"/>
+              <a:t>Szenarien</a:t>
             </a:r>
             <a:endParaRPr lang="en-GB" sz="2800" dirty="0"/>
           </a:p>
@@ -6954,156 +6780,29 @@
         </p:spPr>
         <p:txBody>
           <a:bodyPr>
-            <a:normAutofit fontScale="70000" lnSpcReduction="20000"/>
+            <a:normAutofit/>
           </a:bodyPr>
           <a:lstStyle/>
           <a:p>
-            <a:pPr lvl="0"/>
-            <a:endParaRPr lang="de-DE" sz="2800" dirty="0" smtClean="0">
+            <a:pPr marL="0" lvl="0" indent="0">
+              <a:lnSpc>
+                <a:spcPct val="200000"/>
+              </a:lnSpc>
+              <a:buNone/>
+            </a:pPr>
+            <a:endParaRPr lang="de-DE" dirty="0" smtClean="0">
               <a:solidFill>
                 <a:schemeClr val="tx1"/>
               </a:solidFill>
             </a:endParaRPr>
           </a:p>
           <a:p>
-            <a:pPr lvl="0"/>
-            <a:endParaRPr lang="de-DE" sz="2800" dirty="0" smtClean="0">
-              <a:solidFill>
-                <a:schemeClr val="tx1"/>
-              </a:solidFill>
-            </a:endParaRPr>
-          </a:p>
-          <a:p>
-            <a:pPr lvl="0"/>
-            <a:endParaRPr lang="de-DE" sz="2800" dirty="0">
-              <a:solidFill>
-                <a:schemeClr val="tx1"/>
-              </a:solidFill>
-            </a:endParaRPr>
-          </a:p>
-          <a:p>
-            <a:pPr lvl="0"/>
-            <a:endParaRPr lang="de-DE" sz="2800" dirty="0" smtClean="0">
-              <a:solidFill>
-                <a:schemeClr val="tx1"/>
-              </a:solidFill>
-            </a:endParaRPr>
-          </a:p>
-          <a:p>
-            <a:pPr lvl="0"/>
-            <a:endParaRPr lang="de-DE" sz="2800" dirty="0">
-              <a:solidFill>
-                <a:schemeClr val="tx1"/>
-              </a:solidFill>
-            </a:endParaRPr>
-          </a:p>
-          <a:p>
-            <a:pPr lvl="0"/>
-            <a:endParaRPr lang="de-DE" sz="2800" dirty="0" smtClean="0">
-              <a:solidFill>
-                <a:schemeClr val="tx1"/>
-              </a:solidFill>
-            </a:endParaRPr>
-          </a:p>
-          <a:p>
-            <a:pPr lvl="0"/>
-            <a:endParaRPr lang="de-DE" sz="2800" dirty="0">
-              <a:solidFill>
-                <a:schemeClr val="tx1"/>
-              </a:solidFill>
-            </a:endParaRPr>
-          </a:p>
-          <a:p>
-            <a:pPr lvl="0"/>
-            <a:endParaRPr lang="de-DE" sz="2800" dirty="0" smtClean="0">
-              <a:solidFill>
-                <a:schemeClr val="tx1"/>
-              </a:solidFill>
-            </a:endParaRPr>
-          </a:p>
-          <a:p>
-            <a:pPr lvl="0"/>
-            <a:endParaRPr lang="de-DE" sz="2800" dirty="0">
-              <a:solidFill>
-                <a:schemeClr val="tx1"/>
-              </a:solidFill>
-            </a:endParaRPr>
-          </a:p>
-          <a:p>
-            <a:pPr lvl="0"/>
-            <a:r>
-              <a:rPr lang="de-DE" sz="2800" dirty="0" smtClean="0">
-                <a:solidFill>
-                  <a:schemeClr val="tx1"/>
-                </a:solidFill>
-              </a:rPr>
-              <a:t>Anpassung der Automatisierung an die verschieden Szenarien</a:t>
-            </a:r>
-          </a:p>
-          <a:p>
-            <a:pPr lvl="0"/>
-            <a:r>
-              <a:rPr lang="de-DE" sz="2800" dirty="0" smtClean="0">
-                <a:solidFill>
-                  <a:schemeClr val="tx1"/>
-                </a:solidFill>
-              </a:rPr>
-              <a:t>Alle Verteilungen berechnen in Python</a:t>
-            </a:r>
-          </a:p>
-          <a:p>
-            <a:pPr lvl="0"/>
-            <a:endParaRPr lang="de-DE" sz="2800" dirty="0" smtClean="0">
-              <a:solidFill>
-                <a:schemeClr val="tx1"/>
-              </a:solidFill>
-            </a:endParaRPr>
-          </a:p>
-          <a:p>
-            <a:pPr lvl="0"/>
-            <a:endParaRPr lang="de-DE" sz="2800" dirty="0" smtClean="0">
-              <a:solidFill>
-                <a:schemeClr val="tx1"/>
-              </a:solidFill>
-            </a:endParaRPr>
-          </a:p>
-          <a:p>
-            <a:pPr lvl="0"/>
-            <a:endParaRPr lang="de-DE" sz="2800" dirty="0">
-              <a:solidFill>
-                <a:schemeClr val="tx1"/>
-              </a:solidFill>
-            </a:endParaRPr>
-          </a:p>
-          <a:p>
-            <a:pPr lvl="0"/>
-            <a:endParaRPr lang="de-DE" sz="2800" dirty="0" smtClean="0">
-              <a:solidFill>
-                <a:schemeClr val="tx1"/>
-              </a:solidFill>
-            </a:endParaRPr>
-          </a:p>
-          <a:p>
-            <a:pPr lvl="0"/>
-            <a:r>
-              <a:rPr lang="de-DE" sz="2800" dirty="0" smtClean="0">
-                <a:solidFill>
-                  <a:schemeClr val="tx1"/>
-                </a:solidFill>
-              </a:rPr>
-              <a:t>Verschiedene Verteilungen länger laufen lassen </a:t>
-            </a:r>
-          </a:p>
-          <a:p>
-            <a:pPr lvl="0"/>
-            <a:endParaRPr lang="de-DE" sz="2800" dirty="0" smtClean="0">
-              <a:solidFill>
-                <a:schemeClr val="tx1"/>
-              </a:solidFill>
-            </a:endParaRPr>
-          </a:p>
-          <a:p>
-            <a:pPr lvl="0"/>
+            <a:pPr marL="0" lvl="0" indent="0">
+              <a:lnSpc>
+                <a:spcPct val="200000"/>
+              </a:lnSpc>
+              <a:buNone/>
+            </a:pPr>
             <a:endParaRPr lang="de-DE" dirty="0">
               <a:solidFill>
                 <a:schemeClr val="tx1"/>
@@ -7111,7 +6810,12 @@
             </a:endParaRPr>
           </a:p>
           <a:p>
-            <a:pPr lvl="0"/>
+            <a:pPr marL="0" lvl="0" indent="0">
+              <a:lnSpc>
+                <a:spcPct val="200000"/>
+              </a:lnSpc>
+              <a:buNone/>
+            </a:pPr>
             <a:endParaRPr lang="de-DE" dirty="0" smtClean="0">
               <a:solidFill>
                 <a:schemeClr val="tx1"/>
@@ -7119,7 +6823,12 @@
             </a:endParaRPr>
           </a:p>
           <a:p>
-            <a:pPr lvl="0"/>
+            <a:pPr marL="0" lvl="0" indent="0">
+              <a:lnSpc>
+                <a:spcPct val="200000"/>
+              </a:lnSpc>
+              <a:buNone/>
+            </a:pPr>
             <a:endParaRPr lang="de-DE" dirty="0">
               <a:solidFill>
                 <a:schemeClr val="tx1"/>
@@ -7127,7 +6836,12 @@
             </a:endParaRPr>
           </a:p>
           <a:p>
-            <a:pPr lvl="0"/>
+            <a:pPr marL="0" lvl="0" indent="0">
+              <a:lnSpc>
+                <a:spcPct val="200000"/>
+              </a:lnSpc>
+              <a:buNone/>
+            </a:pPr>
             <a:endParaRPr lang="de-DE" dirty="0" smtClean="0">
               <a:solidFill>
                 <a:schemeClr val="tx1"/>
@@ -7135,7 +6849,12 @@
             </a:endParaRPr>
           </a:p>
           <a:p>
-            <a:pPr lvl="0"/>
+            <a:pPr marL="0" lvl="0" indent="0">
+              <a:lnSpc>
+                <a:spcPct val="200000"/>
+              </a:lnSpc>
+              <a:buNone/>
+            </a:pPr>
             <a:endParaRPr lang="de-DE" dirty="0">
               <a:solidFill>
                 <a:schemeClr val="tx1"/>
@@ -7143,7 +6862,12 @@
             </a:endParaRPr>
           </a:p>
           <a:p>
-            <a:pPr lvl="0"/>
+            <a:pPr marL="0" lvl="0" indent="0">
+              <a:lnSpc>
+                <a:spcPct val="200000"/>
+              </a:lnSpc>
+              <a:buNone/>
+            </a:pPr>
             <a:endParaRPr lang="de-DE" dirty="0" smtClean="0">
               <a:solidFill>
                 <a:schemeClr val="tx1"/>
@@ -7151,50 +6875,23 @@
             </a:endParaRPr>
           </a:p>
           <a:p>
-            <a:pPr lvl="0"/>
+            <a:pPr marL="0" lvl="0" indent="0">
+              <a:lnSpc>
+                <a:spcPct val="200000"/>
+              </a:lnSpc>
+              <a:buNone/>
+            </a:pPr>
             <a:endParaRPr lang="de-DE" dirty="0">
               <a:solidFill>
                 <a:schemeClr val="tx1"/>
               </a:solidFill>
             </a:endParaRPr>
           </a:p>
-          <a:p>
-            <a:pPr lvl="0"/>
-            <a:endParaRPr lang="de-DE" dirty="0" smtClean="0">
-              <a:solidFill>
-                <a:schemeClr val="tx1"/>
-              </a:solidFill>
-            </a:endParaRPr>
-          </a:p>
-          <a:p>
-            <a:pPr lvl="0"/>
-            <a:endParaRPr lang="de-DE" dirty="0">
-              <a:solidFill>
-                <a:schemeClr val="tx1"/>
-              </a:solidFill>
-            </a:endParaRPr>
-          </a:p>
-          <a:p>
-            <a:pPr lvl="0"/>
-            <a:endParaRPr lang="de-DE" dirty="0" smtClean="0">
-              <a:solidFill>
-                <a:schemeClr val="tx1"/>
-              </a:solidFill>
-            </a:endParaRPr>
-          </a:p>
-          <a:p>
-            <a:pPr lvl="0"/>
-            <a:endParaRPr lang="de-DE" dirty="0">
-              <a:solidFill>
-                <a:schemeClr val="tx1"/>
-              </a:solidFill>
-            </a:endParaRPr>
-          </a:p>
         </p:txBody>
       </p:sp>
       <p:pic>
         <p:nvPicPr>
-          <p:cNvPr id="4" name="Bild 3"/>
+          <p:cNvPr id="5" name="Bild 4"/>
           <p:cNvPicPr>
             <a:picLocks noChangeAspect="1"/>
           </p:cNvPicPr>
@@ -7214,8 +6911,38 @@
         </p:blipFill>
         <p:spPr>
           <a:xfrm>
-            <a:off x="4054231" y="2757268"/>
-            <a:ext cx="6923666" cy="638907"/>
+            <a:off x="4098318" y="304237"/>
+            <a:ext cx="3181613" cy="6199064"/>
+          </a:xfrm>
+          <a:prstGeom prst="rect">
+            <a:avLst/>
+          </a:prstGeom>
+        </p:spPr>
+      </p:pic>
+      <p:pic>
+        <p:nvPicPr>
+          <p:cNvPr id="6" name="Bild 5"/>
+          <p:cNvPicPr>
+            <a:picLocks noChangeAspect="1"/>
+          </p:cNvPicPr>
+          <p:nvPr/>
+        </p:nvPicPr>
+        <p:blipFill>
+          <a:blip r:embed="rId3">
+            <a:extLst>
+              <a:ext uri="{28A0092B-C50C-407E-A947-70E740481C1C}">
+                <a14:useLocalDpi xmlns:a14="http://schemas.microsoft.com/office/drawing/2010/main" val="0"/>
+              </a:ext>
+            </a:extLst>
+          </a:blip>
+          <a:stretch>
+            <a:fillRect/>
+          </a:stretch>
+        </p:blipFill>
+        <p:spPr>
+          <a:xfrm>
+            <a:off x="7846613" y="309756"/>
+            <a:ext cx="3033347" cy="6188026"/>
           </a:xfrm>
           <a:prstGeom prst="rect">
             <a:avLst/>
@@ -7225,7 +6952,7 @@
     </p:spTree>
     <p:extLst>
       <p:ext uri="{BB962C8B-B14F-4D97-AF65-F5344CB8AC3E}">
-        <p14:creationId xmlns:p14="http://schemas.microsoft.com/office/powerpoint/2010/main" val="3642985866"/>
+        <p14:creationId xmlns:p14="http://schemas.microsoft.com/office/powerpoint/2010/main" val="2033154911"/>
       </p:ext>
     </p:extLst>
   </p:cSld>
@@ -7288,7 +7015,7 @@
             <a:pPr lvl="0" algn="ctr"/>
             <a:r>
               <a:rPr lang="en-GB" sz="2800" dirty="0" err="1" smtClean="0"/>
-              <a:t>Testen</a:t>
+              <a:t>Aufgaben</a:t>
             </a:r>
             <a:endParaRPr lang="en-GB" sz="2800" dirty="0"/>
           </a:p>
@@ -7317,10 +7044,76 @@
           </a:xfrm>
         </p:spPr>
         <p:txBody>
-          <a:bodyPr>
-            <a:normAutofit fontScale="70000" lnSpcReduction="20000"/>
+          <a:bodyPr anchor="t">
+            <a:normAutofit/>
           </a:bodyPr>
           <a:lstStyle/>
+          <a:p>
+            <a:r>
+              <a:rPr lang="de-DE" sz="2800" dirty="0" smtClean="0">
+                <a:solidFill>
+                  <a:schemeClr val="tx1"/>
+                </a:solidFill>
+              </a:rPr>
+              <a:t>Simulieren </a:t>
+            </a:r>
+            <a:r>
+              <a:rPr lang="de-DE" sz="2800" dirty="0">
+                <a:solidFill>
+                  <a:schemeClr val="tx1"/>
+                </a:solidFill>
+              </a:rPr>
+              <a:t>der Szenarien mit 100, 300, 500, 700 </a:t>
+            </a:r>
+            <a:r>
+              <a:rPr lang="de-DE" sz="2800" dirty="0" smtClean="0">
+                <a:solidFill>
+                  <a:schemeClr val="tx1"/>
+                </a:solidFill>
+              </a:rPr>
+              <a:t>Menschen</a:t>
+            </a:r>
+            <a:endParaRPr lang="de-DE" sz="2800" dirty="0">
+              <a:solidFill>
+                <a:schemeClr val="tx1"/>
+              </a:solidFill>
+            </a:endParaRPr>
+          </a:p>
+          <a:p>
+            <a:pPr lvl="0"/>
+            <a:r>
+              <a:rPr lang="de-DE" sz="2800" dirty="0" smtClean="0">
+                <a:solidFill>
+                  <a:schemeClr val="tx1"/>
+                </a:solidFill>
+              </a:rPr>
+              <a:t>Anpassung der Automatisierung an die verschieden Szenarien</a:t>
+            </a:r>
+          </a:p>
+          <a:p>
+            <a:pPr lvl="0"/>
+            <a:r>
+              <a:rPr lang="de-DE" sz="2800" dirty="0" smtClean="0">
+                <a:solidFill>
+                  <a:schemeClr val="tx1"/>
+                </a:solidFill>
+              </a:rPr>
+              <a:t>Alle Verteilungen berechnen in </a:t>
+            </a:r>
+            <a:r>
+              <a:rPr lang="de-DE" sz="2800" dirty="0" smtClean="0">
+                <a:solidFill>
+                  <a:schemeClr val="tx1"/>
+                </a:solidFill>
+              </a:rPr>
+              <a:t>Python (von 0 bis 100 in 5er Schritten)</a:t>
+            </a:r>
+            <a:endParaRPr lang="de-DE" sz="2800" dirty="0" smtClean="0">
+              <a:solidFill>
+                <a:schemeClr val="tx1"/>
+              </a:solidFill>
+            </a:endParaRPr>
+          </a:p>
           <a:p>
             <a:pPr lvl="0"/>
             <a:endParaRPr lang="de-DE" sz="2800" dirty="0" smtClean="0">
@@ -7339,14 +7132,6 @@
           </a:p>
           <a:p>
             <a:pPr lvl="0"/>
-            <a:endParaRPr lang="de-DE" sz="2800" dirty="0">
-              <a:solidFill>
-                <a:schemeClr val="tx1"/>
-              </a:solidFill>
-            </a:endParaRPr>
-          </a:p>
-          <a:p>
-            <a:pPr lvl="0"/>
             <a:endParaRPr lang="de-DE" sz="2800" dirty="0" smtClean="0">
               <a:solidFill>
                 <a:schemeClr val="tx1"/>
@@ -7355,121 +7140,14 @@
           </a:p>
           <a:p>
             <a:pPr lvl="0"/>
-            <a:endParaRPr lang="de-DE" sz="2800" dirty="0">
-              <a:solidFill>
-                <a:schemeClr val="tx1"/>
-              </a:solidFill>
-            </a:endParaRPr>
-          </a:p>
-          <a:p>
-            <a:pPr lvl="0"/>
-            <a:endParaRPr lang="de-DE" sz="2800" dirty="0" smtClean="0">
-              <a:solidFill>
-                <a:schemeClr val="tx1"/>
-              </a:solidFill>
-            </a:endParaRPr>
-          </a:p>
-          <a:p>
-            <a:pPr lvl="0"/>
-            <a:endParaRPr lang="de-DE" sz="2800" dirty="0">
-              <a:solidFill>
-                <a:schemeClr val="tx1"/>
-              </a:solidFill>
-            </a:endParaRPr>
-          </a:p>
-          <a:p>
-            <a:pPr lvl="0"/>
-            <a:endParaRPr lang="de-DE" sz="2800" dirty="0" smtClean="0">
-              <a:solidFill>
-                <a:schemeClr val="tx1"/>
-              </a:solidFill>
-            </a:endParaRPr>
-          </a:p>
-          <a:p>
-            <a:pPr lvl="0"/>
-            <a:endParaRPr lang="de-DE" sz="2800" dirty="0">
-              <a:solidFill>
-                <a:schemeClr val="tx1"/>
-              </a:solidFill>
-            </a:endParaRPr>
-          </a:p>
-          <a:p>
-            <a:pPr lvl="0"/>
             <a:r>
               <a:rPr lang="de-DE" sz="2800" dirty="0" smtClean="0">
                 <a:solidFill>
                   <a:schemeClr val="tx1"/>
                 </a:solidFill>
               </a:rPr>
-              <a:t>Random Methode</a:t>
-            </a:r>
-          </a:p>
-          <a:p>
-            <a:pPr lvl="0"/>
-            <a:endParaRPr lang="de-DE" sz="2800" dirty="0">
-              <a:solidFill>
-                <a:schemeClr val="tx1"/>
-              </a:solidFill>
-            </a:endParaRPr>
-          </a:p>
-          <a:p>
-            <a:pPr lvl="0"/>
-            <a:endParaRPr lang="de-DE" sz="2800" dirty="0" smtClean="0">
-              <a:solidFill>
-                <a:schemeClr val="tx1"/>
-              </a:solidFill>
-            </a:endParaRPr>
-          </a:p>
-          <a:p>
-            <a:pPr lvl="0"/>
-            <a:endParaRPr lang="de-DE" sz="2800" dirty="0">
-              <a:solidFill>
-                <a:schemeClr val="tx1"/>
-              </a:solidFill>
-            </a:endParaRPr>
-          </a:p>
-          <a:p>
-            <a:pPr lvl="0"/>
-            <a:endParaRPr lang="de-DE" sz="2800" dirty="0" smtClean="0">
-              <a:solidFill>
-                <a:schemeClr val="tx1"/>
-              </a:solidFill>
-            </a:endParaRPr>
-          </a:p>
-          <a:p>
-            <a:pPr lvl="0"/>
-            <a:endParaRPr lang="de-DE" sz="2800" dirty="0">
-              <a:solidFill>
-                <a:schemeClr val="tx1"/>
-              </a:solidFill>
-            </a:endParaRPr>
-          </a:p>
-          <a:p>
-            <a:pPr lvl="0"/>
-            <a:r>
-              <a:rPr lang="de-DE" sz="2800" dirty="0" smtClean="0">
-                <a:solidFill>
-                  <a:schemeClr val="tx1"/>
-                </a:solidFill>
-              </a:rPr>
-              <a:t>Automatisierung getestet</a:t>
-            </a:r>
-          </a:p>
-          <a:p>
-            <a:pPr lvl="0"/>
-            <a:endParaRPr lang="de-DE" sz="2800" dirty="0" smtClean="0">
-              <a:solidFill>
-                <a:schemeClr val="tx1"/>
-              </a:solidFill>
-            </a:endParaRPr>
-          </a:p>
-          <a:p>
-            <a:pPr lvl="0"/>
-            <a:endParaRPr lang="de-DE" sz="2800" dirty="0" smtClean="0">
-              <a:solidFill>
-                <a:schemeClr val="tx1"/>
-              </a:solidFill>
-            </a:endParaRPr>
+              <a:t>Verschiedene Verteilungen länger laufen lassen (Probleme mit Multi Threading)</a:t>
+            </a:r>
           </a:p>
           <a:p>
             <a:pPr lvl="0"/>
@@ -7563,7 +7241,7 @@
       </p:sp>
       <p:pic>
         <p:nvPicPr>
-          <p:cNvPr id="5" name="Grafik 4"/>
+          <p:cNvPr id="4" name="Bild 3"/>
           <p:cNvPicPr>
             <a:picLocks noChangeAspect="1"/>
           </p:cNvPicPr>
@@ -7583,8 +7261,8 @@
         </p:blipFill>
         <p:spPr>
           <a:xfrm>
-            <a:off x="3885241" y="2017058"/>
-            <a:ext cx="6741469" cy="1539613"/>
+            <a:off x="4065035" y="3264275"/>
+            <a:ext cx="7281838" cy="775641"/>
           </a:xfrm>
           <a:prstGeom prst="rect">
             <a:avLst/>
@@ -7594,7 +7272,7 @@
     </p:spTree>
     <p:extLst>
       <p:ext uri="{BB962C8B-B14F-4D97-AF65-F5344CB8AC3E}">
-        <p14:creationId xmlns:p14="http://schemas.microsoft.com/office/powerpoint/2010/main" val="863936613"/>
+        <p14:creationId xmlns:p14="http://schemas.microsoft.com/office/powerpoint/2010/main" val="474798113"/>
       </p:ext>
     </p:extLst>
   </p:cSld>
@@ -7656,10 +7334,10 @@
           <a:p>
             <a:pPr lvl="0" algn="ctr"/>
             <a:r>
-              <a:rPr lang="en-GB" sz="4500" dirty="0" smtClean="0"/>
-              <a:t>16,5%</a:t>
-            </a:r>
-            <a:endParaRPr lang="en-GB" sz="4500" dirty="0"/>
+              <a:rPr lang="en-GB" sz="2800" dirty="0" err="1" smtClean="0"/>
+              <a:t>Testen</a:t>
+            </a:r>
+            <a:endParaRPr lang="en-GB" sz="2800" dirty="0"/>
           </a:p>
         </p:txBody>
       </p:sp>
@@ -7681,93 +7359,37 @@
         </p:nvSpPr>
         <p:spPr>
           <a:xfrm>
-            <a:off x="3775138" y="753034"/>
+            <a:off x="3869268" y="174811"/>
             <a:ext cx="7315200" cy="5984748"/>
           </a:xfrm>
         </p:spPr>
         <p:txBody>
-          <a:bodyPr>
-            <a:normAutofit fontScale="92500" lnSpcReduction="20000"/>
+          <a:bodyPr anchor="t">
+            <a:normAutofit/>
           </a:bodyPr>
           <a:lstStyle/>
           <a:p>
-            <a:pPr marL="0" lvl="0" indent="0">
-              <a:lnSpc>
-                <a:spcPct val="200000"/>
-              </a:lnSpc>
-              <a:buNone/>
-            </a:pPr>
-            <a:r>
-              <a:rPr lang="de-DE" sz="2800" dirty="0">
-                <a:solidFill>
-                  <a:schemeClr val="tx1"/>
-                </a:solidFill>
-              </a:rPr>
-              <a:t>Selbsteinschätzung:</a:t>
-            </a:r>
-          </a:p>
-          <a:p>
             <a:pPr lvl="0"/>
             <a:r>
-              <a:rPr lang="de-DE" dirty="0" smtClean="0">
-                <a:solidFill>
-                  <a:schemeClr val="tx1"/>
-                </a:solidFill>
-              </a:rPr>
-              <a:t>Verfassen eines technischen Berichts</a:t>
+              <a:rPr lang="de-DE" sz="2800" dirty="0" smtClean="0">
+                <a:solidFill>
+                  <a:schemeClr val="tx1"/>
+                </a:solidFill>
+              </a:rPr>
+              <a:t>Random </a:t>
+            </a:r>
+            <a:r>
+              <a:rPr lang="de-DE" sz="2800" dirty="0" smtClean="0">
+                <a:solidFill>
+                  <a:schemeClr val="tx1"/>
+                </a:solidFill>
+              </a:rPr>
+              <a:t>Methode</a:t>
             </a:r>
           </a:p>
           <a:p>
             <a:pPr lvl="0"/>
-            <a:r>
-              <a:rPr lang="en-GB" b="1" dirty="0" smtClean="0">
-                <a:solidFill>
-                  <a:schemeClr val="tx1"/>
-                </a:solidFill>
-              </a:rPr>
-              <a:t>Modellieren </a:t>
-            </a:r>
-            <a:r>
-              <a:rPr lang="en-GB" b="1" dirty="0" err="1">
-                <a:solidFill>
-                  <a:schemeClr val="tx1"/>
-                </a:solidFill>
-              </a:rPr>
-              <a:t>realistischer</a:t>
-            </a:r>
-            <a:r>
-              <a:rPr lang="en-GB" b="1" dirty="0">
-                <a:solidFill>
-                  <a:schemeClr val="tx1"/>
-                </a:solidFill>
-              </a:rPr>
-              <a:t> und </a:t>
-            </a:r>
-            <a:r>
-              <a:rPr lang="en-GB" b="1" dirty="0" err="1">
-                <a:solidFill>
-                  <a:schemeClr val="tx1"/>
-                </a:solidFill>
-              </a:rPr>
-              <a:t>variantenreicher</a:t>
-            </a:r>
-            <a:r>
-              <a:rPr lang="en-GB" b="1" dirty="0">
-                <a:solidFill>
-                  <a:schemeClr val="tx1"/>
-                </a:solidFill>
-              </a:rPr>
-              <a:t> </a:t>
-            </a:r>
-            <a:r>
-              <a:rPr lang="en-GB" b="1" dirty="0" err="1">
-                <a:solidFill>
-                  <a:schemeClr val="tx1"/>
-                </a:solidFill>
-              </a:rPr>
-              <a:t>Szenarien</a:t>
-            </a:r>
-            <a:endParaRPr lang="en-GB" b="1" dirty="0" smtClean="0">
+            <a:endParaRPr lang="de-DE" sz="2800" dirty="0">
               <a:solidFill>
                 <a:schemeClr val="tx1"/>
               </a:solidFill>
@@ -7775,371 +7397,116 @@
           </a:p>
           <a:p>
             <a:pPr lvl="0"/>
-            <a:r>
-              <a:rPr lang="en-GB" b="1" dirty="0" err="1">
-                <a:solidFill>
-                  <a:schemeClr val="tx1"/>
-                </a:solidFill>
-              </a:rPr>
-              <a:t>S</a:t>
-            </a:r>
-            <a:r>
-              <a:rPr lang="en-GB" b="1" dirty="0" err="1" smtClean="0">
-                <a:solidFill>
-                  <a:schemeClr val="tx1"/>
-                </a:solidFill>
-              </a:rPr>
-              <a:t>imulieren</a:t>
-            </a:r>
-            <a:r>
-              <a:rPr lang="en-GB" b="1" dirty="0" smtClean="0">
-                <a:solidFill>
-                  <a:schemeClr val="tx1"/>
-                </a:solidFill>
-              </a:rPr>
-              <a:t> </a:t>
-            </a:r>
-            <a:r>
-              <a:rPr lang="en-GB" b="1" dirty="0" err="1">
-                <a:solidFill>
-                  <a:schemeClr val="tx1"/>
-                </a:solidFill>
-              </a:rPr>
-              <a:t>realistischer</a:t>
-            </a:r>
-            <a:r>
-              <a:rPr lang="en-GB" b="1" dirty="0">
-                <a:solidFill>
-                  <a:schemeClr val="tx1"/>
-                </a:solidFill>
-              </a:rPr>
-              <a:t> und </a:t>
-            </a:r>
-            <a:r>
-              <a:rPr lang="en-GB" b="1" dirty="0" err="1">
-                <a:solidFill>
-                  <a:schemeClr val="tx1"/>
-                </a:solidFill>
-              </a:rPr>
-              <a:t>variantenreicher</a:t>
-            </a:r>
-            <a:r>
-              <a:rPr lang="en-GB" b="1" dirty="0">
-                <a:solidFill>
-                  <a:schemeClr val="tx1"/>
-                </a:solidFill>
-              </a:rPr>
-              <a:t> </a:t>
-            </a:r>
-            <a:r>
-              <a:rPr lang="en-GB" b="1" dirty="0" err="1">
-                <a:solidFill>
-                  <a:schemeClr val="tx1"/>
-                </a:solidFill>
-              </a:rPr>
-              <a:t>Szenarien</a:t>
-            </a:r>
-            <a:endParaRPr lang="en-GB" b="1" dirty="0">
+            <a:endParaRPr lang="de-DE" sz="2800" dirty="0" smtClean="0">
               <a:solidFill>
                 <a:schemeClr val="tx1"/>
               </a:solidFill>
             </a:endParaRPr>
           </a:p>
           <a:p>
-            <a:r>
-              <a:rPr lang="en-GB" dirty="0" err="1">
-                <a:solidFill>
-                  <a:schemeClr val="tx1"/>
-                </a:solidFill>
-              </a:rPr>
-              <a:t>Aufbereitung</a:t>
-            </a:r>
-            <a:r>
-              <a:rPr lang="en-GB" dirty="0">
-                <a:solidFill>
-                  <a:schemeClr val="tx1"/>
-                </a:solidFill>
-              </a:rPr>
-              <a:t> des </a:t>
-            </a:r>
-            <a:r>
-              <a:rPr lang="en-GB" dirty="0" err="1">
-                <a:solidFill>
-                  <a:schemeClr val="tx1"/>
-                </a:solidFill>
-              </a:rPr>
-              <a:t>Datenformats</a:t>
-            </a:r>
-            <a:r>
-              <a:rPr lang="en-GB" dirty="0">
-                <a:solidFill>
-                  <a:schemeClr val="tx1"/>
-                </a:solidFill>
-              </a:rPr>
-              <a:t> </a:t>
-            </a:r>
-            <a:r>
-              <a:rPr lang="en-GB" dirty="0" err="1">
-                <a:solidFill>
-                  <a:schemeClr val="tx1"/>
-                </a:solidFill>
-              </a:rPr>
-              <a:t>entsprechend</a:t>
-            </a:r>
-            <a:r>
-              <a:rPr lang="en-GB" dirty="0">
-                <a:solidFill>
-                  <a:schemeClr val="tx1"/>
-                </a:solidFill>
-              </a:rPr>
-              <a:t> den </a:t>
-            </a:r>
-            <a:r>
-              <a:rPr lang="en-GB" dirty="0" err="1">
-                <a:solidFill>
-                  <a:schemeClr val="tx1"/>
-                </a:solidFill>
-              </a:rPr>
-              <a:t>Angaben</a:t>
-            </a:r>
-            <a:r>
-              <a:rPr lang="en-GB" dirty="0">
-                <a:solidFill>
-                  <a:schemeClr val="tx1"/>
-                </a:solidFill>
-              </a:rPr>
-              <a:t> des </a:t>
-            </a:r>
-            <a:r>
-              <a:rPr lang="en-GB" dirty="0" err="1">
-                <a:solidFill>
-                  <a:schemeClr val="tx1"/>
-                </a:solidFill>
-              </a:rPr>
-              <a:t>Fraunhofer</a:t>
-            </a:r>
-            <a:r>
-              <a:rPr lang="en-GB" dirty="0">
-                <a:solidFill>
-                  <a:schemeClr val="tx1"/>
-                </a:solidFill>
-              </a:rPr>
-              <a:t> </a:t>
-            </a:r>
-            <a:r>
-              <a:rPr lang="en-GB" dirty="0" err="1">
-                <a:solidFill>
-                  <a:schemeClr val="tx1"/>
-                </a:solidFill>
-              </a:rPr>
-              <a:t>Instituts</a:t>
-            </a:r>
-            <a:endParaRPr lang="en-GB" dirty="0">
+            <a:pPr lvl="0"/>
+            <a:endParaRPr lang="de-DE" sz="2800" dirty="0">
               <a:solidFill>
                 <a:schemeClr val="tx1"/>
               </a:solidFill>
             </a:endParaRPr>
           </a:p>
           <a:p>
-            <a:r>
-              <a:rPr lang="en-GB" dirty="0" err="1">
-                <a:solidFill>
-                  <a:schemeClr val="tx1"/>
-                </a:solidFill>
-              </a:rPr>
-              <a:t>Erstellen</a:t>
-            </a:r>
-            <a:r>
-              <a:rPr lang="en-GB" dirty="0">
-                <a:solidFill>
-                  <a:schemeClr val="tx1"/>
-                </a:solidFill>
-              </a:rPr>
-              <a:t> </a:t>
-            </a:r>
-            <a:r>
-              <a:rPr lang="en-GB" dirty="0" err="1">
-                <a:solidFill>
-                  <a:schemeClr val="tx1"/>
-                </a:solidFill>
-              </a:rPr>
-              <a:t>einer</a:t>
-            </a:r>
-            <a:r>
-              <a:rPr lang="en-GB" dirty="0">
-                <a:solidFill>
-                  <a:schemeClr val="tx1"/>
-                </a:solidFill>
-              </a:rPr>
-              <a:t> </a:t>
-            </a:r>
-            <a:r>
-              <a:rPr lang="en-GB" dirty="0" smtClean="0">
-                <a:solidFill>
-                  <a:schemeClr val="tx1"/>
-                </a:solidFill>
-              </a:rPr>
-              <a:t>Demonstration</a:t>
-            </a:r>
-          </a:p>
-          <a:p>
-            <a:r>
-              <a:rPr lang="en-GB" dirty="0" err="1" smtClean="0">
-                <a:solidFill>
-                  <a:schemeClr val="tx1"/>
-                </a:solidFill>
-              </a:rPr>
-              <a:t>Weitere</a:t>
-            </a:r>
-            <a:r>
-              <a:rPr lang="en-GB" dirty="0" smtClean="0">
-                <a:solidFill>
-                  <a:schemeClr val="tx1"/>
-                </a:solidFill>
-              </a:rPr>
-              <a:t> </a:t>
-            </a:r>
-            <a:r>
-              <a:rPr lang="en-GB" dirty="0" err="1" smtClean="0">
-                <a:solidFill>
-                  <a:schemeClr val="tx1"/>
-                </a:solidFill>
-              </a:rPr>
-              <a:t>Literaturrecherche</a:t>
-            </a:r>
-            <a:r>
-              <a:rPr lang="en-GB" dirty="0" smtClean="0">
-                <a:solidFill>
-                  <a:schemeClr val="tx1"/>
-                </a:solidFill>
-              </a:rPr>
-              <a:t> und </a:t>
-            </a:r>
-            <a:r>
-              <a:rPr lang="en-GB" dirty="0" err="1" smtClean="0">
-                <a:solidFill>
-                  <a:schemeClr val="tx1"/>
-                </a:solidFill>
-              </a:rPr>
-              <a:t>Implementierung</a:t>
-            </a:r>
-            <a:r>
-              <a:rPr lang="en-GB" dirty="0" smtClean="0">
-                <a:solidFill>
-                  <a:schemeClr val="tx1"/>
-                </a:solidFill>
-              </a:rPr>
-              <a:t> der Filter</a:t>
-            </a:r>
-          </a:p>
-          <a:p>
-            <a:r>
-              <a:rPr lang="de-DE" b="1" dirty="0">
-                <a:solidFill>
-                  <a:schemeClr val="tx1"/>
-                </a:solidFill>
-              </a:rPr>
-              <a:t>Die Verteilung der Personen durch Permutationen realisieren (bei der Automatisierung  der Simulation)</a:t>
-            </a:r>
-          </a:p>
-          <a:p>
-            <a:r>
-              <a:rPr lang="de-DE" dirty="0">
-                <a:solidFill>
-                  <a:schemeClr val="tx1"/>
-                </a:solidFill>
-              </a:rPr>
-              <a:t>Codeoptimierung</a:t>
-            </a:r>
-          </a:p>
-          <a:p>
-            <a:r>
-              <a:rPr lang="de-DE" dirty="0">
-                <a:solidFill>
-                  <a:schemeClr val="tx1"/>
-                </a:solidFill>
-              </a:rPr>
-              <a:t>Erstellen von Dokumentationen für die implementierten Skripte</a:t>
-            </a:r>
-          </a:p>
-          <a:p>
-            <a:r>
-              <a:rPr lang="de-DE" b="1" dirty="0">
-                <a:solidFill>
-                  <a:schemeClr val="tx1"/>
-                </a:solidFill>
-              </a:rPr>
-              <a:t>Testen der Software</a:t>
-            </a:r>
-          </a:p>
-          <a:p>
-            <a:r>
-              <a:rPr lang="de-DE" dirty="0">
-                <a:solidFill>
-                  <a:schemeClr val="tx1"/>
-                </a:solidFill>
-              </a:rPr>
-              <a:t>Datengenerierung (Datenbeauftragte)</a:t>
-            </a:r>
-          </a:p>
-          <a:p>
-            <a:r>
-              <a:rPr lang="de-DE" dirty="0">
-                <a:solidFill>
-                  <a:schemeClr val="tx1"/>
-                </a:solidFill>
-              </a:rPr>
-              <a:t>Aktualisierung des Trello Projektes/</a:t>
-            </a:r>
-            <a:r>
-              <a:rPr lang="de-DE" dirty="0" err="1">
-                <a:solidFill>
-                  <a:schemeClr val="tx1"/>
-                </a:solidFill>
-              </a:rPr>
-              <a:t>Repos</a:t>
-            </a:r>
-            <a:r>
-              <a:rPr lang="de-DE" dirty="0">
-                <a:solidFill>
-                  <a:schemeClr val="tx1"/>
-                </a:solidFill>
-              </a:rPr>
-              <a:t>/Organisation der </a:t>
-            </a:r>
-            <a:r>
-              <a:rPr lang="de-DE" dirty="0" smtClean="0">
-                <a:solidFill>
-                  <a:schemeClr val="tx1"/>
-                </a:solidFill>
-              </a:rPr>
-              <a:t>Treffen</a:t>
-            </a:r>
-          </a:p>
-          <a:p>
-            <a:r>
-              <a:rPr lang="de-DE" dirty="0" err="1" smtClean="0">
-                <a:solidFill>
-                  <a:schemeClr val="tx1"/>
-                </a:solidFill>
-              </a:rPr>
-              <a:t>Scrum</a:t>
-            </a:r>
-            <a:r>
-              <a:rPr lang="de-DE" dirty="0" smtClean="0">
-                <a:solidFill>
-                  <a:schemeClr val="tx1"/>
-                </a:solidFill>
-              </a:rPr>
-              <a:t> Master</a:t>
-            </a:r>
-            <a:endParaRPr lang="de-DE" dirty="0">
+            <a:pPr lvl="0"/>
+            <a:endParaRPr lang="de-DE" sz="2800" dirty="0" smtClean="0">
               <a:solidFill>
                 <a:schemeClr val="tx1"/>
               </a:solidFill>
             </a:endParaRPr>
           </a:p>
           <a:p>
+            <a:pPr lvl="0"/>
+            <a:endParaRPr lang="de-DE" sz="2800" dirty="0">
+              <a:solidFill>
+                <a:schemeClr val="tx1"/>
+              </a:solidFill>
+            </a:endParaRPr>
+          </a:p>
+          <a:p>
+            <a:pPr lvl="0"/>
+            <a:endParaRPr lang="de-DE" sz="2800" dirty="0">
+              <a:solidFill>
+                <a:schemeClr val="tx1"/>
+              </a:solidFill>
+            </a:endParaRPr>
+          </a:p>
+          <a:p>
+            <a:pPr lvl="0"/>
+            <a:r>
+              <a:rPr lang="de-DE" sz="2800" dirty="0" smtClean="0">
+                <a:solidFill>
+                  <a:schemeClr val="tx1"/>
+                </a:solidFill>
+              </a:rPr>
+              <a:t>Automatisierung getestet</a:t>
+            </a:r>
+          </a:p>
+          <a:p>
+            <a:pPr lvl="1"/>
+            <a:r>
+              <a:rPr lang="de-DE" sz="2600" dirty="0" smtClean="0">
+                <a:solidFill>
+                  <a:schemeClr val="tx1"/>
+                </a:solidFill>
+              </a:rPr>
+              <a:t>passt die Anzahl der Quellen? </a:t>
+            </a:r>
+          </a:p>
+          <a:p>
+            <a:pPr lvl="1"/>
+            <a:r>
+              <a:rPr lang="de-DE" sz="2600" dirty="0" smtClean="0">
+                <a:solidFill>
+                  <a:schemeClr val="tx1"/>
+                </a:solidFill>
+              </a:rPr>
+              <a:t>stimmt die Verteilung mit der </a:t>
+            </a:r>
+            <a:r>
+              <a:rPr lang="de-DE" sz="2600" dirty="0" err="1" smtClean="0">
+                <a:solidFill>
+                  <a:schemeClr val="tx1"/>
+                </a:solidFill>
+              </a:rPr>
+              <a:t>insgesamten</a:t>
+            </a:r>
+            <a:r>
+              <a:rPr lang="de-DE" sz="2600" dirty="0" smtClean="0">
+                <a:solidFill>
+                  <a:schemeClr val="tx1"/>
+                </a:solidFill>
+              </a:rPr>
+              <a:t> Anzahl der Menschen überein?</a:t>
+            </a:r>
+            <a:endParaRPr lang="de-DE" sz="2600" dirty="0" smtClean="0">
+              <a:solidFill>
+                <a:schemeClr val="tx1"/>
+              </a:solidFill>
+            </a:endParaRPr>
+          </a:p>
+          <a:p>
+            <a:pPr lvl="0"/>
+            <a:endParaRPr lang="de-DE" sz="2800" dirty="0" smtClean="0">
+              <a:solidFill>
+                <a:schemeClr val="tx1"/>
+              </a:solidFill>
+            </a:endParaRPr>
+          </a:p>
+          <a:p>
+            <a:pPr lvl="0"/>
+            <a:endParaRPr lang="de-DE" sz="2800" dirty="0" smtClean="0">
+              <a:solidFill>
+                <a:schemeClr val="tx1"/>
+              </a:solidFill>
+            </a:endParaRPr>
+          </a:p>
+          <a:p>
+            <a:pPr lvl="0"/>
             <a:endParaRPr lang="de-DE" dirty="0">
               <a:solidFill>
                 <a:schemeClr val="tx1"/>
@@ -8162,12 +7529,106 @@
               </a:solidFill>
             </a:endParaRPr>
           </a:p>
-        </p:txBody>
-      </p:sp>
+          <a:p>
+            <a:pPr lvl="0"/>
+            <a:endParaRPr lang="de-DE" dirty="0" smtClean="0">
+              <a:solidFill>
+                <a:schemeClr val="tx1"/>
+              </a:solidFill>
+            </a:endParaRPr>
+          </a:p>
+          <a:p>
+            <a:pPr lvl="0"/>
+            <a:endParaRPr lang="de-DE" dirty="0">
+              <a:solidFill>
+                <a:schemeClr val="tx1"/>
+              </a:solidFill>
+            </a:endParaRPr>
+          </a:p>
+          <a:p>
+            <a:pPr lvl="0"/>
+            <a:endParaRPr lang="de-DE" dirty="0" smtClean="0">
+              <a:solidFill>
+                <a:schemeClr val="tx1"/>
+              </a:solidFill>
+            </a:endParaRPr>
+          </a:p>
+          <a:p>
+            <a:pPr lvl="0"/>
+            <a:endParaRPr lang="de-DE" dirty="0">
+              <a:solidFill>
+                <a:schemeClr val="tx1"/>
+              </a:solidFill>
+            </a:endParaRPr>
+          </a:p>
+          <a:p>
+            <a:pPr lvl="0"/>
+            <a:endParaRPr lang="de-DE" dirty="0" smtClean="0">
+              <a:solidFill>
+                <a:schemeClr val="tx1"/>
+              </a:solidFill>
+            </a:endParaRPr>
+          </a:p>
+          <a:p>
+            <a:pPr lvl="0"/>
+            <a:endParaRPr lang="de-DE" dirty="0">
+              <a:solidFill>
+                <a:schemeClr val="tx1"/>
+              </a:solidFill>
+            </a:endParaRPr>
+          </a:p>
+          <a:p>
+            <a:pPr lvl="0"/>
+            <a:endParaRPr lang="de-DE" dirty="0" smtClean="0">
+              <a:solidFill>
+                <a:schemeClr val="tx1"/>
+              </a:solidFill>
+            </a:endParaRPr>
+          </a:p>
+          <a:p>
+            <a:pPr lvl="0"/>
+            <a:endParaRPr lang="de-DE" dirty="0">
+              <a:solidFill>
+                <a:schemeClr val="tx1"/>
+              </a:solidFill>
+            </a:endParaRPr>
+          </a:p>
+        </p:txBody>
+      </p:sp>
+      <p:pic>
+        <p:nvPicPr>
+          <p:cNvPr id="5" name="Bild 4"/>
+          <p:cNvPicPr>
+            <a:picLocks noChangeAspect="1"/>
+          </p:cNvPicPr>
+          <p:nvPr/>
+        </p:nvPicPr>
+        <p:blipFill>
+          <a:blip r:embed="rId2">
+            <a:extLst>
+              <a:ext uri="{28A0092B-C50C-407E-A947-70E740481C1C}">
+                <a14:useLocalDpi xmlns:a14="http://schemas.microsoft.com/office/drawing/2010/main" val="0"/>
+              </a:ext>
+            </a:extLst>
+          </a:blip>
+          <a:stretch>
+            <a:fillRect/>
+          </a:stretch>
+        </p:blipFill>
+        <p:spPr>
+          <a:xfrm>
+            <a:off x="3629893" y="1481774"/>
+            <a:ext cx="8049490" cy="1838338"/>
+          </a:xfrm>
+          <a:prstGeom prst="rect">
+            <a:avLst/>
+          </a:prstGeom>
+        </p:spPr>
+      </p:pic>
     </p:spTree>
     <p:extLst>
       <p:ext uri="{BB962C8B-B14F-4D97-AF65-F5344CB8AC3E}">
-        <p14:creationId xmlns:p14="http://schemas.microsoft.com/office/powerpoint/2010/main" val="3911566498"/>
+        <p14:creationId xmlns:p14="http://schemas.microsoft.com/office/powerpoint/2010/main" val="2030136586"/>
       </p:ext>
     </p:extLst>
   </p:cSld>
@@ -8206,36 +7667,533 @@
       </p:grpSpPr>
       <p:sp>
         <p:nvSpPr>
-          <p:cNvPr id="2" name="Titel 1"/>
-          <p:cNvSpPr>
+          <p:cNvPr id="2" name="Title 6">
+            <a:extLst>
+              <a:ext uri="{FF2B5EF4-FFF2-40B4-BE49-F238E27FC236}">
+                <a16:creationId xmlns="" xmlns:a16="http://schemas.microsoft.com/office/drawing/2014/main" id="{04F78A0C-BF40-4E0B-9FA4-AAAA57E3C4EF}"/>
+              </a:ext>
+            </a:extLst>
+          </p:cNvPr>
+          <p:cNvSpPr txBox="1">
             <a:spLocks noGrp="1"/>
           </p:cNvSpPr>
           <p:nvPr>
-            <p:ph type="ctrTitle"/>
+            <p:ph type="title"/>
           </p:nvPr>
         </p:nvSpPr>
         <p:spPr/>
         <p:txBody>
           <a:bodyPr>
-            <a:noAutofit/>
+            <a:normAutofit/>
           </a:bodyPr>
           <a:lstStyle/>
           <a:p>
-            <a:pPr algn="l"/>
-            <a:r>
-              <a:rPr lang="de-DE" sz="7000" dirty="0" smtClean="0">
-                <a:solidFill>
-                  <a:schemeClr val="bg1"/>
-                </a:solidFill>
-                <a:cs typeface="Times New Roman" panose="02020603050405020304" pitchFamily="18" charset="0"/>
-              </a:rPr>
-              <a:t>Hubert</a:t>
-            </a:r>
-            <a:endParaRPr lang="de-DE" sz="7000" dirty="0">
+            <a:pPr lvl="0" algn="ctr"/>
+            <a:r>
+              <a:rPr lang="en-GB" sz="4500" dirty="0" smtClean="0"/>
+              <a:t>16,5%</a:t>
+            </a:r>
+            <a:endParaRPr lang="en-GB" sz="4500" dirty="0"/>
+          </a:p>
+        </p:txBody>
+      </p:sp>
+      <p:sp>
+        <p:nvSpPr>
+          <p:cNvPr id="3" name="Content Placeholder 7">
+            <a:extLst>
+              <a:ext uri="{FF2B5EF4-FFF2-40B4-BE49-F238E27FC236}">
+                <a16:creationId xmlns="" xmlns:a16="http://schemas.microsoft.com/office/drawing/2014/main" id="{3A52400E-A01D-4CCF-8280-EBE32B011F8E}"/>
+              </a:ext>
+            </a:extLst>
+          </p:cNvPr>
+          <p:cNvSpPr txBox="1">
+            <a:spLocks noGrp="1"/>
+          </p:cNvSpPr>
+          <p:nvPr>
+            <p:ph idx="1"/>
+          </p:nvPr>
+        </p:nvSpPr>
+        <p:spPr>
+          <a:xfrm>
+            <a:off x="3775138" y="753034"/>
+            <a:ext cx="7315200" cy="5984748"/>
+          </a:xfrm>
+        </p:spPr>
+        <p:txBody>
+          <a:bodyPr>
+            <a:normAutofit fontScale="92500" lnSpcReduction="20000"/>
+          </a:bodyPr>
+          <a:lstStyle/>
+          <a:p>
+            <a:pPr marL="0" lvl="0" indent="0">
+              <a:lnSpc>
+                <a:spcPct val="200000"/>
+              </a:lnSpc>
+              <a:buNone/>
+            </a:pPr>
+            <a:r>
+              <a:rPr lang="de-DE" sz="2800" dirty="0">
+                <a:solidFill>
+                  <a:schemeClr val="tx1"/>
+                </a:solidFill>
+              </a:rPr>
+              <a:t>Selbsteinschätzung:</a:t>
+            </a:r>
+          </a:p>
+          <a:p>
+            <a:pPr lvl="0"/>
+            <a:r>
+              <a:rPr lang="de-DE" dirty="0" smtClean="0">
+                <a:solidFill>
+                  <a:schemeClr val="tx1"/>
+                </a:solidFill>
+              </a:rPr>
+              <a:t>Verfassen eines technischen Berichts</a:t>
+            </a:r>
+          </a:p>
+          <a:p>
+            <a:pPr lvl="0"/>
+            <a:r>
+              <a:rPr lang="en-GB" b="1" dirty="0" smtClean="0">
+                <a:solidFill>
+                  <a:schemeClr val="tx1"/>
+                </a:solidFill>
+              </a:rPr>
+              <a:t>Modellieren </a:t>
+            </a:r>
+            <a:r>
+              <a:rPr lang="en-GB" b="1" dirty="0" err="1">
+                <a:solidFill>
+                  <a:schemeClr val="tx1"/>
+                </a:solidFill>
+              </a:rPr>
+              <a:t>realistischer</a:t>
+            </a:r>
+            <a:r>
+              <a:rPr lang="en-GB" b="1" dirty="0">
+                <a:solidFill>
+                  <a:schemeClr val="tx1"/>
+                </a:solidFill>
+              </a:rPr>
+              <a:t> und </a:t>
+            </a:r>
+            <a:r>
+              <a:rPr lang="en-GB" b="1" dirty="0" err="1">
+                <a:solidFill>
+                  <a:schemeClr val="tx1"/>
+                </a:solidFill>
+              </a:rPr>
+              <a:t>variantenreicher</a:t>
+            </a:r>
+            <a:r>
+              <a:rPr lang="en-GB" b="1" dirty="0">
+                <a:solidFill>
+                  <a:schemeClr val="tx1"/>
+                </a:solidFill>
+              </a:rPr>
+              <a:t> </a:t>
+            </a:r>
+            <a:r>
+              <a:rPr lang="en-GB" b="1" dirty="0" err="1">
+                <a:solidFill>
+                  <a:schemeClr val="tx1"/>
+                </a:solidFill>
+              </a:rPr>
+              <a:t>Szenarien</a:t>
+            </a:r>
+            <a:endParaRPr lang="en-GB" b="1" dirty="0" smtClean="0">
               <a:solidFill>
-                <a:schemeClr val="bg1"/>
+                <a:schemeClr val="tx1"/>
               </a:solidFill>
-              <a:cs typeface="Times New Roman" panose="02020603050405020304" pitchFamily="18" charset="0"/>
+            </a:endParaRPr>
+          </a:p>
+          <a:p>
+            <a:pPr lvl="0"/>
+            <a:r>
+              <a:rPr lang="en-GB" b="1" dirty="0" err="1">
+                <a:solidFill>
+                  <a:schemeClr val="tx1"/>
+                </a:solidFill>
+              </a:rPr>
+              <a:t>S</a:t>
+            </a:r>
+            <a:r>
+              <a:rPr lang="en-GB" b="1" dirty="0" err="1" smtClean="0">
+                <a:solidFill>
+                  <a:schemeClr val="tx1"/>
+                </a:solidFill>
+              </a:rPr>
+              <a:t>imulieren</a:t>
+            </a:r>
+            <a:r>
+              <a:rPr lang="en-GB" b="1" dirty="0" smtClean="0">
+                <a:solidFill>
+                  <a:schemeClr val="tx1"/>
+                </a:solidFill>
+              </a:rPr>
+              <a:t> </a:t>
+            </a:r>
+            <a:r>
+              <a:rPr lang="en-GB" b="1" dirty="0" err="1">
+                <a:solidFill>
+                  <a:schemeClr val="tx1"/>
+                </a:solidFill>
+              </a:rPr>
+              <a:t>realistischer</a:t>
+            </a:r>
+            <a:r>
+              <a:rPr lang="en-GB" b="1" dirty="0">
+                <a:solidFill>
+                  <a:schemeClr val="tx1"/>
+                </a:solidFill>
+              </a:rPr>
+              <a:t> und </a:t>
+            </a:r>
+            <a:r>
+              <a:rPr lang="en-GB" b="1" dirty="0" err="1">
+                <a:solidFill>
+                  <a:schemeClr val="tx1"/>
+                </a:solidFill>
+              </a:rPr>
+              <a:t>variantenreicher</a:t>
+            </a:r>
+            <a:r>
+              <a:rPr lang="en-GB" b="1" dirty="0">
+                <a:solidFill>
+                  <a:schemeClr val="tx1"/>
+                </a:solidFill>
+              </a:rPr>
+              <a:t> </a:t>
+            </a:r>
+            <a:r>
+              <a:rPr lang="en-GB" b="1" dirty="0" err="1">
+                <a:solidFill>
+                  <a:schemeClr val="tx1"/>
+                </a:solidFill>
+              </a:rPr>
+              <a:t>Szenarien</a:t>
+            </a:r>
+            <a:endParaRPr lang="en-GB" b="1" dirty="0">
+              <a:solidFill>
+                <a:schemeClr val="tx1"/>
+              </a:solidFill>
+            </a:endParaRPr>
+          </a:p>
+          <a:p>
+            <a:r>
+              <a:rPr lang="en-GB" dirty="0" err="1">
+                <a:solidFill>
+                  <a:schemeClr val="tx1"/>
+                </a:solidFill>
+              </a:rPr>
+              <a:t>Aufbereitung</a:t>
+            </a:r>
+            <a:r>
+              <a:rPr lang="en-GB" dirty="0">
+                <a:solidFill>
+                  <a:schemeClr val="tx1"/>
+                </a:solidFill>
+              </a:rPr>
+              <a:t> des </a:t>
+            </a:r>
+            <a:r>
+              <a:rPr lang="en-GB" dirty="0" err="1">
+                <a:solidFill>
+                  <a:schemeClr val="tx1"/>
+                </a:solidFill>
+              </a:rPr>
+              <a:t>Datenformats</a:t>
+            </a:r>
+            <a:r>
+              <a:rPr lang="en-GB" dirty="0">
+                <a:solidFill>
+                  <a:schemeClr val="tx1"/>
+                </a:solidFill>
+              </a:rPr>
+              <a:t> </a:t>
+            </a:r>
+            <a:r>
+              <a:rPr lang="en-GB" dirty="0" err="1">
+                <a:solidFill>
+                  <a:schemeClr val="tx1"/>
+                </a:solidFill>
+              </a:rPr>
+              <a:t>entsprechend</a:t>
+            </a:r>
+            <a:r>
+              <a:rPr lang="en-GB" dirty="0">
+                <a:solidFill>
+                  <a:schemeClr val="tx1"/>
+                </a:solidFill>
+              </a:rPr>
+              <a:t> den </a:t>
+            </a:r>
+            <a:r>
+              <a:rPr lang="en-GB" dirty="0" err="1">
+                <a:solidFill>
+                  <a:schemeClr val="tx1"/>
+                </a:solidFill>
+              </a:rPr>
+              <a:t>Angaben</a:t>
+            </a:r>
+            <a:r>
+              <a:rPr lang="en-GB" dirty="0">
+                <a:solidFill>
+                  <a:schemeClr val="tx1"/>
+                </a:solidFill>
+              </a:rPr>
+              <a:t> des </a:t>
+            </a:r>
+            <a:r>
+              <a:rPr lang="en-GB" dirty="0" err="1">
+                <a:solidFill>
+                  <a:schemeClr val="tx1"/>
+                </a:solidFill>
+              </a:rPr>
+              <a:t>Fraunhofer</a:t>
+            </a:r>
+            <a:r>
+              <a:rPr lang="en-GB" dirty="0">
+                <a:solidFill>
+                  <a:schemeClr val="tx1"/>
+                </a:solidFill>
+              </a:rPr>
+              <a:t> </a:t>
+            </a:r>
+            <a:r>
+              <a:rPr lang="en-GB" dirty="0" err="1">
+                <a:solidFill>
+                  <a:schemeClr val="tx1"/>
+                </a:solidFill>
+              </a:rPr>
+              <a:t>Instituts</a:t>
+            </a:r>
+            <a:endParaRPr lang="en-GB" dirty="0">
+              <a:solidFill>
+                <a:schemeClr val="tx1"/>
+              </a:solidFill>
+            </a:endParaRPr>
+          </a:p>
+          <a:p>
+            <a:r>
+              <a:rPr lang="en-GB" dirty="0" err="1">
+                <a:solidFill>
+                  <a:schemeClr val="tx1"/>
+                </a:solidFill>
+              </a:rPr>
+              <a:t>Erstellen</a:t>
+            </a:r>
+            <a:r>
+              <a:rPr lang="en-GB" dirty="0">
+                <a:solidFill>
+                  <a:schemeClr val="tx1"/>
+                </a:solidFill>
+              </a:rPr>
+              <a:t> </a:t>
+            </a:r>
+            <a:r>
+              <a:rPr lang="en-GB" dirty="0" err="1">
+                <a:solidFill>
+                  <a:schemeClr val="tx1"/>
+                </a:solidFill>
+              </a:rPr>
+              <a:t>einer</a:t>
+            </a:r>
+            <a:r>
+              <a:rPr lang="en-GB" dirty="0">
+                <a:solidFill>
+                  <a:schemeClr val="tx1"/>
+                </a:solidFill>
+              </a:rPr>
+              <a:t> </a:t>
+            </a:r>
+            <a:r>
+              <a:rPr lang="en-GB" dirty="0" smtClean="0">
+                <a:solidFill>
+                  <a:schemeClr val="tx1"/>
+                </a:solidFill>
+              </a:rPr>
+              <a:t>Demonstration</a:t>
+            </a:r>
+          </a:p>
+          <a:p>
+            <a:r>
+              <a:rPr lang="en-GB" dirty="0" err="1" smtClean="0">
+                <a:solidFill>
+                  <a:schemeClr val="tx1"/>
+                </a:solidFill>
+              </a:rPr>
+              <a:t>Weitere</a:t>
+            </a:r>
+            <a:r>
+              <a:rPr lang="en-GB" dirty="0" smtClean="0">
+                <a:solidFill>
+                  <a:schemeClr val="tx1"/>
+                </a:solidFill>
+              </a:rPr>
+              <a:t> </a:t>
+            </a:r>
+            <a:r>
+              <a:rPr lang="en-GB" dirty="0" err="1" smtClean="0">
+                <a:solidFill>
+                  <a:schemeClr val="tx1"/>
+                </a:solidFill>
+              </a:rPr>
+              <a:t>Literaturrecherche</a:t>
+            </a:r>
+            <a:r>
+              <a:rPr lang="en-GB" dirty="0" smtClean="0">
+                <a:solidFill>
+                  <a:schemeClr val="tx1"/>
+                </a:solidFill>
+              </a:rPr>
+              <a:t> und </a:t>
+            </a:r>
+            <a:r>
+              <a:rPr lang="en-GB" dirty="0" err="1" smtClean="0">
+                <a:solidFill>
+                  <a:schemeClr val="tx1"/>
+                </a:solidFill>
+              </a:rPr>
+              <a:t>Implementierung</a:t>
+            </a:r>
+            <a:r>
+              <a:rPr lang="en-GB" dirty="0" smtClean="0">
+                <a:solidFill>
+                  <a:schemeClr val="tx1"/>
+                </a:solidFill>
+              </a:rPr>
+              <a:t> der Filter</a:t>
+            </a:r>
+          </a:p>
+          <a:p>
+            <a:r>
+              <a:rPr lang="de-DE" b="1" dirty="0">
+                <a:solidFill>
+                  <a:schemeClr val="tx1"/>
+                </a:solidFill>
+              </a:rPr>
+              <a:t>Die Verteilung der Personen durch Permutationen realisieren (bei der Automatisierung  der Simulation)</a:t>
+            </a:r>
+          </a:p>
+          <a:p>
+            <a:r>
+              <a:rPr lang="de-DE" dirty="0">
+                <a:solidFill>
+                  <a:schemeClr val="tx1"/>
+                </a:solidFill>
+              </a:rPr>
+              <a:t>Codeoptimierung</a:t>
+            </a:r>
+          </a:p>
+          <a:p>
+            <a:r>
+              <a:rPr lang="de-DE" dirty="0">
+                <a:solidFill>
+                  <a:schemeClr val="tx1"/>
+                </a:solidFill>
+              </a:rPr>
+              <a:t>Erstellen von Dokumentationen für die implementierten Skripte</a:t>
+            </a:r>
+          </a:p>
+          <a:p>
+            <a:r>
+              <a:rPr lang="de-DE" b="1" dirty="0">
+                <a:solidFill>
+                  <a:schemeClr val="tx1"/>
+                </a:solidFill>
+              </a:rPr>
+              <a:t>Testen der Software</a:t>
+            </a:r>
+          </a:p>
+          <a:p>
+            <a:r>
+              <a:rPr lang="de-DE" dirty="0">
+                <a:solidFill>
+                  <a:schemeClr val="tx1"/>
+                </a:solidFill>
+              </a:rPr>
+              <a:t>Datengenerierung (Datenbeauftragte)</a:t>
+            </a:r>
+          </a:p>
+          <a:p>
+            <a:r>
+              <a:rPr lang="de-DE" dirty="0">
+                <a:solidFill>
+                  <a:schemeClr val="tx1"/>
+                </a:solidFill>
+              </a:rPr>
+              <a:t>Aktualisierung des Trello Projektes/</a:t>
+            </a:r>
+            <a:r>
+              <a:rPr lang="de-DE" dirty="0" err="1">
+                <a:solidFill>
+                  <a:schemeClr val="tx1"/>
+                </a:solidFill>
+              </a:rPr>
+              <a:t>Repos</a:t>
+            </a:r>
+            <a:r>
+              <a:rPr lang="de-DE" dirty="0">
+                <a:solidFill>
+                  <a:schemeClr val="tx1"/>
+                </a:solidFill>
+              </a:rPr>
+              <a:t>/Organisation der </a:t>
+            </a:r>
+            <a:r>
+              <a:rPr lang="de-DE" dirty="0" smtClean="0">
+                <a:solidFill>
+                  <a:schemeClr val="tx1"/>
+                </a:solidFill>
+              </a:rPr>
+              <a:t>Treffen</a:t>
+            </a:r>
+          </a:p>
+          <a:p>
+            <a:r>
+              <a:rPr lang="de-DE" dirty="0" err="1" smtClean="0">
+                <a:solidFill>
+                  <a:schemeClr val="tx1"/>
+                </a:solidFill>
+              </a:rPr>
+              <a:t>Scrum</a:t>
+            </a:r>
+            <a:r>
+              <a:rPr lang="de-DE" dirty="0" smtClean="0">
+                <a:solidFill>
+                  <a:schemeClr val="tx1"/>
+                </a:solidFill>
+              </a:rPr>
+              <a:t> Master</a:t>
+            </a:r>
+            <a:endParaRPr lang="de-DE" dirty="0">
+              <a:solidFill>
+                <a:schemeClr val="tx1"/>
+              </a:solidFill>
+            </a:endParaRPr>
+          </a:p>
+          <a:p>
+            <a:endParaRPr lang="de-DE" dirty="0">
+              <a:solidFill>
+                <a:schemeClr val="tx1"/>
+              </a:solidFill>
+            </a:endParaRPr>
+          </a:p>
+          <a:p>
+            <a:pPr lvl="0"/>
+            <a:endParaRPr lang="de-DE" dirty="0" smtClean="0">
+              <a:solidFill>
+                <a:schemeClr val="tx1"/>
+              </a:solidFill>
+            </a:endParaRPr>
+          </a:p>
+          <a:p>
+            <a:pPr lvl="0"/>
+            <a:endParaRPr lang="de-DE" dirty="0">
+              <a:solidFill>
+                <a:schemeClr val="tx1"/>
+              </a:solidFill>
             </a:endParaRPr>
           </a:p>
         </p:txBody>
@@ -8243,7 +8201,7 @@
     </p:spTree>
     <p:extLst>
       <p:ext uri="{BB962C8B-B14F-4D97-AF65-F5344CB8AC3E}">
-        <p14:creationId xmlns:p14="http://schemas.microsoft.com/office/powerpoint/2010/main" val="4124211303"/>
+        <p14:creationId xmlns:p14="http://schemas.microsoft.com/office/powerpoint/2010/main" val="3911566498"/>
       </p:ext>
     </p:extLst>
   </p:cSld>
@@ -8316,7 +8274,7 @@
           <p:cNvPr id="3" name="Content Placeholder 2">
             <a:extLst>
               <a:ext uri="{FF2B5EF4-FFF2-40B4-BE49-F238E27FC236}">
-                <a16:creationId xmlns:a16="http://schemas.microsoft.com/office/drawing/2014/main" xmlns="" id="{5D4B6457-3E37-4879-A8CB-262CE10EA13A}"/>
+                <a16:creationId xmlns="" xmlns:a16="http://schemas.microsoft.com/office/drawing/2014/main" id="{5D4B6457-3E37-4879-A8CB-262CE10EA13A}"/>
               </a:ext>
             </a:extLst>
           </p:cNvPr>
@@ -8475,6 +8433,82 @@
 </file>
 
 <file path=ppt/slides/slide20.xml><?xml version="1.0" encoding="utf-8"?>
+<p:sld xmlns:a="http://schemas.openxmlformats.org/drawingml/2006/main" xmlns:r="http://schemas.openxmlformats.org/officeDocument/2006/relationships" xmlns:p="http://schemas.openxmlformats.org/presentationml/2006/main">
+  <p:cSld>
+    <p:spTree>
+      <p:nvGrpSpPr>
+        <p:cNvPr id="1" name=""/>
+        <p:cNvGrpSpPr/>
+        <p:nvPr/>
+      </p:nvGrpSpPr>
+      <p:grpSpPr>
+        <a:xfrm>
+          <a:off x="0" y="0"/>
+          <a:ext cx="0" cy="0"/>
+          <a:chOff x="0" y="0"/>
+          <a:chExt cx="0" cy="0"/>
+        </a:xfrm>
+      </p:grpSpPr>
+      <p:sp>
+        <p:nvSpPr>
+          <p:cNvPr id="2" name="Titel 1"/>
+          <p:cNvSpPr>
+            <a:spLocks noGrp="1"/>
+          </p:cNvSpPr>
+          <p:nvPr>
+            <p:ph type="ctrTitle"/>
+          </p:nvPr>
+        </p:nvSpPr>
+        <p:spPr/>
+        <p:txBody>
+          <a:bodyPr>
+            <a:noAutofit/>
+          </a:bodyPr>
+          <a:lstStyle/>
+          <a:p>
+            <a:pPr algn="l"/>
+            <a:r>
+              <a:rPr lang="de-DE" sz="7000" dirty="0" smtClean="0">
+                <a:solidFill>
+                  <a:schemeClr val="bg1"/>
+                </a:solidFill>
+                <a:cs typeface="Times New Roman" panose="02020603050405020304" pitchFamily="18" charset="0"/>
+              </a:rPr>
+              <a:t>Hubert</a:t>
+            </a:r>
+            <a:endParaRPr lang="de-DE" sz="7000" dirty="0">
+              <a:solidFill>
+                <a:schemeClr val="bg1"/>
+              </a:solidFill>
+              <a:cs typeface="Times New Roman" panose="02020603050405020304" pitchFamily="18" charset="0"/>
+            </a:endParaRPr>
+          </a:p>
+        </p:txBody>
+      </p:sp>
+    </p:spTree>
+    <p:extLst>
+      <p:ext uri="{BB962C8B-B14F-4D97-AF65-F5344CB8AC3E}">
+        <p14:creationId xmlns:p14="http://schemas.microsoft.com/office/powerpoint/2010/main" val="4124211303"/>
+      </p:ext>
+    </p:extLst>
+  </p:cSld>
+  <p:clrMapOvr>
+    <a:masterClrMapping/>
+  </p:clrMapOvr>
+  <p:transition spd="slow">
+    <p:push dir="u"/>
+  </p:transition>
+  <p:timing>
+    <p:tnLst>
+      <p:par>
+        <p:cTn id="1" dur="indefinite" restart="never" nodeType="tmRoot"/>
+      </p:par>
+    </p:tnLst>
+  </p:timing>
+</p:sld>
+</file>
+
+<file path=ppt/slides/slide21.xml><?xml version="1.0" encoding="utf-8"?>
 <p:sld xmlns:a="http://schemas.openxmlformats.org/drawingml/2006/main" xmlns:r="http://schemas.openxmlformats.org/officeDocument/2006/relationships" xmlns:p="http://schemas.openxmlformats.org/presentationml/2006/main">
   <p:cSld>
     <p:spTree>
@@ -8541,7 +8575,7 @@
 </p:sld>
 </file>
 
-<file path=ppt/slides/slide21.xml><?xml version="1.0" encoding="utf-8"?>
+<file path=ppt/slides/slide22.xml><?xml version="1.0" encoding="utf-8"?>
 <p:sld xmlns:a="http://schemas.openxmlformats.org/drawingml/2006/main" xmlns:r="http://schemas.openxmlformats.org/officeDocument/2006/relationships" xmlns:p="http://schemas.openxmlformats.org/presentationml/2006/main">
   <p:cSld>
     <p:spTree>
@@ -8608,7 +8642,7 @@
 </p:sld>
 </file>
 
-<file path=ppt/slides/slide22.xml><?xml version="1.0" encoding="utf-8"?>
+<file path=ppt/slides/slide23.xml><?xml version="1.0" encoding="utf-8"?>
 <p:sld xmlns:a="http://schemas.openxmlformats.org/drawingml/2006/main" xmlns:r="http://schemas.openxmlformats.org/officeDocument/2006/relationships" xmlns:p="http://schemas.openxmlformats.org/presentationml/2006/main">
   <p:cSld>
     <p:spTree>
@@ -8675,7 +8709,7 @@
 </p:sld>
 </file>
 
-<file path=ppt/slides/slide23.xml><?xml version="1.0" encoding="utf-8"?>
+<file path=ppt/slides/slide24.xml><?xml version="1.0" encoding="utf-8"?>
 <p:sld xmlns:a="http://schemas.openxmlformats.org/drawingml/2006/main" xmlns:r="http://schemas.openxmlformats.org/officeDocument/2006/relationships" xmlns:p="http://schemas.openxmlformats.org/presentationml/2006/main">
   <p:cSld>
     <p:spTree>
@@ -8697,7 +8731,7 @@
           <p:cNvPr id="2" name="Title 6">
             <a:extLst>
               <a:ext uri="{FF2B5EF4-FFF2-40B4-BE49-F238E27FC236}">
-                <a16:creationId xmlns:a16="http://schemas.microsoft.com/office/drawing/2014/main" xmlns="" id="{04F78A0C-BF40-4E0B-9FA4-AAAA57E3C4EF}"/>
+                <a16:creationId xmlns="" xmlns:a16="http://schemas.microsoft.com/office/drawing/2014/main" id="{04F78A0C-BF40-4E0B-9FA4-AAAA57E3C4EF}"/>
               </a:ext>
             </a:extLst>
           </p:cNvPr>
@@ -8740,7 +8774,7 @@
           <p:cNvPr id="3" name="Content Placeholder 7">
             <a:extLst>
               <a:ext uri="{FF2B5EF4-FFF2-40B4-BE49-F238E27FC236}">
-                <a16:creationId xmlns:a16="http://schemas.microsoft.com/office/drawing/2014/main" xmlns="" id="{3A52400E-A01D-4CCF-8280-EBE32B011F8E}"/>
+                <a16:creationId xmlns="" xmlns:a16="http://schemas.microsoft.com/office/drawing/2014/main" id="{3A52400E-A01D-4CCF-8280-EBE32B011F8E}"/>
               </a:ext>
             </a:extLst>
           </p:cNvPr>
@@ -8906,579 +8940,6 @@
 </p:sld>
 </file>
 
-<file path=ppt/slides/slide24.xml><?xml version="1.0" encoding="utf-8"?>
-<p:sld xmlns:a="http://schemas.openxmlformats.org/drawingml/2006/main" xmlns:r="http://schemas.openxmlformats.org/officeDocument/2006/relationships" xmlns:p="http://schemas.openxmlformats.org/presentationml/2006/main">
-  <p:cSld>
-    <p:spTree>
-      <p:nvGrpSpPr>
-        <p:cNvPr id="1" name=""/>
-        <p:cNvGrpSpPr/>
-        <p:nvPr/>
-      </p:nvGrpSpPr>
-      <p:grpSpPr>
-        <a:xfrm>
-          <a:off x="0" y="0"/>
-          <a:ext cx="0" cy="0"/>
-          <a:chOff x="0" y="0"/>
-          <a:chExt cx="0" cy="0"/>
-        </a:xfrm>
-      </p:grpSpPr>
-      <p:sp>
-        <p:nvSpPr>
-          <p:cNvPr id="2" name="Title 6">
-            <a:extLst>
-              <a:ext uri="{FF2B5EF4-FFF2-40B4-BE49-F238E27FC236}">
-                <a16:creationId xmlns:a16="http://schemas.microsoft.com/office/drawing/2014/main" xmlns="" id="{04F78A0C-BF40-4E0B-9FA4-AAAA57E3C4EF}"/>
-              </a:ext>
-            </a:extLst>
-          </p:cNvPr>
-          <p:cNvSpPr txBox="1">
-            <a:spLocks noGrp="1"/>
-          </p:cNvSpPr>
-          <p:nvPr>
-            <p:ph type="title"/>
-          </p:nvPr>
-        </p:nvSpPr>
-        <p:spPr/>
-        <p:txBody>
-          <a:bodyPr>
-            <a:normAutofit/>
-          </a:bodyPr>
-          <a:lstStyle/>
-          <a:p>
-            <a:pPr lvl="0" algn="ctr"/>
-            <a:r>
-              <a:rPr lang="en-GB" sz="4500" dirty="0" smtClean="0"/>
-              <a:t>16,5%</a:t>
-            </a:r>
-            <a:endParaRPr lang="en-GB" sz="4500" dirty="0"/>
-          </a:p>
-        </p:txBody>
-      </p:sp>
-      <p:sp>
-        <p:nvSpPr>
-          <p:cNvPr id="3" name="Content Placeholder 7">
-            <a:extLst>
-              <a:ext uri="{FF2B5EF4-FFF2-40B4-BE49-F238E27FC236}">
-                <a16:creationId xmlns:a16="http://schemas.microsoft.com/office/drawing/2014/main" xmlns="" id="{3A52400E-A01D-4CCF-8280-EBE32B011F8E}"/>
-              </a:ext>
-            </a:extLst>
-          </p:cNvPr>
-          <p:cNvSpPr txBox="1">
-            <a:spLocks noGrp="1"/>
-          </p:cNvSpPr>
-          <p:nvPr>
-            <p:ph idx="1"/>
-          </p:nvPr>
-        </p:nvSpPr>
-        <p:spPr>
-          <a:xfrm>
-            <a:off x="3775138" y="753034"/>
-            <a:ext cx="7315200" cy="5984748"/>
-          </a:xfrm>
-        </p:spPr>
-        <p:txBody>
-          <a:bodyPr>
-            <a:normAutofit fontScale="92500" lnSpcReduction="20000"/>
-          </a:bodyPr>
-          <a:lstStyle/>
-          <a:p>
-            <a:pPr marL="0" lvl="0" indent="0">
-              <a:lnSpc>
-                <a:spcPct val="200000"/>
-              </a:lnSpc>
-              <a:buNone/>
-            </a:pPr>
-            <a:r>
-              <a:rPr lang="de-DE" sz="2800" dirty="0">
-                <a:solidFill>
-                  <a:schemeClr val="tx1"/>
-                </a:solidFill>
-              </a:rPr>
-              <a:t>Selbsteinschätzung:</a:t>
-            </a:r>
-          </a:p>
-          <a:p>
-            <a:pPr lvl="0"/>
-            <a:r>
-              <a:rPr lang="de-DE" dirty="0" smtClean="0">
-                <a:solidFill>
-                  <a:schemeClr val="tx1"/>
-                </a:solidFill>
-              </a:rPr>
-              <a:t>Verfassen eines technischen Berichts</a:t>
-            </a:r>
-          </a:p>
-          <a:p>
-            <a:pPr lvl="0"/>
-            <a:r>
-              <a:rPr lang="en-GB" dirty="0" smtClean="0">
-                <a:solidFill>
-                  <a:schemeClr val="tx1"/>
-                </a:solidFill>
-              </a:rPr>
-              <a:t>Modellieren </a:t>
-            </a:r>
-            <a:r>
-              <a:rPr lang="en-GB" dirty="0" err="1">
-                <a:solidFill>
-                  <a:schemeClr val="tx1"/>
-                </a:solidFill>
-              </a:rPr>
-              <a:t>realistischer</a:t>
-            </a:r>
-            <a:r>
-              <a:rPr lang="en-GB" dirty="0">
-                <a:solidFill>
-                  <a:schemeClr val="tx1"/>
-                </a:solidFill>
-              </a:rPr>
-              <a:t> und </a:t>
-            </a:r>
-            <a:r>
-              <a:rPr lang="en-GB" dirty="0" err="1">
-                <a:solidFill>
-                  <a:schemeClr val="tx1"/>
-                </a:solidFill>
-              </a:rPr>
-              <a:t>variantenreicher</a:t>
-            </a:r>
-            <a:r>
-              <a:rPr lang="en-GB" dirty="0">
-                <a:solidFill>
-                  <a:schemeClr val="tx1"/>
-                </a:solidFill>
-              </a:rPr>
-              <a:t> </a:t>
-            </a:r>
-            <a:r>
-              <a:rPr lang="en-GB" dirty="0" err="1">
-                <a:solidFill>
-                  <a:schemeClr val="tx1"/>
-                </a:solidFill>
-              </a:rPr>
-              <a:t>Szenarien</a:t>
-            </a:r>
-            <a:endParaRPr lang="en-GB" dirty="0" smtClean="0">
-              <a:solidFill>
-                <a:schemeClr val="tx1"/>
-              </a:solidFill>
-            </a:endParaRPr>
-          </a:p>
-          <a:p>
-            <a:pPr lvl="0"/>
-            <a:r>
-              <a:rPr lang="en-GB" dirty="0" err="1">
-                <a:solidFill>
-                  <a:schemeClr val="tx1"/>
-                </a:solidFill>
-              </a:rPr>
-              <a:t>S</a:t>
-            </a:r>
-            <a:r>
-              <a:rPr lang="en-GB" dirty="0" err="1" smtClean="0">
-                <a:solidFill>
-                  <a:schemeClr val="tx1"/>
-                </a:solidFill>
-              </a:rPr>
-              <a:t>imulieren</a:t>
-            </a:r>
-            <a:r>
-              <a:rPr lang="en-GB" dirty="0" smtClean="0">
-                <a:solidFill>
-                  <a:schemeClr val="tx1"/>
-                </a:solidFill>
-              </a:rPr>
-              <a:t> </a:t>
-            </a:r>
-            <a:r>
-              <a:rPr lang="en-GB" dirty="0" err="1">
-                <a:solidFill>
-                  <a:schemeClr val="tx1"/>
-                </a:solidFill>
-              </a:rPr>
-              <a:t>realistischer</a:t>
-            </a:r>
-            <a:r>
-              <a:rPr lang="en-GB" dirty="0">
-                <a:solidFill>
-                  <a:schemeClr val="tx1"/>
-                </a:solidFill>
-              </a:rPr>
-              <a:t> und </a:t>
-            </a:r>
-            <a:r>
-              <a:rPr lang="en-GB" dirty="0" err="1">
-                <a:solidFill>
-                  <a:schemeClr val="tx1"/>
-                </a:solidFill>
-              </a:rPr>
-              <a:t>variantenreicher</a:t>
-            </a:r>
-            <a:r>
-              <a:rPr lang="en-GB" dirty="0">
-                <a:solidFill>
-                  <a:schemeClr val="tx1"/>
-                </a:solidFill>
-              </a:rPr>
-              <a:t> </a:t>
-            </a:r>
-            <a:r>
-              <a:rPr lang="en-GB" dirty="0" err="1">
-                <a:solidFill>
-                  <a:schemeClr val="tx1"/>
-                </a:solidFill>
-              </a:rPr>
-              <a:t>Szenarien</a:t>
-            </a:r>
-            <a:endParaRPr lang="en-GB" dirty="0">
-              <a:solidFill>
-                <a:schemeClr val="tx1"/>
-              </a:solidFill>
-            </a:endParaRPr>
-          </a:p>
-          <a:p>
-            <a:r>
-              <a:rPr lang="en-GB" b="1" dirty="0" err="1">
-                <a:solidFill>
-                  <a:schemeClr val="tx1"/>
-                </a:solidFill>
-              </a:rPr>
-              <a:t>Aufbereitung</a:t>
-            </a:r>
-            <a:r>
-              <a:rPr lang="en-GB" b="1" dirty="0">
-                <a:solidFill>
-                  <a:schemeClr val="tx1"/>
-                </a:solidFill>
-              </a:rPr>
-              <a:t> des </a:t>
-            </a:r>
-            <a:r>
-              <a:rPr lang="en-GB" b="1" dirty="0" err="1">
-                <a:solidFill>
-                  <a:schemeClr val="tx1"/>
-                </a:solidFill>
-              </a:rPr>
-              <a:t>Datenformats</a:t>
-            </a:r>
-            <a:r>
-              <a:rPr lang="en-GB" b="1" dirty="0">
-                <a:solidFill>
-                  <a:schemeClr val="tx1"/>
-                </a:solidFill>
-              </a:rPr>
-              <a:t> </a:t>
-            </a:r>
-            <a:r>
-              <a:rPr lang="en-GB" b="1" dirty="0" err="1">
-                <a:solidFill>
-                  <a:schemeClr val="tx1"/>
-                </a:solidFill>
-              </a:rPr>
-              <a:t>entsprechend</a:t>
-            </a:r>
-            <a:r>
-              <a:rPr lang="en-GB" b="1" dirty="0">
-                <a:solidFill>
-                  <a:schemeClr val="tx1"/>
-                </a:solidFill>
-              </a:rPr>
-              <a:t> den </a:t>
-            </a:r>
-            <a:r>
-              <a:rPr lang="en-GB" b="1" dirty="0" err="1">
-                <a:solidFill>
-                  <a:schemeClr val="tx1"/>
-                </a:solidFill>
-              </a:rPr>
-              <a:t>Angaben</a:t>
-            </a:r>
-            <a:r>
-              <a:rPr lang="en-GB" b="1" dirty="0">
-                <a:solidFill>
-                  <a:schemeClr val="tx1"/>
-                </a:solidFill>
-              </a:rPr>
-              <a:t> des </a:t>
-            </a:r>
-            <a:r>
-              <a:rPr lang="en-GB" b="1" dirty="0" err="1">
-                <a:solidFill>
-                  <a:schemeClr val="tx1"/>
-                </a:solidFill>
-              </a:rPr>
-              <a:t>Fraunhofer</a:t>
-            </a:r>
-            <a:r>
-              <a:rPr lang="en-GB" b="1" dirty="0">
-                <a:solidFill>
-                  <a:schemeClr val="tx1"/>
-                </a:solidFill>
-              </a:rPr>
-              <a:t> </a:t>
-            </a:r>
-            <a:r>
-              <a:rPr lang="en-GB" b="1" dirty="0" err="1">
-                <a:solidFill>
-                  <a:schemeClr val="tx1"/>
-                </a:solidFill>
-              </a:rPr>
-              <a:t>Instituts</a:t>
-            </a:r>
-            <a:endParaRPr lang="en-GB" b="1" dirty="0">
-              <a:solidFill>
-                <a:schemeClr val="tx1"/>
-              </a:solidFill>
-            </a:endParaRPr>
-          </a:p>
-          <a:p>
-            <a:r>
-              <a:rPr lang="en-GB" dirty="0" err="1">
-                <a:solidFill>
-                  <a:schemeClr val="tx1"/>
-                </a:solidFill>
-              </a:rPr>
-              <a:t>Erstellen</a:t>
-            </a:r>
-            <a:r>
-              <a:rPr lang="en-GB" dirty="0">
-                <a:solidFill>
-                  <a:schemeClr val="tx1"/>
-                </a:solidFill>
-              </a:rPr>
-              <a:t> </a:t>
-            </a:r>
-            <a:r>
-              <a:rPr lang="en-GB" dirty="0" err="1">
-                <a:solidFill>
-                  <a:schemeClr val="tx1"/>
-                </a:solidFill>
-              </a:rPr>
-              <a:t>einer</a:t>
-            </a:r>
-            <a:r>
-              <a:rPr lang="en-GB" dirty="0">
-                <a:solidFill>
-                  <a:schemeClr val="tx1"/>
-                </a:solidFill>
-              </a:rPr>
-              <a:t> </a:t>
-            </a:r>
-            <a:r>
-              <a:rPr lang="en-GB" dirty="0" smtClean="0">
-                <a:solidFill>
-                  <a:schemeClr val="tx1"/>
-                </a:solidFill>
-              </a:rPr>
-              <a:t>Demonstration</a:t>
-            </a:r>
-          </a:p>
-          <a:p>
-            <a:r>
-              <a:rPr lang="en-GB" dirty="0" err="1" smtClean="0">
-                <a:solidFill>
-                  <a:schemeClr val="tx1"/>
-                </a:solidFill>
-              </a:rPr>
-              <a:t>Weitere</a:t>
-            </a:r>
-            <a:r>
-              <a:rPr lang="en-GB" dirty="0" smtClean="0">
-                <a:solidFill>
-                  <a:schemeClr val="tx1"/>
-                </a:solidFill>
-              </a:rPr>
-              <a:t> </a:t>
-            </a:r>
-            <a:r>
-              <a:rPr lang="en-GB" dirty="0" err="1" smtClean="0">
-                <a:solidFill>
-                  <a:schemeClr val="tx1"/>
-                </a:solidFill>
-              </a:rPr>
-              <a:t>Literaturrecherche</a:t>
-            </a:r>
-            <a:r>
-              <a:rPr lang="en-GB" dirty="0" smtClean="0">
-                <a:solidFill>
-                  <a:schemeClr val="tx1"/>
-                </a:solidFill>
-              </a:rPr>
-              <a:t> und </a:t>
-            </a:r>
-            <a:r>
-              <a:rPr lang="en-GB" dirty="0" err="1" smtClean="0">
-                <a:solidFill>
-                  <a:schemeClr val="tx1"/>
-                </a:solidFill>
-              </a:rPr>
-              <a:t>Implementierung</a:t>
-            </a:r>
-            <a:r>
-              <a:rPr lang="en-GB" dirty="0" smtClean="0">
-                <a:solidFill>
-                  <a:schemeClr val="tx1"/>
-                </a:solidFill>
-              </a:rPr>
-              <a:t> der Filter</a:t>
-            </a:r>
-          </a:p>
-          <a:p>
-            <a:r>
-              <a:rPr lang="de-DE" dirty="0">
-                <a:solidFill>
-                  <a:schemeClr val="tx1"/>
-                </a:solidFill>
-              </a:rPr>
-              <a:t>Die Verteilung der Personen durch Permutationen realisieren (bei der Automatisierung  der Simulation)</a:t>
-            </a:r>
-          </a:p>
-          <a:p>
-            <a:r>
-              <a:rPr lang="de-DE" b="1" dirty="0">
-                <a:solidFill>
-                  <a:schemeClr val="tx1"/>
-                </a:solidFill>
-              </a:rPr>
-              <a:t>Codeoptimierung</a:t>
-            </a:r>
-          </a:p>
-          <a:p>
-            <a:r>
-              <a:rPr lang="de-DE" b="1" dirty="0">
-                <a:solidFill>
-                  <a:schemeClr val="tx1"/>
-                </a:solidFill>
-              </a:rPr>
-              <a:t>Erstellen von Dokumentationen für die implementierten Skripte</a:t>
-            </a:r>
-          </a:p>
-          <a:p>
-            <a:r>
-              <a:rPr lang="de-DE" b="1" dirty="0">
-                <a:solidFill>
-                  <a:schemeClr val="tx1"/>
-                </a:solidFill>
-              </a:rPr>
-              <a:t>Testen der Software</a:t>
-            </a:r>
-          </a:p>
-          <a:p>
-            <a:r>
-              <a:rPr lang="de-DE" dirty="0">
-                <a:solidFill>
-                  <a:schemeClr val="tx1"/>
-                </a:solidFill>
-              </a:rPr>
-              <a:t>Datengenerierung (Datenbeauftragte)</a:t>
-            </a:r>
-          </a:p>
-          <a:p>
-            <a:r>
-              <a:rPr lang="de-DE" dirty="0">
-                <a:solidFill>
-                  <a:schemeClr val="tx1"/>
-                </a:solidFill>
-              </a:rPr>
-              <a:t>Aktualisierung des Trello Projektes/</a:t>
-            </a:r>
-            <a:r>
-              <a:rPr lang="de-DE" dirty="0" err="1">
-                <a:solidFill>
-                  <a:schemeClr val="tx1"/>
-                </a:solidFill>
-              </a:rPr>
-              <a:t>Repos</a:t>
-            </a:r>
-            <a:r>
-              <a:rPr lang="de-DE" dirty="0">
-                <a:solidFill>
-                  <a:schemeClr val="tx1"/>
-                </a:solidFill>
-              </a:rPr>
-              <a:t>/Organisation der </a:t>
-            </a:r>
-            <a:r>
-              <a:rPr lang="de-DE" dirty="0" smtClean="0">
-                <a:solidFill>
-                  <a:schemeClr val="tx1"/>
-                </a:solidFill>
-              </a:rPr>
-              <a:t>Treffen</a:t>
-            </a:r>
-          </a:p>
-          <a:p>
-            <a:r>
-              <a:rPr lang="de-DE" dirty="0" err="1" smtClean="0">
-                <a:solidFill>
-                  <a:schemeClr val="tx1"/>
-                </a:solidFill>
-              </a:rPr>
-              <a:t>Scrum</a:t>
-            </a:r>
-            <a:r>
-              <a:rPr lang="de-DE" dirty="0" smtClean="0">
-                <a:solidFill>
-                  <a:schemeClr val="tx1"/>
-                </a:solidFill>
-              </a:rPr>
-              <a:t> Master</a:t>
-            </a:r>
-            <a:endParaRPr lang="de-DE" dirty="0">
-              <a:solidFill>
-                <a:schemeClr val="tx1"/>
-              </a:solidFill>
-            </a:endParaRPr>
-          </a:p>
-          <a:p>
-            <a:endParaRPr lang="de-DE" dirty="0">
-              <a:solidFill>
-                <a:schemeClr val="tx1"/>
-              </a:solidFill>
-            </a:endParaRPr>
-          </a:p>
-          <a:p>
-            <a:pPr lvl="0"/>
-            <a:endParaRPr lang="de-DE" dirty="0" smtClean="0">
-              <a:solidFill>
-                <a:schemeClr val="tx1"/>
-              </a:solidFill>
-            </a:endParaRPr>
-          </a:p>
-          <a:p>
-            <a:pPr lvl="0"/>
-            <a:endParaRPr lang="de-DE" dirty="0">
-              <a:solidFill>
-                <a:schemeClr val="tx1"/>
-              </a:solidFill>
-            </a:endParaRPr>
-          </a:p>
-        </p:txBody>
-      </p:sp>
-    </p:spTree>
-    <p:extLst>
-      <p:ext uri="{BB962C8B-B14F-4D97-AF65-F5344CB8AC3E}">
-        <p14:creationId xmlns:p14="http://schemas.microsoft.com/office/powerpoint/2010/main" val="1524849354"/>
-      </p:ext>
-    </p:extLst>
-  </p:cSld>
-  <p:clrMapOvr>
-    <a:masterClrMapping/>
-  </p:clrMapOvr>
-  <p:transition spd="slow">
-    <p:push dir="u"/>
-  </p:transition>
-  <p:timing>
-    <p:tnLst>
-      <p:par>
-        <p:cTn id="1" dur="indefinite" restart="never" nodeType="tmRoot"/>
-      </p:par>
-    </p:tnLst>
-  </p:timing>
-</p:sld>
-</file>
-
 <file path=ppt/slides/slide25.xml><?xml version="1.0" encoding="utf-8"?>
 <p:sld xmlns:a="http://schemas.openxmlformats.org/drawingml/2006/main" xmlns:r="http://schemas.openxmlformats.org/officeDocument/2006/relationships" xmlns:p="http://schemas.openxmlformats.org/presentationml/2006/main">
   <p:cSld>
@@ -9498,36 +8959,533 @@
       </p:grpSpPr>
       <p:sp>
         <p:nvSpPr>
-          <p:cNvPr id="2" name="Titel 1"/>
-          <p:cNvSpPr>
+          <p:cNvPr id="2" name="Title 6">
+            <a:extLst>
+              <a:ext uri="{FF2B5EF4-FFF2-40B4-BE49-F238E27FC236}">
+                <a16:creationId xmlns="" xmlns:a16="http://schemas.microsoft.com/office/drawing/2014/main" id="{04F78A0C-BF40-4E0B-9FA4-AAAA57E3C4EF}"/>
+              </a:ext>
+            </a:extLst>
+          </p:cNvPr>
+          <p:cNvSpPr txBox="1">
             <a:spLocks noGrp="1"/>
           </p:cNvSpPr>
           <p:nvPr>
-            <p:ph type="ctrTitle"/>
+            <p:ph type="title"/>
           </p:nvPr>
         </p:nvSpPr>
         <p:spPr/>
         <p:txBody>
           <a:bodyPr>
-            <a:noAutofit/>
+            <a:normAutofit/>
           </a:bodyPr>
           <a:lstStyle/>
           <a:p>
-            <a:pPr algn="l"/>
-            <a:r>
-              <a:rPr lang="de-DE" sz="7000" dirty="0" smtClean="0">
-                <a:solidFill>
-                  <a:schemeClr val="bg1"/>
-                </a:solidFill>
-                <a:cs typeface="Times New Roman" panose="02020603050405020304" pitchFamily="18" charset="0"/>
-              </a:rPr>
-              <a:t>Julian</a:t>
-            </a:r>
-            <a:endParaRPr lang="de-DE" sz="7000" dirty="0">
+            <a:pPr lvl="0" algn="ctr"/>
+            <a:r>
+              <a:rPr lang="en-GB" sz="4500" dirty="0" smtClean="0"/>
+              <a:t>16,5%</a:t>
+            </a:r>
+            <a:endParaRPr lang="en-GB" sz="4500" dirty="0"/>
+          </a:p>
+        </p:txBody>
+      </p:sp>
+      <p:sp>
+        <p:nvSpPr>
+          <p:cNvPr id="3" name="Content Placeholder 7">
+            <a:extLst>
+              <a:ext uri="{FF2B5EF4-FFF2-40B4-BE49-F238E27FC236}">
+                <a16:creationId xmlns="" xmlns:a16="http://schemas.microsoft.com/office/drawing/2014/main" id="{3A52400E-A01D-4CCF-8280-EBE32B011F8E}"/>
+              </a:ext>
+            </a:extLst>
+          </p:cNvPr>
+          <p:cNvSpPr txBox="1">
+            <a:spLocks noGrp="1"/>
+          </p:cNvSpPr>
+          <p:nvPr>
+            <p:ph idx="1"/>
+          </p:nvPr>
+        </p:nvSpPr>
+        <p:spPr>
+          <a:xfrm>
+            <a:off x="3775138" y="753034"/>
+            <a:ext cx="7315200" cy="5984748"/>
+          </a:xfrm>
+        </p:spPr>
+        <p:txBody>
+          <a:bodyPr>
+            <a:normAutofit fontScale="92500" lnSpcReduction="20000"/>
+          </a:bodyPr>
+          <a:lstStyle/>
+          <a:p>
+            <a:pPr marL="0" lvl="0" indent="0">
+              <a:lnSpc>
+                <a:spcPct val="200000"/>
+              </a:lnSpc>
+              <a:buNone/>
+            </a:pPr>
+            <a:r>
+              <a:rPr lang="de-DE" sz="2800" dirty="0">
+                <a:solidFill>
+                  <a:schemeClr val="tx1"/>
+                </a:solidFill>
+              </a:rPr>
+              <a:t>Selbsteinschätzung:</a:t>
+            </a:r>
+          </a:p>
+          <a:p>
+            <a:pPr lvl="0"/>
+            <a:r>
+              <a:rPr lang="de-DE" dirty="0" smtClean="0">
+                <a:solidFill>
+                  <a:schemeClr val="tx1"/>
+                </a:solidFill>
+              </a:rPr>
+              <a:t>Verfassen eines technischen Berichts</a:t>
+            </a:r>
+          </a:p>
+          <a:p>
+            <a:pPr lvl="0"/>
+            <a:r>
+              <a:rPr lang="en-GB" dirty="0" smtClean="0">
+                <a:solidFill>
+                  <a:schemeClr val="tx1"/>
+                </a:solidFill>
+              </a:rPr>
+              <a:t>Modellieren </a:t>
+            </a:r>
+            <a:r>
+              <a:rPr lang="en-GB" dirty="0" err="1">
+                <a:solidFill>
+                  <a:schemeClr val="tx1"/>
+                </a:solidFill>
+              </a:rPr>
+              <a:t>realistischer</a:t>
+            </a:r>
+            <a:r>
+              <a:rPr lang="en-GB" dirty="0">
+                <a:solidFill>
+                  <a:schemeClr val="tx1"/>
+                </a:solidFill>
+              </a:rPr>
+              <a:t> und </a:t>
+            </a:r>
+            <a:r>
+              <a:rPr lang="en-GB" dirty="0" err="1">
+                <a:solidFill>
+                  <a:schemeClr val="tx1"/>
+                </a:solidFill>
+              </a:rPr>
+              <a:t>variantenreicher</a:t>
+            </a:r>
+            <a:r>
+              <a:rPr lang="en-GB" dirty="0">
+                <a:solidFill>
+                  <a:schemeClr val="tx1"/>
+                </a:solidFill>
+              </a:rPr>
+              <a:t> </a:t>
+            </a:r>
+            <a:r>
+              <a:rPr lang="en-GB" dirty="0" err="1">
+                <a:solidFill>
+                  <a:schemeClr val="tx1"/>
+                </a:solidFill>
+              </a:rPr>
+              <a:t>Szenarien</a:t>
+            </a:r>
+            <a:endParaRPr lang="en-GB" dirty="0" smtClean="0">
               <a:solidFill>
-                <a:schemeClr val="bg1"/>
+                <a:schemeClr val="tx1"/>
               </a:solidFill>
-              <a:cs typeface="Times New Roman" panose="02020603050405020304" pitchFamily="18" charset="0"/>
+            </a:endParaRPr>
+          </a:p>
+          <a:p>
+            <a:pPr lvl="0"/>
+            <a:r>
+              <a:rPr lang="en-GB" dirty="0" err="1">
+                <a:solidFill>
+                  <a:schemeClr val="tx1"/>
+                </a:solidFill>
+              </a:rPr>
+              <a:t>S</a:t>
+            </a:r>
+            <a:r>
+              <a:rPr lang="en-GB" dirty="0" err="1" smtClean="0">
+                <a:solidFill>
+                  <a:schemeClr val="tx1"/>
+                </a:solidFill>
+              </a:rPr>
+              <a:t>imulieren</a:t>
+            </a:r>
+            <a:r>
+              <a:rPr lang="en-GB" dirty="0" smtClean="0">
+                <a:solidFill>
+                  <a:schemeClr val="tx1"/>
+                </a:solidFill>
+              </a:rPr>
+              <a:t> </a:t>
+            </a:r>
+            <a:r>
+              <a:rPr lang="en-GB" dirty="0" err="1">
+                <a:solidFill>
+                  <a:schemeClr val="tx1"/>
+                </a:solidFill>
+              </a:rPr>
+              <a:t>realistischer</a:t>
+            </a:r>
+            <a:r>
+              <a:rPr lang="en-GB" dirty="0">
+                <a:solidFill>
+                  <a:schemeClr val="tx1"/>
+                </a:solidFill>
+              </a:rPr>
+              <a:t> und </a:t>
+            </a:r>
+            <a:r>
+              <a:rPr lang="en-GB" dirty="0" err="1">
+                <a:solidFill>
+                  <a:schemeClr val="tx1"/>
+                </a:solidFill>
+              </a:rPr>
+              <a:t>variantenreicher</a:t>
+            </a:r>
+            <a:r>
+              <a:rPr lang="en-GB" dirty="0">
+                <a:solidFill>
+                  <a:schemeClr val="tx1"/>
+                </a:solidFill>
+              </a:rPr>
+              <a:t> </a:t>
+            </a:r>
+            <a:r>
+              <a:rPr lang="en-GB" dirty="0" err="1">
+                <a:solidFill>
+                  <a:schemeClr val="tx1"/>
+                </a:solidFill>
+              </a:rPr>
+              <a:t>Szenarien</a:t>
+            </a:r>
+            <a:endParaRPr lang="en-GB" dirty="0">
+              <a:solidFill>
+                <a:schemeClr val="tx1"/>
+              </a:solidFill>
+            </a:endParaRPr>
+          </a:p>
+          <a:p>
+            <a:r>
+              <a:rPr lang="en-GB" b="1" dirty="0" err="1">
+                <a:solidFill>
+                  <a:schemeClr val="tx1"/>
+                </a:solidFill>
+              </a:rPr>
+              <a:t>Aufbereitung</a:t>
+            </a:r>
+            <a:r>
+              <a:rPr lang="en-GB" b="1" dirty="0">
+                <a:solidFill>
+                  <a:schemeClr val="tx1"/>
+                </a:solidFill>
+              </a:rPr>
+              <a:t> des </a:t>
+            </a:r>
+            <a:r>
+              <a:rPr lang="en-GB" b="1" dirty="0" err="1">
+                <a:solidFill>
+                  <a:schemeClr val="tx1"/>
+                </a:solidFill>
+              </a:rPr>
+              <a:t>Datenformats</a:t>
+            </a:r>
+            <a:r>
+              <a:rPr lang="en-GB" b="1" dirty="0">
+                <a:solidFill>
+                  <a:schemeClr val="tx1"/>
+                </a:solidFill>
+              </a:rPr>
+              <a:t> </a:t>
+            </a:r>
+            <a:r>
+              <a:rPr lang="en-GB" b="1" dirty="0" err="1">
+                <a:solidFill>
+                  <a:schemeClr val="tx1"/>
+                </a:solidFill>
+              </a:rPr>
+              <a:t>entsprechend</a:t>
+            </a:r>
+            <a:r>
+              <a:rPr lang="en-GB" b="1" dirty="0">
+                <a:solidFill>
+                  <a:schemeClr val="tx1"/>
+                </a:solidFill>
+              </a:rPr>
+              <a:t> den </a:t>
+            </a:r>
+            <a:r>
+              <a:rPr lang="en-GB" b="1" dirty="0" err="1">
+                <a:solidFill>
+                  <a:schemeClr val="tx1"/>
+                </a:solidFill>
+              </a:rPr>
+              <a:t>Angaben</a:t>
+            </a:r>
+            <a:r>
+              <a:rPr lang="en-GB" b="1" dirty="0">
+                <a:solidFill>
+                  <a:schemeClr val="tx1"/>
+                </a:solidFill>
+              </a:rPr>
+              <a:t> des </a:t>
+            </a:r>
+            <a:r>
+              <a:rPr lang="en-GB" b="1" dirty="0" err="1">
+                <a:solidFill>
+                  <a:schemeClr val="tx1"/>
+                </a:solidFill>
+              </a:rPr>
+              <a:t>Fraunhofer</a:t>
+            </a:r>
+            <a:r>
+              <a:rPr lang="en-GB" b="1" dirty="0">
+                <a:solidFill>
+                  <a:schemeClr val="tx1"/>
+                </a:solidFill>
+              </a:rPr>
+              <a:t> </a:t>
+            </a:r>
+            <a:r>
+              <a:rPr lang="en-GB" b="1" dirty="0" err="1">
+                <a:solidFill>
+                  <a:schemeClr val="tx1"/>
+                </a:solidFill>
+              </a:rPr>
+              <a:t>Instituts</a:t>
+            </a:r>
+            <a:endParaRPr lang="en-GB" b="1" dirty="0">
+              <a:solidFill>
+                <a:schemeClr val="tx1"/>
+              </a:solidFill>
+            </a:endParaRPr>
+          </a:p>
+          <a:p>
+            <a:r>
+              <a:rPr lang="en-GB" dirty="0" err="1">
+                <a:solidFill>
+                  <a:schemeClr val="tx1"/>
+                </a:solidFill>
+              </a:rPr>
+              <a:t>Erstellen</a:t>
+            </a:r>
+            <a:r>
+              <a:rPr lang="en-GB" dirty="0">
+                <a:solidFill>
+                  <a:schemeClr val="tx1"/>
+                </a:solidFill>
+              </a:rPr>
+              <a:t> </a:t>
+            </a:r>
+            <a:r>
+              <a:rPr lang="en-GB" dirty="0" err="1">
+                <a:solidFill>
+                  <a:schemeClr val="tx1"/>
+                </a:solidFill>
+              </a:rPr>
+              <a:t>einer</a:t>
+            </a:r>
+            <a:r>
+              <a:rPr lang="en-GB" dirty="0">
+                <a:solidFill>
+                  <a:schemeClr val="tx1"/>
+                </a:solidFill>
+              </a:rPr>
+              <a:t> </a:t>
+            </a:r>
+            <a:r>
+              <a:rPr lang="en-GB" dirty="0" smtClean="0">
+                <a:solidFill>
+                  <a:schemeClr val="tx1"/>
+                </a:solidFill>
+              </a:rPr>
+              <a:t>Demonstration</a:t>
+            </a:r>
+          </a:p>
+          <a:p>
+            <a:r>
+              <a:rPr lang="en-GB" dirty="0" err="1" smtClean="0">
+                <a:solidFill>
+                  <a:schemeClr val="tx1"/>
+                </a:solidFill>
+              </a:rPr>
+              <a:t>Weitere</a:t>
+            </a:r>
+            <a:r>
+              <a:rPr lang="en-GB" dirty="0" smtClean="0">
+                <a:solidFill>
+                  <a:schemeClr val="tx1"/>
+                </a:solidFill>
+              </a:rPr>
+              <a:t> </a:t>
+            </a:r>
+            <a:r>
+              <a:rPr lang="en-GB" dirty="0" err="1" smtClean="0">
+                <a:solidFill>
+                  <a:schemeClr val="tx1"/>
+                </a:solidFill>
+              </a:rPr>
+              <a:t>Literaturrecherche</a:t>
+            </a:r>
+            <a:r>
+              <a:rPr lang="en-GB" dirty="0" smtClean="0">
+                <a:solidFill>
+                  <a:schemeClr val="tx1"/>
+                </a:solidFill>
+              </a:rPr>
+              <a:t> und </a:t>
+            </a:r>
+            <a:r>
+              <a:rPr lang="en-GB" dirty="0" err="1" smtClean="0">
+                <a:solidFill>
+                  <a:schemeClr val="tx1"/>
+                </a:solidFill>
+              </a:rPr>
+              <a:t>Implementierung</a:t>
+            </a:r>
+            <a:r>
+              <a:rPr lang="en-GB" dirty="0" smtClean="0">
+                <a:solidFill>
+                  <a:schemeClr val="tx1"/>
+                </a:solidFill>
+              </a:rPr>
+              <a:t> der Filter</a:t>
+            </a:r>
+          </a:p>
+          <a:p>
+            <a:r>
+              <a:rPr lang="de-DE" dirty="0">
+                <a:solidFill>
+                  <a:schemeClr val="tx1"/>
+                </a:solidFill>
+              </a:rPr>
+              <a:t>Die Verteilung der Personen durch Permutationen realisieren (bei der Automatisierung  der Simulation)</a:t>
+            </a:r>
+          </a:p>
+          <a:p>
+            <a:r>
+              <a:rPr lang="de-DE" b="1" dirty="0">
+                <a:solidFill>
+                  <a:schemeClr val="tx1"/>
+                </a:solidFill>
+              </a:rPr>
+              <a:t>Codeoptimierung</a:t>
+            </a:r>
+          </a:p>
+          <a:p>
+            <a:r>
+              <a:rPr lang="de-DE" b="1" dirty="0">
+                <a:solidFill>
+                  <a:schemeClr val="tx1"/>
+                </a:solidFill>
+              </a:rPr>
+              <a:t>Erstellen von Dokumentationen für die implementierten Skripte</a:t>
+            </a:r>
+          </a:p>
+          <a:p>
+            <a:r>
+              <a:rPr lang="de-DE" b="1" dirty="0">
+                <a:solidFill>
+                  <a:schemeClr val="tx1"/>
+                </a:solidFill>
+              </a:rPr>
+              <a:t>Testen der Software</a:t>
+            </a:r>
+          </a:p>
+          <a:p>
+            <a:r>
+              <a:rPr lang="de-DE" dirty="0">
+                <a:solidFill>
+                  <a:schemeClr val="tx1"/>
+                </a:solidFill>
+              </a:rPr>
+              <a:t>Datengenerierung (Datenbeauftragte)</a:t>
+            </a:r>
+          </a:p>
+          <a:p>
+            <a:r>
+              <a:rPr lang="de-DE" dirty="0">
+                <a:solidFill>
+                  <a:schemeClr val="tx1"/>
+                </a:solidFill>
+              </a:rPr>
+              <a:t>Aktualisierung des Trello Projektes/</a:t>
+            </a:r>
+            <a:r>
+              <a:rPr lang="de-DE" dirty="0" err="1">
+                <a:solidFill>
+                  <a:schemeClr val="tx1"/>
+                </a:solidFill>
+              </a:rPr>
+              <a:t>Repos</a:t>
+            </a:r>
+            <a:r>
+              <a:rPr lang="de-DE" dirty="0">
+                <a:solidFill>
+                  <a:schemeClr val="tx1"/>
+                </a:solidFill>
+              </a:rPr>
+              <a:t>/Organisation der </a:t>
+            </a:r>
+            <a:r>
+              <a:rPr lang="de-DE" dirty="0" smtClean="0">
+                <a:solidFill>
+                  <a:schemeClr val="tx1"/>
+                </a:solidFill>
+              </a:rPr>
+              <a:t>Treffen</a:t>
+            </a:r>
+          </a:p>
+          <a:p>
+            <a:r>
+              <a:rPr lang="de-DE" dirty="0" err="1" smtClean="0">
+                <a:solidFill>
+                  <a:schemeClr val="tx1"/>
+                </a:solidFill>
+              </a:rPr>
+              <a:t>Scrum</a:t>
+            </a:r>
+            <a:r>
+              <a:rPr lang="de-DE" dirty="0" smtClean="0">
+                <a:solidFill>
+                  <a:schemeClr val="tx1"/>
+                </a:solidFill>
+              </a:rPr>
+              <a:t> Master</a:t>
+            </a:r>
+            <a:endParaRPr lang="de-DE" dirty="0">
+              <a:solidFill>
+                <a:schemeClr val="tx1"/>
+              </a:solidFill>
+            </a:endParaRPr>
+          </a:p>
+          <a:p>
+            <a:endParaRPr lang="de-DE" dirty="0">
+              <a:solidFill>
+                <a:schemeClr val="tx1"/>
+              </a:solidFill>
+            </a:endParaRPr>
+          </a:p>
+          <a:p>
+            <a:pPr lvl="0"/>
+            <a:endParaRPr lang="de-DE" dirty="0" smtClean="0">
+              <a:solidFill>
+                <a:schemeClr val="tx1"/>
+              </a:solidFill>
+            </a:endParaRPr>
+          </a:p>
+          <a:p>
+            <a:pPr lvl="0"/>
+            <a:endParaRPr lang="de-DE" dirty="0">
+              <a:solidFill>
+                <a:schemeClr val="tx1"/>
+              </a:solidFill>
             </a:endParaRPr>
           </a:p>
         </p:txBody>
@@ -9535,7 +9493,7 @@
     </p:spTree>
     <p:extLst>
       <p:ext uri="{BB962C8B-B14F-4D97-AF65-F5344CB8AC3E}">
-        <p14:creationId xmlns:p14="http://schemas.microsoft.com/office/powerpoint/2010/main" val="178513979"/>
+        <p14:creationId xmlns:p14="http://schemas.microsoft.com/office/powerpoint/2010/main" val="1524849354"/>
       </p:ext>
     </p:extLst>
   </p:cSld>
@@ -9574,10 +9532,86 @@
       </p:grpSpPr>
       <p:sp>
         <p:nvSpPr>
+          <p:cNvPr id="2" name="Titel 1"/>
+          <p:cNvSpPr>
+            <a:spLocks noGrp="1"/>
+          </p:cNvSpPr>
+          <p:nvPr>
+            <p:ph type="ctrTitle"/>
+          </p:nvPr>
+        </p:nvSpPr>
+        <p:spPr/>
+        <p:txBody>
+          <a:bodyPr>
+            <a:noAutofit/>
+          </a:bodyPr>
+          <a:lstStyle/>
+          <a:p>
+            <a:pPr algn="l"/>
+            <a:r>
+              <a:rPr lang="de-DE" sz="7000" dirty="0" smtClean="0">
+                <a:solidFill>
+                  <a:schemeClr val="bg1"/>
+                </a:solidFill>
+                <a:cs typeface="Times New Roman" panose="02020603050405020304" pitchFamily="18" charset="0"/>
+              </a:rPr>
+              <a:t>Julian</a:t>
+            </a:r>
+            <a:endParaRPr lang="de-DE" sz="7000" dirty="0">
+              <a:solidFill>
+                <a:schemeClr val="bg1"/>
+              </a:solidFill>
+              <a:cs typeface="Times New Roman" panose="02020603050405020304" pitchFamily="18" charset="0"/>
+            </a:endParaRPr>
+          </a:p>
+        </p:txBody>
+      </p:sp>
+    </p:spTree>
+    <p:extLst>
+      <p:ext uri="{BB962C8B-B14F-4D97-AF65-F5344CB8AC3E}">
+        <p14:creationId xmlns:p14="http://schemas.microsoft.com/office/powerpoint/2010/main" val="178513979"/>
+      </p:ext>
+    </p:extLst>
+  </p:cSld>
+  <p:clrMapOvr>
+    <a:masterClrMapping/>
+  </p:clrMapOvr>
+  <p:transition spd="slow">
+    <p:push dir="u"/>
+  </p:transition>
+  <p:timing>
+    <p:tnLst>
+      <p:par>
+        <p:cTn id="1" dur="indefinite" restart="never" nodeType="tmRoot"/>
+      </p:par>
+    </p:tnLst>
+  </p:timing>
+</p:sld>
+</file>
+
+<file path=ppt/slides/slide27.xml><?xml version="1.0" encoding="utf-8"?>
+<p:sld xmlns:a="http://schemas.openxmlformats.org/drawingml/2006/main" xmlns:r="http://schemas.openxmlformats.org/officeDocument/2006/relationships" xmlns:p="http://schemas.openxmlformats.org/presentationml/2006/main">
+  <p:cSld>
+    <p:spTree>
+      <p:nvGrpSpPr>
+        <p:cNvPr id="1" name=""/>
+        <p:cNvGrpSpPr/>
+        <p:nvPr/>
+      </p:nvGrpSpPr>
+      <p:grpSpPr>
+        <a:xfrm>
+          <a:off x="0" y="0"/>
+          <a:ext cx="0" cy="0"/>
+          <a:chOff x="0" y="0"/>
+          <a:chExt cx="0" cy="0"/>
+        </a:xfrm>
+      </p:grpSpPr>
+      <p:sp>
+        <p:nvSpPr>
           <p:cNvPr id="2" name="Title 6">
             <a:extLst>
               <a:ext uri="{FF2B5EF4-FFF2-40B4-BE49-F238E27FC236}">
-                <a16:creationId xmlns="" xmlns:a16="http://schemas.microsoft.com/office/drawing/2014/main" id="{04F78A0C-BF40-4E0B-9FA4-AAAA57E3C4EF}"/>
+                <a16:creationId xmlns:a16="http://schemas.microsoft.com/office/drawing/2014/main" xmlns="" id="{04F78A0C-BF40-4E0B-9FA4-AAAA57E3C4EF}"/>
               </a:ext>
             </a:extLst>
           </p:cNvPr>
@@ -9608,7 +9642,7 @@
           <p:cNvPr id="3" name="Content Placeholder 7">
             <a:extLst>
               <a:ext uri="{FF2B5EF4-FFF2-40B4-BE49-F238E27FC236}">
-                <a16:creationId xmlns="" xmlns:a16="http://schemas.microsoft.com/office/drawing/2014/main" id="{3A52400E-A01D-4CCF-8280-EBE32B011F8E}"/>
+                <a16:creationId xmlns:a16="http://schemas.microsoft.com/office/drawing/2014/main" xmlns="" id="{3A52400E-A01D-4CCF-8280-EBE32B011F8E}"/>
               </a:ext>
             </a:extLst>
           </p:cNvPr>
@@ -9764,7 +9798,7 @@
 </p:sld>
 </file>
 
-<file path=ppt/slides/slide27.xml><?xml version="1.0" encoding="utf-8"?>
+<file path=ppt/slides/slide28.xml><?xml version="1.0" encoding="utf-8"?>
 <p:sld xmlns:a="http://schemas.openxmlformats.org/drawingml/2006/main" xmlns:r="http://schemas.openxmlformats.org/officeDocument/2006/relationships" xmlns:p="http://schemas.openxmlformats.org/presentationml/2006/main">
   <p:cSld>
     <p:spTree>
@@ -9786,7 +9820,7 @@
           <p:cNvPr id="2" name="Title 6">
             <a:extLst>
               <a:ext uri="{FF2B5EF4-FFF2-40B4-BE49-F238E27FC236}">
-                <a16:creationId xmlns="" xmlns:a16="http://schemas.microsoft.com/office/drawing/2014/main" id="{04F78A0C-BF40-4E0B-9FA4-AAAA57E3C4EF}"/>
+                <a16:creationId xmlns:a16="http://schemas.microsoft.com/office/drawing/2014/main" xmlns="" id="{04F78A0C-BF40-4E0B-9FA4-AAAA57E3C4EF}"/>
               </a:ext>
             </a:extLst>
           </p:cNvPr>
@@ -9817,7 +9851,7 @@
           <p:cNvPr id="3" name="Content Placeholder 7">
             <a:extLst>
               <a:ext uri="{FF2B5EF4-FFF2-40B4-BE49-F238E27FC236}">
-                <a16:creationId xmlns="" xmlns:a16="http://schemas.microsoft.com/office/drawing/2014/main" id="{3A52400E-A01D-4CCF-8280-EBE32B011F8E}"/>
+                <a16:creationId xmlns:a16="http://schemas.microsoft.com/office/drawing/2014/main" xmlns="" id="{3A52400E-A01D-4CCF-8280-EBE32B011F8E}"/>
               </a:ext>
             </a:extLst>
           </p:cNvPr>
@@ -9989,7 +10023,7 @@
 </p:sld>
 </file>
 
-<file path=ppt/slides/slide28.xml><?xml version="1.0" encoding="utf-8"?>
+<file path=ppt/slides/slide29.xml><?xml version="1.0" encoding="utf-8"?>
 <p:sld xmlns:a="http://schemas.openxmlformats.org/drawingml/2006/main" xmlns:r="http://schemas.openxmlformats.org/officeDocument/2006/relationships" xmlns:p="http://schemas.openxmlformats.org/presentationml/2006/main">
   <p:cSld>
     <p:spTree>
@@ -10011,7 +10045,7 @@
           <p:cNvPr id="2" name="Title 6">
             <a:extLst>
               <a:ext uri="{FF2B5EF4-FFF2-40B4-BE49-F238E27FC236}">
-                <a16:creationId xmlns="" xmlns:a16="http://schemas.microsoft.com/office/drawing/2014/main" id="{04F78A0C-BF40-4E0B-9FA4-AAAA57E3C4EF}"/>
+                <a16:creationId xmlns:a16="http://schemas.microsoft.com/office/drawing/2014/main" xmlns="" id="{04F78A0C-BF40-4E0B-9FA4-AAAA57E3C4EF}"/>
               </a:ext>
             </a:extLst>
           </p:cNvPr>
@@ -10042,7 +10076,7 @@
           <p:cNvPr id="3" name="Content Placeholder 7">
             <a:extLst>
               <a:ext uri="{FF2B5EF4-FFF2-40B4-BE49-F238E27FC236}">
-                <a16:creationId xmlns="" xmlns:a16="http://schemas.microsoft.com/office/drawing/2014/main" id="{3A52400E-A01D-4CCF-8280-EBE32B011F8E}"/>
+                <a16:creationId xmlns:a16="http://schemas.microsoft.com/office/drawing/2014/main" xmlns="" id="{3A52400E-A01D-4CCF-8280-EBE32B011F8E}"/>
               </a:ext>
             </a:extLst>
           </p:cNvPr>
@@ -10125,7 +10159,7 @@
           <p:cNvPr id="8" name="Content Placeholder 7">
             <a:extLst>
               <a:ext uri="{FF2B5EF4-FFF2-40B4-BE49-F238E27FC236}">
-                <a16:creationId xmlns="" xmlns:a16="http://schemas.microsoft.com/office/drawing/2014/main" id="{019B7248-98CF-483C-81B4-A21AC792B591}"/>
+                <a16:creationId xmlns:a16="http://schemas.microsoft.com/office/drawing/2014/main" xmlns="" id="{019B7248-98CF-483C-81B4-A21AC792B591}"/>
               </a:ext>
             </a:extLst>
           </p:cNvPr>
@@ -10601,579 +10635,6 @@
 </p:sld>
 </file>
 
-<file path=ppt/slides/slide29.xml><?xml version="1.0" encoding="utf-8"?>
-<p:sld xmlns:a="http://schemas.openxmlformats.org/drawingml/2006/main" xmlns:r="http://schemas.openxmlformats.org/officeDocument/2006/relationships" xmlns:p="http://schemas.openxmlformats.org/presentationml/2006/main">
-  <p:cSld>
-    <p:spTree>
-      <p:nvGrpSpPr>
-        <p:cNvPr id="1" name=""/>
-        <p:cNvGrpSpPr/>
-        <p:nvPr/>
-      </p:nvGrpSpPr>
-      <p:grpSpPr>
-        <a:xfrm>
-          <a:off x="0" y="0"/>
-          <a:ext cx="0" cy="0"/>
-          <a:chOff x="0" y="0"/>
-          <a:chExt cx="0" cy="0"/>
-        </a:xfrm>
-      </p:grpSpPr>
-      <p:sp>
-        <p:nvSpPr>
-          <p:cNvPr id="2" name="Title 6">
-            <a:extLst>
-              <a:ext uri="{FF2B5EF4-FFF2-40B4-BE49-F238E27FC236}">
-                <a16:creationId xmlns:a16="http://schemas.microsoft.com/office/drawing/2014/main" xmlns="" id="{04F78A0C-BF40-4E0B-9FA4-AAAA57E3C4EF}"/>
-              </a:ext>
-            </a:extLst>
-          </p:cNvPr>
-          <p:cNvSpPr txBox="1">
-            <a:spLocks noGrp="1"/>
-          </p:cNvSpPr>
-          <p:nvPr>
-            <p:ph type="title"/>
-          </p:nvPr>
-        </p:nvSpPr>
-        <p:spPr/>
-        <p:txBody>
-          <a:bodyPr>
-            <a:normAutofit/>
-          </a:bodyPr>
-          <a:lstStyle/>
-          <a:p>
-            <a:pPr lvl="0" algn="ctr"/>
-            <a:r>
-              <a:rPr lang="en-GB" sz="4500" dirty="0" smtClean="0"/>
-              <a:t>16,5%</a:t>
-            </a:r>
-            <a:endParaRPr lang="en-GB" sz="4500" dirty="0"/>
-          </a:p>
-        </p:txBody>
-      </p:sp>
-      <p:sp>
-        <p:nvSpPr>
-          <p:cNvPr id="3" name="Content Placeholder 7">
-            <a:extLst>
-              <a:ext uri="{FF2B5EF4-FFF2-40B4-BE49-F238E27FC236}">
-                <a16:creationId xmlns:a16="http://schemas.microsoft.com/office/drawing/2014/main" xmlns="" id="{3A52400E-A01D-4CCF-8280-EBE32B011F8E}"/>
-              </a:ext>
-            </a:extLst>
-          </p:cNvPr>
-          <p:cNvSpPr txBox="1">
-            <a:spLocks noGrp="1"/>
-          </p:cNvSpPr>
-          <p:nvPr>
-            <p:ph idx="1"/>
-          </p:nvPr>
-        </p:nvSpPr>
-        <p:spPr>
-          <a:xfrm>
-            <a:off x="3775138" y="753034"/>
-            <a:ext cx="7315200" cy="5984748"/>
-          </a:xfrm>
-        </p:spPr>
-        <p:txBody>
-          <a:bodyPr>
-            <a:normAutofit fontScale="92500" lnSpcReduction="20000"/>
-          </a:bodyPr>
-          <a:lstStyle/>
-          <a:p>
-            <a:pPr marL="0" lvl="0" indent="0">
-              <a:lnSpc>
-                <a:spcPct val="200000"/>
-              </a:lnSpc>
-              <a:buNone/>
-            </a:pPr>
-            <a:r>
-              <a:rPr lang="de-DE" sz="2800" dirty="0">
-                <a:solidFill>
-                  <a:schemeClr val="tx1"/>
-                </a:solidFill>
-              </a:rPr>
-              <a:t>Selbsteinschätzung:</a:t>
-            </a:r>
-          </a:p>
-          <a:p>
-            <a:pPr lvl="0"/>
-            <a:r>
-              <a:rPr lang="de-DE" dirty="0" smtClean="0">
-                <a:solidFill>
-                  <a:schemeClr val="tx1"/>
-                </a:solidFill>
-              </a:rPr>
-              <a:t>Verfassen eines technischen Berichts</a:t>
-            </a:r>
-          </a:p>
-          <a:p>
-            <a:pPr lvl="0"/>
-            <a:r>
-              <a:rPr lang="en-GB" b="1" dirty="0" smtClean="0">
-                <a:solidFill>
-                  <a:schemeClr val="tx1"/>
-                </a:solidFill>
-              </a:rPr>
-              <a:t>Modellieren </a:t>
-            </a:r>
-            <a:r>
-              <a:rPr lang="en-GB" b="1" dirty="0" err="1">
-                <a:solidFill>
-                  <a:schemeClr val="tx1"/>
-                </a:solidFill>
-              </a:rPr>
-              <a:t>realistischer</a:t>
-            </a:r>
-            <a:r>
-              <a:rPr lang="en-GB" b="1" dirty="0">
-                <a:solidFill>
-                  <a:schemeClr val="tx1"/>
-                </a:solidFill>
-              </a:rPr>
-              <a:t> und </a:t>
-            </a:r>
-            <a:r>
-              <a:rPr lang="en-GB" b="1" dirty="0" err="1">
-                <a:solidFill>
-                  <a:schemeClr val="tx1"/>
-                </a:solidFill>
-              </a:rPr>
-              <a:t>variantenreicher</a:t>
-            </a:r>
-            <a:r>
-              <a:rPr lang="en-GB" b="1" dirty="0">
-                <a:solidFill>
-                  <a:schemeClr val="tx1"/>
-                </a:solidFill>
-              </a:rPr>
-              <a:t> </a:t>
-            </a:r>
-            <a:r>
-              <a:rPr lang="en-GB" b="1" dirty="0" err="1">
-                <a:solidFill>
-                  <a:schemeClr val="tx1"/>
-                </a:solidFill>
-              </a:rPr>
-              <a:t>Szenarien</a:t>
-            </a:r>
-            <a:endParaRPr lang="en-GB" b="1" dirty="0" smtClean="0">
-              <a:solidFill>
-                <a:schemeClr val="tx1"/>
-              </a:solidFill>
-            </a:endParaRPr>
-          </a:p>
-          <a:p>
-            <a:pPr lvl="0"/>
-            <a:r>
-              <a:rPr lang="en-GB" dirty="0" err="1">
-                <a:solidFill>
-                  <a:schemeClr val="tx1"/>
-                </a:solidFill>
-              </a:rPr>
-              <a:t>S</a:t>
-            </a:r>
-            <a:r>
-              <a:rPr lang="en-GB" dirty="0" err="1" smtClean="0">
-                <a:solidFill>
-                  <a:schemeClr val="tx1"/>
-                </a:solidFill>
-              </a:rPr>
-              <a:t>imulieren</a:t>
-            </a:r>
-            <a:r>
-              <a:rPr lang="en-GB" dirty="0" smtClean="0">
-                <a:solidFill>
-                  <a:schemeClr val="tx1"/>
-                </a:solidFill>
-              </a:rPr>
-              <a:t> </a:t>
-            </a:r>
-            <a:r>
-              <a:rPr lang="en-GB" dirty="0" err="1">
-                <a:solidFill>
-                  <a:schemeClr val="tx1"/>
-                </a:solidFill>
-              </a:rPr>
-              <a:t>realistischer</a:t>
-            </a:r>
-            <a:r>
-              <a:rPr lang="en-GB" dirty="0">
-                <a:solidFill>
-                  <a:schemeClr val="tx1"/>
-                </a:solidFill>
-              </a:rPr>
-              <a:t> und </a:t>
-            </a:r>
-            <a:r>
-              <a:rPr lang="en-GB" dirty="0" err="1">
-                <a:solidFill>
-                  <a:schemeClr val="tx1"/>
-                </a:solidFill>
-              </a:rPr>
-              <a:t>variantenreicher</a:t>
-            </a:r>
-            <a:r>
-              <a:rPr lang="en-GB" dirty="0">
-                <a:solidFill>
-                  <a:schemeClr val="tx1"/>
-                </a:solidFill>
-              </a:rPr>
-              <a:t> </a:t>
-            </a:r>
-            <a:r>
-              <a:rPr lang="en-GB" dirty="0" err="1">
-                <a:solidFill>
-                  <a:schemeClr val="tx1"/>
-                </a:solidFill>
-              </a:rPr>
-              <a:t>Szenarien</a:t>
-            </a:r>
-            <a:endParaRPr lang="en-GB" dirty="0">
-              <a:solidFill>
-                <a:schemeClr val="tx1"/>
-              </a:solidFill>
-            </a:endParaRPr>
-          </a:p>
-          <a:p>
-            <a:r>
-              <a:rPr lang="en-GB" dirty="0" err="1">
-                <a:solidFill>
-                  <a:schemeClr val="tx1"/>
-                </a:solidFill>
-              </a:rPr>
-              <a:t>Aufbereitung</a:t>
-            </a:r>
-            <a:r>
-              <a:rPr lang="en-GB" dirty="0">
-                <a:solidFill>
-                  <a:schemeClr val="tx1"/>
-                </a:solidFill>
-              </a:rPr>
-              <a:t> des </a:t>
-            </a:r>
-            <a:r>
-              <a:rPr lang="en-GB" dirty="0" err="1">
-                <a:solidFill>
-                  <a:schemeClr val="tx1"/>
-                </a:solidFill>
-              </a:rPr>
-              <a:t>Datenformats</a:t>
-            </a:r>
-            <a:r>
-              <a:rPr lang="en-GB" dirty="0">
-                <a:solidFill>
-                  <a:schemeClr val="tx1"/>
-                </a:solidFill>
-              </a:rPr>
-              <a:t> </a:t>
-            </a:r>
-            <a:r>
-              <a:rPr lang="en-GB" dirty="0" err="1">
-                <a:solidFill>
-                  <a:schemeClr val="tx1"/>
-                </a:solidFill>
-              </a:rPr>
-              <a:t>entsprechend</a:t>
-            </a:r>
-            <a:r>
-              <a:rPr lang="en-GB" dirty="0">
-                <a:solidFill>
-                  <a:schemeClr val="tx1"/>
-                </a:solidFill>
-              </a:rPr>
-              <a:t> den </a:t>
-            </a:r>
-            <a:r>
-              <a:rPr lang="en-GB" dirty="0" err="1">
-                <a:solidFill>
-                  <a:schemeClr val="tx1"/>
-                </a:solidFill>
-              </a:rPr>
-              <a:t>Angaben</a:t>
-            </a:r>
-            <a:r>
-              <a:rPr lang="en-GB" dirty="0">
-                <a:solidFill>
-                  <a:schemeClr val="tx1"/>
-                </a:solidFill>
-              </a:rPr>
-              <a:t> des </a:t>
-            </a:r>
-            <a:r>
-              <a:rPr lang="en-GB" dirty="0" err="1">
-                <a:solidFill>
-                  <a:schemeClr val="tx1"/>
-                </a:solidFill>
-              </a:rPr>
-              <a:t>Fraunhofer</a:t>
-            </a:r>
-            <a:r>
-              <a:rPr lang="en-GB" dirty="0">
-                <a:solidFill>
-                  <a:schemeClr val="tx1"/>
-                </a:solidFill>
-              </a:rPr>
-              <a:t> </a:t>
-            </a:r>
-            <a:r>
-              <a:rPr lang="en-GB" dirty="0" err="1">
-                <a:solidFill>
-                  <a:schemeClr val="tx1"/>
-                </a:solidFill>
-              </a:rPr>
-              <a:t>Instituts</a:t>
-            </a:r>
-            <a:endParaRPr lang="en-GB" dirty="0">
-              <a:solidFill>
-                <a:schemeClr val="tx1"/>
-              </a:solidFill>
-            </a:endParaRPr>
-          </a:p>
-          <a:p>
-            <a:r>
-              <a:rPr lang="en-GB" dirty="0" err="1">
-                <a:solidFill>
-                  <a:schemeClr val="tx1"/>
-                </a:solidFill>
-              </a:rPr>
-              <a:t>Erstellen</a:t>
-            </a:r>
-            <a:r>
-              <a:rPr lang="en-GB" dirty="0">
-                <a:solidFill>
-                  <a:schemeClr val="tx1"/>
-                </a:solidFill>
-              </a:rPr>
-              <a:t> </a:t>
-            </a:r>
-            <a:r>
-              <a:rPr lang="en-GB" dirty="0" err="1">
-                <a:solidFill>
-                  <a:schemeClr val="tx1"/>
-                </a:solidFill>
-              </a:rPr>
-              <a:t>einer</a:t>
-            </a:r>
-            <a:r>
-              <a:rPr lang="en-GB" dirty="0">
-                <a:solidFill>
-                  <a:schemeClr val="tx1"/>
-                </a:solidFill>
-              </a:rPr>
-              <a:t> </a:t>
-            </a:r>
-            <a:r>
-              <a:rPr lang="en-GB" dirty="0" smtClean="0">
-                <a:solidFill>
-                  <a:schemeClr val="tx1"/>
-                </a:solidFill>
-              </a:rPr>
-              <a:t>Demonstration</a:t>
-            </a:r>
-          </a:p>
-          <a:p>
-            <a:r>
-              <a:rPr lang="en-GB" b="1" dirty="0" err="1" smtClean="0">
-                <a:solidFill>
-                  <a:schemeClr val="tx1"/>
-                </a:solidFill>
-              </a:rPr>
-              <a:t>Weitere</a:t>
-            </a:r>
-            <a:r>
-              <a:rPr lang="en-GB" b="1" dirty="0" smtClean="0">
-                <a:solidFill>
-                  <a:schemeClr val="tx1"/>
-                </a:solidFill>
-              </a:rPr>
-              <a:t> </a:t>
-            </a:r>
-            <a:r>
-              <a:rPr lang="en-GB" b="1" dirty="0" err="1" smtClean="0">
-                <a:solidFill>
-                  <a:schemeClr val="tx1"/>
-                </a:solidFill>
-              </a:rPr>
-              <a:t>Literaturrecherche</a:t>
-            </a:r>
-            <a:r>
-              <a:rPr lang="en-GB" b="1" dirty="0" smtClean="0">
-                <a:solidFill>
-                  <a:schemeClr val="tx1"/>
-                </a:solidFill>
-              </a:rPr>
-              <a:t> und </a:t>
-            </a:r>
-            <a:r>
-              <a:rPr lang="en-GB" b="1" dirty="0" err="1" smtClean="0">
-                <a:solidFill>
-                  <a:schemeClr val="tx1"/>
-                </a:solidFill>
-              </a:rPr>
-              <a:t>Implementierung</a:t>
-            </a:r>
-            <a:r>
-              <a:rPr lang="en-GB" b="1" dirty="0" smtClean="0">
-                <a:solidFill>
-                  <a:schemeClr val="tx1"/>
-                </a:solidFill>
-              </a:rPr>
-              <a:t> der Filter</a:t>
-            </a:r>
-          </a:p>
-          <a:p>
-            <a:r>
-              <a:rPr lang="de-DE" dirty="0">
-                <a:solidFill>
-                  <a:schemeClr val="tx1"/>
-                </a:solidFill>
-              </a:rPr>
-              <a:t>Die Verteilung der Personen durch Permutationen realisieren (bei der Automatisierung  der Simulation)</a:t>
-            </a:r>
-          </a:p>
-          <a:p>
-            <a:r>
-              <a:rPr lang="de-DE" dirty="0">
-                <a:solidFill>
-                  <a:schemeClr val="tx1"/>
-                </a:solidFill>
-              </a:rPr>
-              <a:t>Codeoptimierung</a:t>
-            </a:r>
-          </a:p>
-          <a:p>
-            <a:r>
-              <a:rPr lang="de-DE" dirty="0">
-                <a:solidFill>
-                  <a:schemeClr val="tx1"/>
-                </a:solidFill>
-              </a:rPr>
-              <a:t>Erstellen von Dokumentationen für die implementierten Skripte</a:t>
-            </a:r>
-          </a:p>
-          <a:p>
-            <a:r>
-              <a:rPr lang="de-DE" b="1" dirty="0">
-                <a:solidFill>
-                  <a:schemeClr val="tx1"/>
-                </a:solidFill>
-              </a:rPr>
-              <a:t>Testen der Software</a:t>
-            </a:r>
-          </a:p>
-          <a:p>
-            <a:r>
-              <a:rPr lang="de-DE" dirty="0">
-                <a:solidFill>
-                  <a:schemeClr val="tx1"/>
-                </a:solidFill>
-              </a:rPr>
-              <a:t>Datengenerierung (Datenbeauftragte)</a:t>
-            </a:r>
-          </a:p>
-          <a:p>
-            <a:r>
-              <a:rPr lang="de-DE" dirty="0">
-                <a:solidFill>
-                  <a:schemeClr val="tx1"/>
-                </a:solidFill>
-              </a:rPr>
-              <a:t>Aktualisierung des Trello Projektes/</a:t>
-            </a:r>
-            <a:r>
-              <a:rPr lang="de-DE" dirty="0" err="1">
-                <a:solidFill>
-                  <a:schemeClr val="tx1"/>
-                </a:solidFill>
-              </a:rPr>
-              <a:t>Repos</a:t>
-            </a:r>
-            <a:r>
-              <a:rPr lang="de-DE" dirty="0">
-                <a:solidFill>
-                  <a:schemeClr val="tx1"/>
-                </a:solidFill>
-              </a:rPr>
-              <a:t>/Organisation der </a:t>
-            </a:r>
-            <a:r>
-              <a:rPr lang="de-DE" dirty="0" smtClean="0">
-                <a:solidFill>
-                  <a:schemeClr val="tx1"/>
-                </a:solidFill>
-              </a:rPr>
-              <a:t>Treffen</a:t>
-            </a:r>
-          </a:p>
-          <a:p>
-            <a:r>
-              <a:rPr lang="de-DE" dirty="0" err="1" smtClean="0">
-                <a:solidFill>
-                  <a:schemeClr val="tx1"/>
-                </a:solidFill>
-              </a:rPr>
-              <a:t>Scrum</a:t>
-            </a:r>
-            <a:r>
-              <a:rPr lang="de-DE" dirty="0" smtClean="0">
-                <a:solidFill>
-                  <a:schemeClr val="tx1"/>
-                </a:solidFill>
-              </a:rPr>
-              <a:t> Master</a:t>
-            </a:r>
-            <a:endParaRPr lang="de-DE" dirty="0">
-              <a:solidFill>
-                <a:schemeClr val="tx1"/>
-              </a:solidFill>
-            </a:endParaRPr>
-          </a:p>
-          <a:p>
-            <a:endParaRPr lang="de-DE" dirty="0">
-              <a:solidFill>
-                <a:schemeClr val="tx1"/>
-              </a:solidFill>
-            </a:endParaRPr>
-          </a:p>
-          <a:p>
-            <a:pPr lvl="0"/>
-            <a:endParaRPr lang="de-DE" dirty="0" smtClean="0">
-              <a:solidFill>
-                <a:schemeClr val="tx1"/>
-              </a:solidFill>
-            </a:endParaRPr>
-          </a:p>
-          <a:p>
-            <a:pPr lvl="0"/>
-            <a:endParaRPr lang="de-DE" dirty="0">
-              <a:solidFill>
-                <a:schemeClr val="tx1"/>
-              </a:solidFill>
-            </a:endParaRPr>
-          </a:p>
-        </p:txBody>
-      </p:sp>
-    </p:spTree>
-    <p:extLst>
-      <p:ext uri="{BB962C8B-B14F-4D97-AF65-F5344CB8AC3E}">
-        <p14:creationId xmlns:p14="http://schemas.microsoft.com/office/powerpoint/2010/main" val="1213149246"/>
-      </p:ext>
-    </p:extLst>
-  </p:cSld>
-  <p:clrMapOvr>
-    <a:masterClrMapping/>
-  </p:clrMapOvr>
-  <p:transition spd="slow">
-    <p:push dir="u"/>
-  </p:transition>
-  <p:timing>
-    <p:tnLst>
-      <p:par>
-        <p:cTn id="1" dur="indefinite" restart="never" nodeType="tmRoot"/>
-      </p:par>
-    </p:tnLst>
-  </p:timing>
-</p:sld>
-</file>
-
 <file path=ppt/slides/slide3.xml><?xml version="1.0" encoding="utf-8"?>
 <p:sld xmlns:a="http://schemas.openxmlformats.org/drawingml/2006/main" xmlns:r="http://schemas.openxmlformats.org/officeDocument/2006/relationships" xmlns:p="http://schemas.openxmlformats.org/presentationml/2006/main">
   <p:cSld>
@@ -11228,7 +10689,7 @@
           <p:cNvPr id="3" name="Content Placeholder 2">
             <a:extLst>
               <a:ext uri="{FF2B5EF4-FFF2-40B4-BE49-F238E27FC236}">
-                <a16:creationId xmlns:a16="http://schemas.microsoft.com/office/drawing/2014/main" xmlns="" id="{5D4B6457-3E37-4879-A8CB-262CE10EA13A}"/>
+                <a16:creationId xmlns="" xmlns:a16="http://schemas.microsoft.com/office/drawing/2014/main" id="{5D4B6457-3E37-4879-A8CB-262CE10EA13A}"/>
               </a:ext>
             </a:extLst>
           </p:cNvPr>
@@ -11604,6 +11065,579 @@
       </p:grpSpPr>
       <p:sp>
         <p:nvSpPr>
+          <p:cNvPr id="2" name="Title 6">
+            <a:extLst>
+              <a:ext uri="{FF2B5EF4-FFF2-40B4-BE49-F238E27FC236}">
+                <a16:creationId xmlns="" xmlns:a16="http://schemas.microsoft.com/office/drawing/2014/main" id="{04F78A0C-BF40-4E0B-9FA4-AAAA57E3C4EF}"/>
+              </a:ext>
+            </a:extLst>
+          </p:cNvPr>
+          <p:cNvSpPr txBox="1">
+            <a:spLocks noGrp="1"/>
+          </p:cNvSpPr>
+          <p:nvPr>
+            <p:ph type="title"/>
+          </p:nvPr>
+        </p:nvSpPr>
+        <p:spPr/>
+        <p:txBody>
+          <a:bodyPr>
+            <a:normAutofit/>
+          </a:bodyPr>
+          <a:lstStyle/>
+          <a:p>
+            <a:pPr lvl="0" algn="ctr"/>
+            <a:r>
+              <a:rPr lang="en-GB" sz="4500" dirty="0" smtClean="0"/>
+              <a:t>16,5%</a:t>
+            </a:r>
+            <a:endParaRPr lang="en-GB" sz="4500" dirty="0"/>
+          </a:p>
+        </p:txBody>
+      </p:sp>
+      <p:sp>
+        <p:nvSpPr>
+          <p:cNvPr id="3" name="Content Placeholder 7">
+            <a:extLst>
+              <a:ext uri="{FF2B5EF4-FFF2-40B4-BE49-F238E27FC236}">
+                <a16:creationId xmlns="" xmlns:a16="http://schemas.microsoft.com/office/drawing/2014/main" id="{3A52400E-A01D-4CCF-8280-EBE32B011F8E}"/>
+              </a:ext>
+            </a:extLst>
+          </p:cNvPr>
+          <p:cNvSpPr txBox="1">
+            <a:spLocks noGrp="1"/>
+          </p:cNvSpPr>
+          <p:nvPr>
+            <p:ph idx="1"/>
+          </p:nvPr>
+        </p:nvSpPr>
+        <p:spPr>
+          <a:xfrm>
+            <a:off x="3775138" y="753034"/>
+            <a:ext cx="7315200" cy="5984748"/>
+          </a:xfrm>
+        </p:spPr>
+        <p:txBody>
+          <a:bodyPr>
+            <a:normAutofit fontScale="92500" lnSpcReduction="20000"/>
+          </a:bodyPr>
+          <a:lstStyle/>
+          <a:p>
+            <a:pPr marL="0" lvl="0" indent="0">
+              <a:lnSpc>
+                <a:spcPct val="200000"/>
+              </a:lnSpc>
+              <a:buNone/>
+            </a:pPr>
+            <a:r>
+              <a:rPr lang="de-DE" sz="2800" dirty="0">
+                <a:solidFill>
+                  <a:schemeClr val="tx1"/>
+                </a:solidFill>
+              </a:rPr>
+              <a:t>Selbsteinschätzung:</a:t>
+            </a:r>
+          </a:p>
+          <a:p>
+            <a:pPr lvl="0"/>
+            <a:r>
+              <a:rPr lang="de-DE" dirty="0" smtClean="0">
+                <a:solidFill>
+                  <a:schemeClr val="tx1"/>
+                </a:solidFill>
+              </a:rPr>
+              <a:t>Verfassen eines technischen Berichts</a:t>
+            </a:r>
+          </a:p>
+          <a:p>
+            <a:pPr lvl="0"/>
+            <a:r>
+              <a:rPr lang="en-GB" b="1" dirty="0" smtClean="0">
+                <a:solidFill>
+                  <a:schemeClr val="tx1"/>
+                </a:solidFill>
+              </a:rPr>
+              <a:t>Modellieren </a:t>
+            </a:r>
+            <a:r>
+              <a:rPr lang="en-GB" b="1" dirty="0" err="1">
+                <a:solidFill>
+                  <a:schemeClr val="tx1"/>
+                </a:solidFill>
+              </a:rPr>
+              <a:t>realistischer</a:t>
+            </a:r>
+            <a:r>
+              <a:rPr lang="en-GB" b="1" dirty="0">
+                <a:solidFill>
+                  <a:schemeClr val="tx1"/>
+                </a:solidFill>
+              </a:rPr>
+              <a:t> und </a:t>
+            </a:r>
+            <a:r>
+              <a:rPr lang="en-GB" b="1" dirty="0" err="1">
+                <a:solidFill>
+                  <a:schemeClr val="tx1"/>
+                </a:solidFill>
+              </a:rPr>
+              <a:t>variantenreicher</a:t>
+            </a:r>
+            <a:r>
+              <a:rPr lang="en-GB" b="1" dirty="0">
+                <a:solidFill>
+                  <a:schemeClr val="tx1"/>
+                </a:solidFill>
+              </a:rPr>
+              <a:t> </a:t>
+            </a:r>
+            <a:r>
+              <a:rPr lang="en-GB" b="1" dirty="0" err="1">
+                <a:solidFill>
+                  <a:schemeClr val="tx1"/>
+                </a:solidFill>
+              </a:rPr>
+              <a:t>Szenarien</a:t>
+            </a:r>
+            <a:endParaRPr lang="en-GB" b="1" dirty="0" smtClean="0">
+              <a:solidFill>
+                <a:schemeClr val="tx1"/>
+              </a:solidFill>
+            </a:endParaRPr>
+          </a:p>
+          <a:p>
+            <a:pPr lvl="0"/>
+            <a:r>
+              <a:rPr lang="en-GB" dirty="0" err="1">
+                <a:solidFill>
+                  <a:schemeClr val="tx1"/>
+                </a:solidFill>
+              </a:rPr>
+              <a:t>S</a:t>
+            </a:r>
+            <a:r>
+              <a:rPr lang="en-GB" dirty="0" err="1" smtClean="0">
+                <a:solidFill>
+                  <a:schemeClr val="tx1"/>
+                </a:solidFill>
+              </a:rPr>
+              <a:t>imulieren</a:t>
+            </a:r>
+            <a:r>
+              <a:rPr lang="en-GB" dirty="0" smtClean="0">
+                <a:solidFill>
+                  <a:schemeClr val="tx1"/>
+                </a:solidFill>
+              </a:rPr>
+              <a:t> </a:t>
+            </a:r>
+            <a:r>
+              <a:rPr lang="en-GB" dirty="0" err="1">
+                <a:solidFill>
+                  <a:schemeClr val="tx1"/>
+                </a:solidFill>
+              </a:rPr>
+              <a:t>realistischer</a:t>
+            </a:r>
+            <a:r>
+              <a:rPr lang="en-GB" dirty="0">
+                <a:solidFill>
+                  <a:schemeClr val="tx1"/>
+                </a:solidFill>
+              </a:rPr>
+              <a:t> und </a:t>
+            </a:r>
+            <a:r>
+              <a:rPr lang="en-GB" dirty="0" err="1">
+                <a:solidFill>
+                  <a:schemeClr val="tx1"/>
+                </a:solidFill>
+              </a:rPr>
+              <a:t>variantenreicher</a:t>
+            </a:r>
+            <a:r>
+              <a:rPr lang="en-GB" dirty="0">
+                <a:solidFill>
+                  <a:schemeClr val="tx1"/>
+                </a:solidFill>
+              </a:rPr>
+              <a:t> </a:t>
+            </a:r>
+            <a:r>
+              <a:rPr lang="en-GB" dirty="0" err="1">
+                <a:solidFill>
+                  <a:schemeClr val="tx1"/>
+                </a:solidFill>
+              </a:rPr>
+              <a:t>Szenarien</a:t>
+            </a:r>
+            <a:endParaRPr lang="en-GB" dirty="0">
+              <a:solidFill>
+                <a:schemeClr val="tx1"/>
+              </a:solidFill>
+            </a:endParaRPr>
+          </a:p>
+          <a:p>
+            <a:r>
+              <a:rPr lang="en-GB" dirty="0" err="1">
+                <a:solidFill>
+                  <a:schemeClr val="tx1"/>
+                </a:solidFill>
+              </a:rPr>
+              <a:t>Aufbereitung</a:t>
+            </a:r>
+            <a:r>
+              <a:rPr lang="en-GB" dirty="0">
+                <a:solidFill>
+                  <a:schemeClr val="tx1"/>
+                </a:solidFill>
+              </a:rPr>
+              <a:t> des </a:t>
+            </a:r>
+            <a:r>
+              <a:rPr lang="en-GB" dirty="0" err="1">
+                <a:solidFill>
+                  <a:schemeClr val="tx1"/>
+                </a:solidFill>
+              </a:rPr>
+              <a:t>Datenformats</a:t>
+            </a:r>
+            <a:r>
+              <a:rPr lang="en-GB" dirty="0">
+                <a:solidFill>
+                  <a:schemeClr val="tx1"/>
+                </a:solidFill>
+              </a:rPr>
+              <a:t> </a:t>
+            </a:r>
+            <a:r>
+              <a:rPr lang="en-GB" dirty="0" err="1">
+                <a:solidFill>
+                  <a:schemeClr val="tx1"/>
+                </a:solidFill>
+              </a:rPr>
+              <a:t>entsprechend</a:t>
+            </a:r>
+            <a:r>
+              <a:rPr lang="en-GB" dirty="0">
+                <a:solidFill>
+                  <a:schemeClr val="tx1"/>
+                </a:solidFill>
+              </a:rPr>
+              <a:t> den </a:t>
+            </a:r>
+            <a:r>
+              <a:rPr lang="en-GB" dirty="0" err="1">
+                <a:solidFill>
+                  <a:schemeClr val="tx1"/>
+                </a:solidFill>
+              </a:rPr>
+              <a:t>Angaben</a:t>
+            </a:r>
+            <a:r>
+              <a:rPr lang="en-GB" dirty="0">
+                <a:solidFill>
+                  <a:schemeClr val="tx1"/>
+                </a:solidFill>
+              </a:rPr>
+              <a:t> des </a:t>
+            </a:r>
+            <a:r>
+              <a:rPr lang="en-GB" dirty="0" err="1">
+                <a:solidFill>
+                  <a:schemeClr val="tx1"/>
+                </a:solidFill>
+              </a:rPr>
+              <a:t>Fraunhofer</a:t>
+            </a:r>
+            <a:r>
+              <a:rPr lang="en-GB" dirty="0">
+                <a:solidFill>
+                  <a:schemeClr val="tx1"/>
+                </a:solidFill>
+              </a:rPr>
+              <a:t> </a:t>
+            </a:r>
+            <a:r>
+              <a:rPr lang="en-GB" dirty="0" err="1">
+                <a:solidFill>
+                  <a:schemeClr val="tx1"/>
+                </a:solidFill>
+              </a:rPr>
+              <a:t>Instituts</a:t>
+            </a:r>
+            <a:endParaRPr lang="en-GB" dirty="0">
+              <a:solidFill>
+                <a:schemeClr val="tx1"/>
+              </a:solidFill>
+            </a:endParaRPr>
+          </a:p>
+          <a:p>
+            <a:r>
+              <a:rPr lang="en-GB" dirty="0" err="1">
+                <a:solidFill>
+                  <a:schemeClr val="tx1"/>
+                </a:solidFill>
+              </a:rPr>
+              <a:t>Erstellen</a:t>
+            </a:r>
+            <a:r>
+              <a:rPr lang="en-GB" dirty="0">
+                <a:solidFill>
+                  <a:schemeClr val="tx1"/>
+                </a:solidFill>
+              </a:rPr>
+              <a:t> </a:t>
+            </a:r>
+            <a:r>
+              <a:rPr lang="en-GB" dirty="0" err="1">
+                <a:solidFill>
+                  <a:schemeClr val="tx1"/>
+                </a:solidFill>
+              </a:rPr>
+              <a:t>einer</a:t>
+            </a:r>
+            <a:r>
+              <a:rPr lang="en-GB" dirty="0">
+                <a:solidFill>
+                  <a:schemeClr val="tx1"/>
+                </a:solidFill>
+              </a:rPr>
+              <a:t> </a:t>
+            </a:r>
+            <a:r>
+              <a:rPr lang="en-GB" dirty="0" smtClean="0">
+                <a:solidFill>
+                  <a:schemeClr val="tx1"/>
+                </a:solidFill>
+              </a:rPr>
+              <a:t>Demonstration</a:t>
+            </a:r>
+          </a:p>
+          <a:p>
+            <a:r>
+              <a:rPr lang="en-GB" b="1" dirty="0" err="1" smtClean="0">
+                <a:solidFill>
+                  <a:schemeClr val="tx1"/>
+                </a:solidFill>
+              </a:rPr>
+              <a:t>Weitere</a:t>
+            </a:r>
+            <a:r>
+              <a:rPr lang="en-GB" b="1" dirty="0" smtClean="0">
+                <a:solidFill>
+                  <a:schemeClr val="tx1"/>
+                </a:solidFill>
+              </a:rPr>
+              <a:t> </a:t>
+            </a:r>
+            <a:r>
+              <a:rPr lang="en-GB" b="1" dirty="0" err="1" smtClean="0">
+                <a:solidFill>
+                  <a:schemeClr val="tx1"/>
+                </a:solidFill>
+              </a:rPr>
+              <a:t>Literaturrecherche</a:t>
+            </a:r>
+            <a:r>
+              <a:rPr lang="en-GB" b="1" dirty="0" smtClean="0">
+                <a:solidFill>
+                  <a:schemeClr val="tx1"/>
+                </a:solidFill>
+              </a:rPr>
+              <a:t> und </a:t>
+            </a:r>
+            <a:r>
+              <a:rPr lang="en-GB" b="1" dirty="0" err="1" smtClean="0">
+                <a:solidFill>
+                  <a:schemeClr val="tx1"/>
+                </a:solidFill>
+              </a:rPr>
+              <a:t>Implementierung</a:t>
+            </a:r>
+            <a:r>
+              <a:rPr lang="en-GB" b="1" dirty="0" smtClean="0">
+                <a:solidFill>
+                  <a:schemeClr val="tx1"/>
+                </a:solidFill>
+              </a:rPr>
+              <a:t> der Filter</a:t>
+            </a:r>
+          </a:p>
+          <a:p>
+            <a:r>
+              <a:rPr lang="de-DE" dirty="0">
+                <a:solidFill>
+                  <a:schemeClr val="tx1"/>
+                </a:solidFill>
+              </a:rPr>
+              <a:t>Die Verteilung der Personen durch Permutationen realisieren (bei der Automatisierung  der Simulation)</a:t>
+            </a:r>
+          </a:p>
+          <a:p>
+            <a:r>
+              <a:rPr lang="de-DE" dirty="0">
+                <a:solidFill>
+                  <a:schemeClr val="tx1"/>
+                </a:solidFill>
+              </a:rPr>
+              <a:t>Codeoptimierung</a:t>
+            </a:r>
+          </a:p>
+          <a:p>
+            <a:r>
+              <a:rPr lang="de-DE" dirty="0">
+                <a:solidFill>
+                  <a:schemeClr val="tx1"/>
+                </a:solidFill>
+              </a:rPr>
+              <a:t>Erstellen von Dokumentationen für die implementierten Skripte</a:t>
+            </a:r>
+          </a:p>
+          <a:p>
+            <a:r>
+              <a:rPr lang="de-DE" b="1" dirty="0">
+                <a:solidFill>
+                  <a:schemeClr val="tx1"/>
+                </a:solidFill>
+              </a:rPr>
+              <a:t>Testen der Software</a:t>
+            </a:r>
+          </a:p>
+          <a:p>
+            <a:r>
+              <a:rPr lang="de-DE" dirty="0">
+                <a:solidFill>
+                  <a:schemeClr val="tx1"/>
+                </a:solidFill>
+              </a:rPr>
+              <a:t>Datengenerierung (Datenbeauftragte)</a:t>
+            </a:r>
+          </a:p>
+          <a:p>
+            <a:r>
+              <a:rPr lang="de-DE" dirty="0">
+                <a:solidFill>
+                  <a:schemeClr val="tx1"/>
+                </a:solidFill>
+              </a:rPr>
+              <a:t>Aktualisierung des Trello Projektes/</a:t>
+            </a:r>
+            <a:r>
+              <a:rPr lang="de-DE" dirty="0" err="1">
+                <a:solidFill>
+                  <a:schemeClr val="tx1"/>
+                </a:solidFill>
+              </a:rPr>
+              <a:t>Repos</a:t>
+            </a:r>
+            <a:r>
+              <a:rPr lang="de-DE" dirty="0">
+                <a:solidFill>
+                  <a:schemeClr val="tx1"/>
+                </a:solidFill>
+              </a:rPr>
+              <a:t>/Organisation der </a:t>
+            </a:r>
+            <a:r>
+              <a:rPr lang="de-DE" dirty="0" smtClean="0">
+                <a:solidFill>
+                  <a:schemeClr val="tx1"/>
+                </a:solidFill>
+              </a:rPr>
+              <a:t>Treffen</a:t>
+            </a:r>
+          </a:p>
+          <a:p>
+            <a:r>
+              <a:rPr lang="de-DE" dirty="0" err="1" smtClean="0">
+                <a:solidFill>
+                  <a:schemeClr val="tx1"/>
+                </a:solidFill>
+              </a:rPr>
+              <a:t>Scrum</a:t>
+            </a:r>
+            <a:r>
+              <a:rPr lang="de-DE" dirty="0" smtClean="0">
+                <a:solidFill>
+                  <a:schemeClr val="tx1"/>
+                </a:solidFill>
+              </a:rPr>
+              <a:t> Master</a:t>
+            </a:r>
+            <a:endParaRPr lang="de-DE" dirty="0">
+              <a:solidFill>
+                <a:schemeClr val="tx1"/>
+              </a:solidFill>
+            </a:endParaRPr>
+          </a:p>
+          <a:p>
+            <a:endParaRPr lang="de-DE" dirty="0">
+              <a:solidFill>
+                <a:schemeClr val="tx1"/>
+              </a:solidFill>
+            </a:endParaRPr>
+          </a:p>
+          <a:p>
+            <a:pPr lvl="0"/>
+            <a:endParaRPr lang="de-DE" dirty="0" smtClean="0">
+              <a:solidFill>
+                <a:schemeClr val="tx1"/>
+              </a:solidFill>
+            </a:endParaRPr>
+          </a:p>
+          <a:p>
+            <a:pPr lvl="0"/>
+            <a:endParaRPr lang="de-DE" dirty="0">
+              <a:solidFill>
+                <a:schemeClr val="tx1"/>
+              </a:solidFill>
+            </a:endParaRPr>
+          </a:p>
+        </p:txBody>
+      </p:sp>
+    </p:spTree>
+    <p:extLst>
+      <p:ext uri="{BB962C8B-B14F-4D97-AF65-F5344CB8AC3E}">
+        <p14:creationId xmlns:p14="http://schemas.microsoft.com/office/powerpoint/2010/main" val="1213149246"/>
+      </p:ext>
+    </p:extLst>
+  </p:cSld>
+  <p:clrMapOvr>
+    <a:masterClrMapping/>
+  </p:clrMapOvr>
+  <p:transition spd="slow">
+    <p:push dir="u"/>
+  </p:transition>
+  <p:timing>
+    <p:tnLst>
+      <p:par>
+        <p:cTn id="1" dur="indefinite" restart="never" nodeType="tmRoot"/>
+      </p:par>
+    </p:tnLst>
+  </p:timing>
+</p:sld>
+</file>
+
+<file path=ppt/slides/slide31.xml><?xml version="1.0" encoding="utf-8"?>
+<p:sld xmlns:a="http://schemas.openxmlformats.org/drawingml/2006/main" xmlns:r="http://schemas.openxmlformats.org/officeDocument/2006/relationships" xmlns:p="http://schemas.openxmlformats.org/presentationml/2006/main">
+  <p:cSld>
+    <p:spTree>
+      <p:nvGrpSpPr>
+        <p:cNvPr id="1" name=""/>
+        <p:cNvGrpSpPr/>
+        <p:nvPr/>
+      </p:nvGrpSpPr>
+      <p:grpSpPr>
+        <a:xfrm>
+          <a:off x="0" y="0"/>
+          <a:ext cx="0" cy="0"/>
+          <a:chOff x="0" y="0"/>
+          <a:chExt cx="0" cy="0"/>
+        </a:xfrm>
+      </p:grpSpPr>
+      <p:sp>
+        <p:nvSpPr>
           <p:cNvPr id="2" name="Titel 1"/>
           <p:cNvSpPr>
             <a:spLocks noGrp="1"/>
@@ -11661,7 +11695,7 @@
 </p:sld>
 </file>
 
-<file path=ppt/slides/slide31.xml><?xml version="1.0" encoding="utf-8"?>
+<file path=ppt/slides/slide32.xml><?xml version="1.0" encoding="utf-8"?>
 <p:sld xmlns:a="http://schemas.openxmlformats.org/drawingml/2006/main" xmlns:r="http://schemas.openxmlformats.org/officeDocument/2006/relationships" xmlns:p="http://schemas.openxmlformats.org/presentationml/2006/main">
   <p:cSld>
     <p:spTree>
@@ -11779,7 +11813,7 @@
                       <m:sSupPr>
                         <m:ctrlPr>
                           <a:rPr lang="de-DE" i="1">
-                            <a:latin typeface="Cambria Math" panose="02040503050406030204" pitchFamily="18" charset="0"/>
+                            <a:latin typeface="Cambria Math" charset="0"/>
                           </a:rPr>
                         </m:ctrlPr>
                       </m:sSupPr>
@@ -11874,7 +11908,7 @@
 </p:sld>
 </file>
 
-<file path=ppt/slides/slide32.xml><?xml version="1.0" encoding="utf-8"?>
+<file path=ppt/slides/slide33.xml><?xml version="1.0" encoding="utf-8"?>
 <p:sld xmlns:a="http://schemas.openxmlformats.org/drawingml/2006/main" xmlns:r="http://schemas.openxmlformats.org/officeDocument/2006/relationships" xmlns:p="http://schemas.openxmlformats.org/presentationml/2006/main">
   <p:cSld>
     <p:spTree>
@@ -12050,7 +12084,7 @@
 </p:sld>
 </file>
 
-<file path=ppt/slides/slide33.xml><?xml version="1.0" encoding="utf-8"?>
+<file path=ppt/slides/slide34.xml><?xml version="1.0" encoding="utf-8"?>
 <p:sld xmlns:a="http://schemas.openxmlformats.org/drawingml/2006/main" xmlns:r="http://schemas.openxmlformats.org/officeDocument/2006/relationships" xmlns:p="http://schemas.openxmlformats.org/presentationml/2006/main">
   <p:cSld>
     <p:spTree>
@@ -12139,7 +12173,7 @@
                       <m:sSupPr>
                         <m:ctrlPr>
                           <a:rPr lang="de-DE" i="1">
-                            <a:latin typeface="Cambria Math" panose="02040503050406030204" pitchFamily="18" charset="0"/>
+                            <a:latin typeface="Cambria Math" charset="0"/>
                           </a:rPr>
                         </m:ctrlPr>
                       </m:sSupPr>
@@ -12203,7 +12237,7 @@
                       <m:sSupPr>
                         <m:ctrlPr>
                           <a:rPr lang="de-DE" i="1">
-                            <a:latin typeface="Cambria Math" panose="02040503050406030204" pitchFamily="18" charset="0"/>
+                            <a:latin typeface="Cambria Math" charset="0"/>
                           </a:rPr>
                         </m:ctrlPr>
                       </m:sSupPr>
@@ -12248,7 +12282,7 @@
                       <m:sSupPr>
                         <m:ctrlPr>
                           <a:rPr lang="de-DE" i="1">
-                            <a:latin typeface="Cambria Math" panose="02040503050406030204" pitchFamily="18" charset="0"/>
+                            <a:latin typeface="Cambria Math" charset="0"/>
                           </a:rPr>
                         </m:ctrlPr>
                       </m:sSupPr>
@@ -12279,7 +12313,7 @@
                       <m:sSupPr>
                         <m:ctrlPr>
                           <a:rPr lang="de-DE" i="1">
-                            <a:latin typeface="Cambria Math" panose="02040503050406030204" pitchFamily="18" charset="0"/>
+                            <a:latin typeface="Cambria Math" charset="0"/>
                           </a:rPr>
                         </m:ctrlPr>
                       </m:sSupPr>
@@ -12338,7 +12372,7 @@
                       <m:sSupPr>
                         <m:ctrlPr>
                           <a:rPr lang="de-DE" i="1">
-                            <a:latin typeface="Cambria Math" panose="02040503050406030204" pitchFamily="18" charset="0"/>
+                            <a:latin typeface="Cambria Math" charset="0"/>
                           </a:rPr>
                         </m:ctrlPr>
                       </m:sSupPr>
@@ -12427,106 +12461,6 @@
 </p:sld>
 </file>
 
-<file path=ppt/slides/slide34.xml><?xml version="1.0" encoding="utf-8"?>
-<p:sld xmlns:a="http://schemas.openxmlformats.org/drawingml/2006/main" xmlns:r="http://schemas.openxmlformats.org/officeDocument/2006/relationships" xmlns:p="http://schemas.openxmlformats.org/presentationml/2006/main">
-  <p:cSld>
-    <p:spTree>
-      <p:nvGrpSpPr>
-        <p:cNvPr id="1" name=""/>
-        <p:cNvGrpSpPr/>
-        <p:nvPr/>
-      </p:nvGrpSpPr>
-      <p:grpSpPr>
-        <a:xfrm>
-          <a:off x="0" y="0"/>
-          <a:ext cx="0" cy="0"/>
-          <a:chOff x="0" y="0"/>
-          <a:chExt cx="0" cy="0"/>
-        </a:xfrm>
-      </p:grpSpPr>
-      <p:sp>
-        <p:nvSpPr>
-          <p:cNvPr id="2" name="Titel 1"/>
-          <p:cNvSpPr>
-            <a:spLocks noGrp="1"/>
-          </p:cNvSpPr>
-          <p:nvPr>
-            <p:ph type="title"/>
-          </p:nvPr>
-        </p:nvSpPr>
-        <p:spPr/>
-        <p:txBody>
-          <a:bodyPr/>
-          <a:lstStyle/>
-          <a:p>
-            <a:pPr algn="ctr"/>
-            <a:r>
-              <a:rPr lang="de-DE" dirty="0" smtClean="0"/>
-              <a:t>Testen der PCA</a:t>
-            </a:r>
-            <a:endParaRPr lang="de-DE" dirty="0"/>
-          </a:p>
-        </p:txBody>
-      </p:sp>
-      <p:sp>
-        <p:nvSpPr>
-          <p:cNvPr id="3" name="Inhaltsplatzhalter 2"/>
-          <p:cNvSpPr>
-            <a:spLocks noGrp="1"/>
-          </p:cNvSpPr>
-          <p:nvPr>
-            <p:ph idx="1"/>
-          </p:nvPr>
-        </p:nvSpPr>
-        <p:spPr/>
-        <p:txBody>
-          <a:bodyPr/>
-          <a:lstStyle/>
-          <a:p>
-            <a:r>
-              <a:rPr lang="de-DE" dirty="0" smtClean="0"/>
-              <a:t>Durch optischen Vergleich nach wiederzusammensetzen der Matrix</a:t>
-            </a:r>
-          </a:p>
-          <a:p>
-            <a:r>
-              <a:rPr lang="de-DE" dirty="0" smtClean="0"/>
-              <a:t>Durch mittlere quadratische Abweichung zwischen der original und der reduzierten Matrix</a:t>
-            </a:r>
-          </a:p>
-          <a:p>
-            <a:r>
-              <a:rPr lang="de-DE" dirty="0" smtClean="0"/>
-              <a:t>Durchführung für verschiedene prozentuale Anteile an der </a:t>
-            </a:r>
-            <a:r>
-              <a:rPr lang="de-DE" dirty="0" err="1" smtClean="0"/>
-              <a:t>Orginalinformation</a:t>
-            </a:r>
-            <a:endParaRPr lang="de-DE" dirty="0"/>
-          </a:p>
-        </p:txBody>
-      </p:sp>
-    </p:spTree>
-    <p:extLst>
-      <p:ext uri="{BB962C8B-B14F-4D97-AF65-F5344CB8AC3E}">
-        <p14:creationId xmlns:p14="http://schemas.microsoft.com/office/powerpoint/2010/main" val="2139167116"/>
-      </p:ext>
-    </p:extLst>
-  </p:cSld>
-  <p:clrMapOvr>
-    <a:masterClrMapping/>
-  </p:clrMapOvr>
-  <p:timing>
-    <p:tnLst>
-      <p:par>
-        <p:cTn id="1" dur="indefinite" restart="never" nodeType="tmRoot"/>
-      </p:par>
-    </p:tnLst>
-  </p:timing>
-</p:sld>
-</file>
-
 <file path=ppt/slides/slide35.xml><?xml version="1.0" encoding="utf-8"?>
 <p:sld xmlns:a="http://schemas.openxmlformats.org/drawingml/2006/main" xmlns:r="http://schemas.openxmlformats.org/officeDocument/2006/relationships" xmlns:p="http://schemas.openxmlformats.org/presentationml/2006/main">
   <p:cSld>
@@ -12562,7 +12496,7 @@
             <a:pPr algn="ctr"/>
             <a:r>
               <a:rPr lang="de-DE" dirty="0" smtClean="0"/>
-              <a:t>Sonstiges</a:t>
+              <a:t>Testen der PCA</a:t>
             </a:r>
             <a:endParaRPr lang="de-DE" dirty="0"/>
           </a:p>
@@ -12585,29 +12519,23 @@
           <a:p>
             <a:r>
               <a:rPr lang="de-DE" dirty="0" smtClean="0"/>
-              <a:t>Mit Pflege der </a:t>
+              <a:t>Durch optischen Vergleich nach wiederzusammensetzen der Matrix</a:t>
+            </a:r>
+          </a:p>
+          <a:p>
+            <a:r>
+              <a:rPr lang="de-DE" dirty="0" smtClean="0"/>
+              <a:t>Durch mittlere quadratische Abweichung zwischen der original und der reduzierten Matrix</a:t>
+            </a:r>
+          </a:p>
+          <a:p>
+            <a:r>
+              <a:rPr lang="de-DE" dirty="0" smtClean="0"/>
+              <a:t>Durchführung für verschiedene prozentuale Anteile an der </a:t>
             </a:r>
             <a:r>
               <a:rPr lang="de-DE" dirty="0" err="1" smtClean="0"/>
-              <a:t>Trello</a:t>
-            </a:r>
-            <a:r>
-              <a:rPr lang="de-DE" dirty="0" smtClean="0"/>
-              <a:t>/Kanban Wand</a:t>
-            </a:r>
-          </a:p>
-          <a:p>
-            <a:r>
-              <a:rPr lang="de-DE" dirty="0" smtClean="0"/>
-              <a:t>Kontaktaufnahme </a:t>
-            </a:r>
-            <a:r>
-              <a:rPr lang="de-DE" dirty="0" err="1" smtClean="0"/>
-              <a:t>Frauenhofer</a:t>
-            </a:r>
-            <a:r>
-              <a:rPr lang="de-DE" dirty="0" smtClean="0"/>
-              <a:t> Institut für weitere Informationen</a:t>
+              <a:t>Orginalinformation</a:t>
             </a:r>
             <a:endParaRPr lang="de-DE" dirty="0"/>
           </a:p>
@@ -12616,7 +12544,7 @@
     </p:spTree>
     <p:extLst>
       <p:ext uri="{BB962C8B-B14F-4D97-AF65-F5344CB8AC3E}">
-        <p14:creationId xmlns:p14="http://schemas.microsoft.com/office/powerpoint/2010/main" val="363664857"/>
+        <p14:creationId xmlns:p14="http://schemas.microsoft.com/office/powerpoint/2010/main" val="2139167116"/>
       </p:ext>
     </p:extLst>
   </p:cSld>
@@ -12652,14 +12580,8 @@
       </p:grpSpPr>
       <p:sp>
         <p:nvSpPr>
-          <p:cNvPr id="2" name="Title 6">
-            <a:extLst>
-              <a:ext uri="{FF2B5EF4-FFF2-40B4-BE49-F238E27FC236}">
-                <a16:creationId xmlns:a16="http://schemas.microsoft.com/office/drawing/2014/main" xmlns="" id="{04F78A0C-BF40-4E0B-9FA4-AAAA57E3C4EF}"/>
-              </a:ext>
-            </a:extLst>
-          </p:cNvPr>
-          <p:cNvSpPr txBox="1">
+          <p:cNvPr id="2" name="Titel 1"/>
+          <p:cNvSpPr>
             <a:spLocks noGrp="1"/>
           </p:cNvSpPr>
           <p:nvPr>
@@ -12668,534 +12590,73 @@
         </p:nvSpPr>
         <p:spPr/>
         <p:txBody>
-          <a:bodyPr>
-            <a:normAutofit/>
-          </a:bodyPr>
+          <a:bodyPr/>
           <a:lstStyle/>
           <a:p>
-            <a:pPr lvl="0" algn="ctr"/>
-            <a:r>
-              <a:rPr lang="en-GB" sz="4500" dirty="0" smtClean="0"/>
-              <a:t>16,5%</a:t>
-            </a:r>
-            <a:endParaRPr lang="en-GB" sz="4500" dirty="0"/>
-          </a:p>
-        </p:txBody>
-      </p:sp>
-      <p:sp>
-        <p:nvSpPr>
-          <p:cNvPr id="3" name="Content Placeholder 7">
-            <a:extLst>
-              <a:ext uri="{FF2B5EF4-FFF2-40B4-BE49-F238E27FC236}">
-                <a16:creationId xmlns:a16="http://schemas.microsoft.com/office/drawing/2014/main" xmlns="" id="{3A52400E-A01D-4CCF-8280-EBE32B011F8E}"/>
-              </a:ext>
-            </a:extLst>
-          </p:cNvPr>
-          <p:cNvSpPr txBox="1">
+            <a:pPr algn="ctr"/>
+            <a:r>
+              <a:rPr lang="de-DE" dirty="0" smtClean="0"/>
+              <a:t>Sonstiges</a:t>
+            </a:r>
+            <a:endParaRPr lang="de-DE" dirty="0"/>
+          </a:p>
+        </p:txBody>
+      </p:sp>
+      <p:sp>
+        <p:nvSpPr>
+          <p:cNvPr id="3" name="Inhaltsplatzhalter 2"/>
+          <p:cNvSpPr>
             <a:spLocks noGrp="1"/>
           </p:cNvSpPr>
           <p:nvPr>
             <p:ph idx="1"/>
           </p:nvPr>
         </p:nvSpPr>
-        <p:spPr>
-          <a:xfrm>
-            <a:off x="3775138" y="753034"/>
-            <a:ext cx="7315200" cy="5984748"/>
-          </a:xfrm>
-        </p:spPr>
-        <p:txBody>
-          <a:bodyPr>
-            <a:normAutofit fontScale="92500" lnSpcReduction="20000"/>
-          </a:bodyPr>
+        <p:spPr/>
+        <p:txBody>
+          <a:bodyPr/>
           <a:lstStyle/>
           <a:p>
-            <a:pPr marL="0" lvl="0" indent="0">
-              <a:lnSpc>
-                <a:spcPct val="200000"/>
-              </a:lnSpc>
-              <a:buNone/>
-            </a:pPr>
-            <a:r>
-              <a:rPr lang="de-DE" sz="2800" dirty="0">
-                <a:solidFill>
-                  <a:schemeClr val="tx1"/>
-                </a:solidFill>
-              </a:rPr>
-              <a:t>Selbsteinschätzung:</a:t>
-            </a:r>
-          </a:p>
-          <a:p>
-            <a:pPr lvl="0"/>
-            <a:r>
-              <a:rPr lang="de-DE" dirty="0" smtClean="0">
-                <a:solidFill>
-                  <a:schemeClr val="tx1"/>
-                </a:solidFill>
-              </a:rPr>
-              <a:t>Verfassen eines technischen Berichts</a:t>
-            </a:r>
-          </a:p>
-          <a:p>
-            <a:pPr lvl="0"/>
-            <a:r>
-              <a:rPr lang="en-GB" dirty="0" smtClean="0">
-                <a:solidFill>
-                  <a:schemeClr val="tx1"/>
-                </a:solidFill>
-              </a:rPr>
-              <a:t>Modellieren </a:t>
-            </a:r>
-            <a:r>
-              <a:rPr lang="en-GB" dirty="0" err="1">
-                <a:solidFill>
-                  <a:schemeClr val="tx1"/>
-                </a:solidFill>
-              </a:rPr>
-              <a:t>realistischer</a:t>
-            </a:r>
-            <a:r>
-              <a:rPr lang="en-GB" dirty="0">
-                <a:solidFill>
-                  <a:schemeClr val="tx1"/>
-                </a:solidFill>
-              </a:rPr>
-              <a:t> und </a:t>
-            </a:r>
-            <a:r>
-              <a:rPr lang="en-GB" dirty="0" err="1">
-                <a:solidFill>
-                  <a:schemeClr val="tx1"/>
-                </a:solidFill>
-              </a:rPr>
-              <a:t>variantenreicher</a:t>
-            </a:r>
-            <a:r>
-              <a:rPr lang="en-GB" dirty="0">
-                <a:solidFill>
-                  <a:schemeClr val="tx1"/>
-                </a:solidFill>
-              </a:rPr>
-              <a:t> </a:t>
-            </a:r>
-            <a:r>
-              <a:rPr lang="en-GB" dirty="0" err="1">
-                <a:solidFill>
-                  <a:schemeClr val="tx1"/>
-                </a:solidFill>
-              </a:rPr>
-              <a:t>Szenarien</a:t>
-            </a:r>
-            <a:endParaRPr lang="en-GB" dirty="0" smtClean="0">
-              <a:solidFill>
-                <a:schemeClr val="tx1"/>
-              </a:solidFill>
-            </a:endParaRPr>
-          </a:p>
-          <a:p>
-            <a:pPr lvl="0"/>
-            <a:r>
-              <a:rPr lang="en-GB" dirty="0" err="1">
-                <a:solidFill>
-                  <a:schemeClr val="tx1"/>
-                </a:solidFill>
-              </a:rPr>
-              <a:t>S</a:t>
-            </a:r>
-            <a:r>
-              <a:rPr lang="en-GB" dirty="0" err="1" smtClean="0">
-                <a:solidFill>
-                  <a:schemeClr val="tx1"/>
-                </a:solidFill>
-              </a:rPr>
-              <a:t>imulieren</a:t>
-            </a:r>
-            <a:r>
-              <a:rPr lang="en-GB" dirty="0" smtClean="0">
-                <a:solidFill>
-                  <a:schemeClr val="tx1"/>
-                </a:solidFill>
-              </a:rPr>
-              <a:t> </a:t>
-            </a:r>
-            <a:r>
-              <a:rPr lang="en-GB" dirty="0" err="1">
-                <a:solidFill>
-                  <a:schemeClr val="tx1"/>
-                </a:solidFill>
-              </a:rPr>
-              <a:t>realistischer</a:t>
-            </a:r>
-            <a:r>
-              <a:rPr lang="en-GB" dirty="0">
-                <a:solidFill>
-                  <a:schemeClr val="tx1"/>
-                </a:solidFill>
-              </a:rPr>
-              <a:t> und </a:t>
-            </a:r>
-            <a:r>
-              <a:rPr lang="en-GB" dirty="0" err="1">
-                <a:solidFill>
-                  <a:schemeClr val="tx1"/>
-                </a:solidFill>
-              </a:rPr>
-              <a:t>variantenreicher</a:t>
-            </a:r>
-            <a:r>
-              <a:rPr lang="en-GB" dirty="0">
-                <a:solidFill>
-                  <a:schemeClr val="tx1"/>
-                </a:solidFill>
-              </a:rPr>
-              <a:t> </a:t>
-            </a:r>
-            <a:r>
-              <a:rPr lang="en-GB" dirty="0" err="1">
-                <a:solidFill>
-                  <a:schemeClr val="tx1"/>
-                </a:solidFill>
-              </a:rPr>
-              <a:t>Szenarien</a:t>
-            </a:r>
-            <a:endParaRPr lang="en-GB" dirty="0">
-              <a:solidFill>
-                <a:schemeClr val="tx1"/>
-              </a:solidFill>
-            </a:endParaRPr>
-          </a:p>
-          <a:p>
-            <a:r>
-              <a:rPr lang="en-GB" dirty="0" err="1">
-                <a:solidFill>
-                  <a:schemeClr val="tx1"/>
-                </a:solidFill>
-              </a:rPr>
-              <a:t>Aufbereitung</a:t>
-            </a:r>
-            <a:r>
-              <a:rPr lang="en-GB" dirty="0">
-                <a:solidFill>
-                  <a:schemeClr val="tx1"/>
-                </a:solidFill>
-              </a:rPr>
-              <a:t> des </a:t>
-            </a:r>
-            <a:r>
-              <a:rPr lang="en-GB" dirty="0" err="1">
-                <a:solidFill>
-                  <a:schemeClr val="tx1"/>
-                </a:solidFill>
-              </a:rPr>
-              <a:t>Datenformats</a:t>
-            </a:r>
-            <a:r>
-              <a:rPr lang="en-GB" dirty="0">
-                <a:solidFill>
-                  <a:schemeClr val="tx1"/>
-                </a:solidFill>
-              </a:rPr>
-              <a:t> </a:t>
-            </a:r>
-            <a:r>
-              <a:rPr lang="en-GB" dirty="0" err="1">
-                <a:solidFill>
-                  <a:schemeClr val="tx1"/>
-                </a:solidFill>
-              </a:rPr>
-              <a:t>entsprechend</a:t>
-            </a:r>
-            <a:r>
-              <a:rPr lang="en-GB" dirty="0">
-                <a:solidFill>
-                  <a:schemeClr val="tx1"/>
-                </a:solidFill>
-              </a:rPr>
-              <a:t> den </a:t>
-            </a:r>
-            <a:r>
-              <a:rPr lang="en-GB" dirty="0" err="1">
-                <a:solidFill>
-                  <a:schemeClr val="tx1"/>
-                </a:solidFill>
-              </a:rPr>
-              <a:t>Angaben</a:t>
-            </a:r>
-            <a:r>
-              <a:rPr lang="en-GB" dirty="0">
-                <a:solidFill>
-                  <a:schemeClr val="tx1"/>
-                </a:solidFill>
-              </a:rPr>
-              <a:t> des </a:t>
-            </a:r>
-            <a:r>
-              <a:rPr lang="en-GB" dirty="0" err="1">
-                <a:solidFill>
-                  <a:schemeClr val="tx1"/>
-                </a:solidFill>
-              </a:rPr>
-              <a:t>Fraunhofer</a:t>
-            </a:r>
-            <a:r>
-              <a:rPr lang="en-GB" dirty="0">
-                <a:solidFill>
-                  <a:schemeClr val="tx1"/>
-                </a:solidFill>
-              </a:rPr>
-              <a:t> </a:t>
-            </a:r>
-            <a:r>
-              <a:rPr lang="en-GB" dirty="0" err="1">
-                <a:solidFill>
-                  <a:schemeClr val="tx1"/>
-                </a:solidFill>
-              </a:rPr>
-              <a:t>Instituts</a:t>
-            </a:r>
-            <a:endParaRPr lang="en-GB" dirty="0">
-              <a:solidFill>
-                <a:schemeClr val="tx1"/>
-              </a:solidFill>
-            </a:endParaRPr>
-          </a:p>
-          <a:p>
-            <a:r>
-              <a:rPr lang="en-GB" dirty="0" err="1">
-                <a:solidFill>
-                  <a:schemeClr val="tx1"/>
-                </a:solidFill>
-              </a:rPr>
-              <a:t>Erstellen</a:t>
-            </a:r>
-            <a:r>
-              <a:rPr lang="en-GB" dirty="0">
-                <a:solidFill>
-                  <a:schemeClr val="tx1"/>
-                </a:solidFill>
-              </a:rPr>
-              <a:t> </a:t>
-            </a:r>
-            <a:r>
-              <a:rPr lang="en-GB" dirty="0" err="1">
-                <a:solidFill>
-                  <a:schemeClr val="tx1"/>
-                </a:solidFill>
-              </a:rPr>
-              <a:t>einer</a:t>
-            </a:r>
-            <a:r>
-              <a:rPr lang="en-GB" dirty="0">
-                <a:solidFill>
-                  <a:schemeClr val="tx1"/>
-                </a:solidFill>
-              </a:rPr>
-              <a:t> </a:t>
-            </a:r>
-            <a:r>
-              <a:rPr lang="en-GB" dirty="0" smtClean="0">
-                <a:solidFill>
-                  <a:schemeClr val="tx1"/>
-                </a:solidFill>
-              </a:rPr>
-              <a:t>Demonstration</a:t>
-            </a:r>
-          </a:p>
-          <a:p>
-            <a:r>
-              <a:rPr lang="en-GB" b="1" dirty="0" err="1" smtClean="0">
-                <a:solidFill>
-                  <a:schemeClr val="tx1"/>
-                </a:solidFill>
-              </a:rPr>
-              <a:t>Weitere</a:t>
-            </a:r>
-            <a:r>
-              <a:rPr lang="en-GB" b="1" dirty="0" smtClean="0">
-                <a:solidFill>
-                  <a:schemeClr val="tx1"/>
-                </a:solidFill>
-              </a:rPr>
-              <a:t> </a:t>
-            </a:r>
-            <a:r>
-              <a:rPr lang="en-GB" b="1" dirty="0" err="1" smtClean="0">
-                <a:solidFill>
-                  <a:schemeClr val="tx1"/>
-                </a:solidFill>
-              </a:rPr>
-              <a:t>Literaturrecherche</a:t>
-            </a:r>
-            <a:r>
-              <a:rPr lang="en-GB" b="1" dirty="0" smtClean="0">
-                <a:solidFill>
-                  <a:schemeClr val="tx1"/>
-                </a:solidFill>
-              </a:rPr>
-              <a:t> und </a:t>
-            </a:r>
-            <a:r>
-              <a:rPr lang="en-GB" b="1" dirty="0" err="1" smtClean="0">
-                <a:solidFill>
-                  <a:schemeClr val="tx1"/>
-                </a:solidFill>
-              </a:rPr>
-              <a:t>Implementierung</a:t>
-            </a:r>
-            <a:r>
-              <a:rPr lang="en-GB" b="1" dirty="0" smtClean="0">
-                <a:solidFill>
-                  <a:schemeClr val="tx1"/>
-                </a:solidFill>
-              </a:rPr>
-              <a:t> der Filter</a:t>
-            </a:r>
-          </a:p>
-          <a:p>
-            <a:r>
-              <a:rPr lang="de-DE" dirty="0">
-                <a:solidFill>
-                  <a:schemeClr val="tx1"/>
-                </a:solidFill>
-              </a:rPr>
-              <a:t>Die Verteilung der Personen durch Permutationen realisieren (bei der Automatisierung  der Simulation)</a:t>
-            </a:r>
-          </a:p>
-          <a:p>
-            <a:r>
-              <a:rPr lang="de-DE" dirty="0">
-                <a:solidFill>
-                  <a:schemeClr val="tx1"/>
-                </a:solidFill>
-              </a:rPr>
-              <a:t>Codeoptimierung</a:t>
-            </a:r>
-          </a:p>
-          <a:p>
-            <a:r>
-              <a:rPr lang="de-DE" dirty="0">
-                <a:solidFill>
-                  <a:schemeClr val="tx1"/>
-                </a:solidFill>
-              </a:rPr>
-              <a:t>Erstellen von Dokumentationen für die implementierten Skripte</a:t>
-            </a:r>
-          </a:p>
-          <a:p>
-            <a:r>
-              <a:rPr lang="de-DE" b="1" dirty="0">
-                <a:solidFill>
-                  <a:schemeClr val="tx1"/>
-                </a:solidFill>
-              </a:rPr>
-              <a:t>Testen der Software</a:t>
-            </a:r>
-          </a:p>
-          <a:p>
-            <a:r>
-              <a:rPr lang="de-DE" dirty="0">
-                <a:solidFill>
-                  <a:schemeClr val="tx1"/>
-                </a:solidFill>
-              </a:rPr>
-              <a:t>Datengenerierung (Datenbeauftragte)</a:t>
-            </a:r>
-          </a:p>
-          <a:p>
-            <a:r>
-              <a:rPr lang="de-DE" b="1" dirty="0">
-                <a:solidFill>
-                  <a:schemeClr val="tx1"/>
-                </a:solidFill>
-              </a:rPr>
-              <a:t>Aktualisierung des Trello Projektes/</a:t>
-            </a:r>
-            <a:r>
-              <a:rPr lang="de-DE" b="1" dirty="0" err="1">
-                <a:solidFill>
-                  <a:schemeClr val="tx1"/>
-                </a:solidFill>
-              </a:rPr>
-              <a:t>Repos</a:t>
-            </a:r>
-            <a:r>
-              <a:rPr lang="de-DE" b="1" dirty="0">
-                <a:solidFill>
-                  <a:schemeClr val="tx1"/>
-                </a:solidFill>
-              </a:rPr>
-              <a:t>/Organisation der </a:t>
-            </a:r>
-            <a:r>
-              <a:rPr lang="de-DE" b="1" dirty="0" smtClean="0">
-                <a:solidFill>
-                  <a:schemeClr val="tx1"/>
-                </a:solidFill>
-              </a:rPr>
-              <a:t>Treffen</a:t>
-            </a:r>
-          </a:p>
-          <a:p>
-            <a:r>
-              <a:rPr lang="de-DE" dirty="0" err="1" smtClean="0">
-                <a:solidFill>
-                  <a:schemeClr val="tx1"/>
-                </a:solidFill>
-              </a:rPr>
-              <a:t>Scrum</a:t>
-            </a:r>
-            <a:r>
-              <a:rPr lang="de-DE" dirty="0" smtClean="0">
-                <a:solidFill>
-                  <a:schemeClr val="tx1"/>
-                </a:solidFill>
-              </a:rPr>
-              <a:t> Master</a:t>
-            </a:r>
-            <a:endParaRPr lang="de-DE" dirty="0">
-              <a:solidFill>
-                <a:schemeClr val="tx1"/>
-              </a:solidFill>
-            </a:endParaRPr>
-          </a:p>
-          <a:p>
-            <a:endParaRPr lang="de-DE" dirty="0">
-              <a:solidFill>
-                <a:schemeClr val="tx1"/>
-              </a:solidFill>
-            </a:endParaRPr>
-          </a:p>
-          <a:p>
-            <a:pPr lvl="0"/>
-            <a:endParaRPr lang="de-DE" dirty="0" smtClean="0">
-              <a:solidFill>
-                <a:schemeClr val="tx1"/>
-              </a:solidFill>
-            </a:endParaRPr>
-          </a:p>
-          <a:p>
-            <a:pPr lvl="0"/>
-            <a:endParaRPr lang="de-DE" dirty="0">
-              <a:solidFill>
-                <a:schemeClr val="tx1"/>
-              </a:solidFill>
-            </a:endParaRPr>
+            <a:r>
+              <a:rPr lang="de-DE" dirty="0" smtClean="0"/>
+              <a:t>Mit Pflege der </a:t>
+            </a:r>
+            <a:r>
+              <a:rPr lang="de-DE" dirty="0" err="1" smtClean="0"/>
+              <a:t>Trello</a:t>
+            </a:r>
+            <a:r>
+              <a:rPr lang="de-DE" dirty="0" smtClean="0"/>
+              <a:t>/Kanban Wand</a:t>
+            </a:r>
+          </a:p>
+          <a:p>
+            <a:r>
+              <a:rPr lang="de-DE" dirty="0" smtClean="0"/>
+              <a:t>Kontaktaufnahme </a:t>
+            </a:r>
+            <a:r>
+              <a:rPr lang="de-DE" dirty="0" err="1" smtClean="0"/>
+              <a:t>Frauenhofer</a:t>
+            </a:r>
+            <a:r>
+              <a:rPr lang="de-DE" dirty="0" smtClean="0"/>
+              <a:t> Institut für weitere Informationen</a:t>
+            </a:r>
+            <a:endParaRPr lang="de-DE" dirty="0"/>
           </a:p>
         </p:txBody>
       </p:sp>
     </p:spTree>
     <p:extLst>
       <p:ext uri="{BB962C8B-B14F-4D97-AF65-F5344CB8AC3E}">
-        <p14:creationId xmlns:p14="http://schemas.microsoft.com/office/powerpoint/2010/main" val="492849555"/>
+        <p14:creationId xmlns:p14="http://schemas.microsoft.com/office/powerpoint/2010/main" val="363664857"/>
       </p:ext>
     </p:extLst>
   </p:cSld>
   <p:clrMapOvr>
     <a:masterClrMapping/>
   </p:clrMapOvr>
-  <p:transition spd="slow">
-    <p:push dir="u"/>
-  </p:transition>
   <p:timing>
     <p:tnLst>
       <p:par>
@@ -13225,36 +12686,533 @@
       </p:grpSpPr>
       <p:sp>
         <p:nvSpPr>
-          <p:cNvPr id="2" name="Titel 1"/>
-          <p:cNvSpPr>
+          <p:cNvPr id="2" name="Title 6">
+            <a:extLst>
+              <a:ext uri="{FF2B5EF4-FFF2-40B4-BE49-F238E27FC236}">
+                <a16:creationId xmlns="" xmlns:a16="http://schemas.microsoft.com/office/drawing/2014/main" id="{04F78A0C-BF40-4E0B-9FA4-AAAA57E3C4EF}"/>
+              </a:ext>
+            </a:extLst>
+          </p:cNvPr>
+          <p:cNvSpPr txBox="1">
             <a:spLocks noGrp="1"/>
           </p:cNvSpPr>
           <p:nvPr>
-            <p:ph type="ctrTitle"/>
+            <p:ph type="title"/>
           </p:nvPr>
         </p:nvSpPr>
         <p:spPr/>
         <p:txBody>
           <a:bodyPr>
-            <a:noAutofit/>
+            <a:normAutofit/>
           </a:bodyPr>
           <a:lstStyle/>
           <a:p>
-            <a:pPr algn="l"/>
-            <a:r>
-              <a:rPr lang="de-DE" sz="7000" dirty="0" smtClean="0">
-                <a:solidFill>
-                  <a:schemeClr val="bg1"/>
-                </a:solidFill>
-                <a:cs typeface="Times New Roman" panose="02020603050405020304" pitchFamily="18" charset="0"/>
-              </a:rPr>
-              <a:t>Rebecca</a:t>
-            </a:r>
-            <a:endParaRPr lang="de-DE" sz="7000" dirty="0">
+            <a:pPr lvl="0" algn="ctr"/>
+            <a:r>
+              <a:rPr lang="en-GB" sz="4500" dirty="0" smtClean="0"/>
+              <a:t>16,5%</a:t>
+            </a:r>
+            <a:endParaRPr lang="en-GB" sz="4500" dirty="0"/>
+          </a:p>
+        </p:txBody>
+      </p:sp>
+      <p:sp>
+        <p:nvSpPr>
+          <p:cNvPr id="3" name="Content Placeholder 7">
+            <a:extLst>
+              <a:ext uri="{FF2B5EF4-FFF2-40B4-BE49-F238E27FC236}">
+                <a16:creationId xmlns="" xmlns:a16="http://schemas.microsoft.com/office/drawing/2014/main" id="{3A52400E-A01D-4CCF-8280-EBE32B011F8E}"/>
+              </a:ext>
+            </a:extLst>
+          </p:cNvPr>
+          <p:cNvSpPr txBox="1">
+            <a:spLocks noGrp="1"/>
+          </p:cNvSpPr>
+          <p:nvPr>
+            <p:ph idx="1"/>
+          </p:nvPr>
+        </p:nvSpPr>
+        <p:spPr>
+          <a:xfrm>
+            <a:off x="3775138" y="753034"/>
+            <a:ext cx="7315200" cy="5984748"/>
+          </a:xfrm>
+        </p:spPr>
+        <p:txBody>
+          <a:bodyPr>
+            <a:normAutofit fontScale="92500" lnSpcReduction="20000"/>
+          </a:bodyPr>
+          <a:lstStyle/>
+          <a:p>
+            <a:pPr marL="0" lvl="0" indent="0">
+              <a:lnSpc>
+                <a:spcPct val="200000"/>
+              </a:lnSpc>
+              <a:buNone/>
+            </a:pPr>
+            <a:r>
+              <a:rPr lang="de-DE" sz="2800" dirty="0">
+                <a:solidFill>
+                  <a:schemeClr val="tx1"/>
+                </a:solidFill>
+              </a:rPr>
+              <a:t>Selbsteinschätzung:</a:t>
+            </a:r>
+          </a:p>
+          <a:p>
+            <a:pPr lvl="0"/>
+            <a:r>
+              <a:rPr lang="de-DE" dirty="0" smtClean="0">
+                <a:solidFill>
+                  <a:schemeClr val="tx1"/>
+                </a:solidFill>
+              </a:rPr>
+              <a:t>Verfassen eines technischen Berichts</a:t>
+            </a:r>
+          </a:p>
+          <a:p>
+            <a:pPr lvl="0"/>
+            <a:r>
+              <a:rPr lang="en-GB" dirty="0" smtClean="0">
+                <a:solidFill>
+                  <a:schemeClr val="tx1"/>
+                </a:solidFill>
+              </a:rPr>
+              <a:t>Modellieren </a:t>
+            </a:r>
+            <a:r>
+              <a:rPr lang="en-GB" dirty="0" err="1">
+                <a:solidFill>
+                  <a:schemeClr val="tx1"/>
+                </a:solidFill>
+              </a:rPr>
+              <a:t>realistischer</a:t>
+            </a:r>
+            <a:r>
+              <a:rPr lang="en-GB" dirty="0">
+                <a:solidFill>
+                  <a:schemeClr val="tx1"/>
+                </a:solidFill>
+              </a:rPr>
+              <a:t> und </a:t>
+            </a:r>
+            <a:r>
+              <a:rPr lang="en-GB" dirty="0" err="1">
+                <a:solidFill>
+                  <a:schemeClr val="tx1"/>
+                </a:solidFill>
+              </a:rPr>
+              <a:t>variantenreicher</a:t>
+            </a:r>
+            <a:r>
+              <a:rPr lang="en-GB" dirty="0">
+                <a:solidFill>
+                  <a:schemeClr val="tx1"/>
+                </a:solidFill>
+              </a:rPr>
+              <a:t> </a:t>
+            </a:r>
+            <a:r>
+              <a:rPr lang="en-GB" dirty="0" err="1">
+                <a:solidFill>
+                  <a:schemeClr val="tx1"/>
+                </a:solidFill>
+              </a:rPr>
+              <a:t>Szenarien</a:t>
+            </a:r>
+            <a:endParaRPr lang="en-GB" dirty="0" smtClean="0">
               <a:solidFill>
-                <a:schemeClr val="bg1"/>
+                <a:schemeClr val="tx1"/>
               </a:solidFill>
-              <a:cs typeface="Times New Roman" panose="02020603050405020304" pitchFamily="18" charset="0"/>
+            </a:endParaRPr>
+          </a:p>
+          <a:p>
+            <a:pPr lvl="0"/>
+            <a:r>
+              <a:rPr lang="en-GB" dirty="0" err="1">
+                <a:solidFill>
+                  <a:schemeClr val="tx1"/>
+                </a:solidFill>
+              </a:rPr>
+              <a:t>S</a:t>
+            </a:r>
+            <a:r>
+              <a:rPr lang="en-GB" dirty="0" err="1" smtClean="0">
+                <a:solidFill>
+                  <a:schemeClr val="tx1"/>
+                </a:solidFill>
+              </a:rPr>
+              <a:t>imulieren</a:t>
+            </a:r>
+            <a:r>
+              <a:rPr lang="en-GB" dirty="0" smtClean="0">
+                <a:solidFill>
+                  <a:schemeClr val="tx1"/>
+                </a:solidFill>
+              </a:rPr>
+              <a:t> </a:t>
+            </a:r>
+            <a:r>
+              <a:rPr lang="en-GB" dirty="0" err="1">
+                <a:solidFill>
+                  <a:schemeClr val="tx1"/>
+                </a:solidFill>
+              </a:rPr>
+              <a:t>realistischer</a:t>
+            </a:r>
+            <a:r>
+              <a:rPr lang="en-GB" dirty="0">
+                <a:solidFill>
+                  <a:schemeClr val="tx1"/>
+                </a:solidFill>
+              </a:rPr>
+              <a:t> und </a:t>
+            </a:r>
+            <a:r>
+              <a:rPr lang="en-GB" dirty="0" err="1">
+                <a:solidFill>
+                  <a:schemeClr val="tx1"/>
+                </a:solidFill>
+              </a:rPr>
+              <a:t>variantenreicher</a:t>
+            </a:r>
+            <a:r>
+              <a:rPr lang="en-GB" dirty="0">
+                <a:solidFill>
+                  <a:schemeClr val="tx1"/>
+                </a:solidFill>
+              </a:rPr>
+              <a:t> </a:t>
+            </a:r>
+            <a:r>
+              <a:rPr lang="en-GB" dirty="0" err="1">
+                <a:solidFill>
+                  <a:schemeClr val="tx1"/>
+                </a:solidFill>
+              </a:rPr>
+              <a:t>Szenarien</a:t>
+            </a:r>
+            <a:endParaRPr lang="en-GB" dirty="0">
+              <a:solidFill>
+                <a:schemeClr val="tx1"/>
+              </a:solidFill>
+            </a:endParaRPr>
+          </a:p>
+          <a:p>
+            <a:r>
+              <a:rPr lang="en-GB" dirty="0" err="1">
+                <a:solidFill>
+                  <a:schemeClr val="tx1"/>
+                </a:solidFill>
+              </a:rPr>
+              <a:t>Aufbereitung</a:t>
+            </a:r>
+            <a:r>
+              <a:rPr lang="en-GB" dirty="0">
+                <a:solidFill>
+                  <a:schemeClr val="tx1"/>
+                </a:solidFill>
+              </a:rPr>
+              <a:t> des </a:t>
+            </a:r>
+            <a:r>
+              <a:rPr lang="en-GB" dirty="0" err="1">
+                <a:solidFill>
+                  <a:schemeClr val="tx1"/>
+                </a:solidFill>
+              </a:rPr>
+              <a:t>Datenformats</a:t>
+            </a:r>
+            <a:r>
+              <a:rPr lang="en-GB" dirty="0">
+                <a:solidFill>
+                  <a:schemeClr val="tx1"/>
+                </a:solidFill>
+              </a:rPr>
+              <a:t> </a:t>
+            </a:r>
+            <a:r>
+              <a:rPr lang="en-GB" dirty="0" err="1">
+                <a:solidFill>
+                  <a:schemeClr val="tx1"/>
+                </a:solidFill>
+              </a:rPr>
+              <a:t>entsprechend</a:t>
+            </a:r>
+            <a:r>
+              <a:rPr lang="en-GB" dirty="0">
+                <a:solidFill>
+                  <a:schemeClr val="tx1"/>
+                </a:solidFill>
+              </a:rPr>
+              <a:t> den </a:t>
+            </a:r>
+            <a:r>
+              <a:rPr lang="en-GB" dirty="0" err="1">
+                <a:solidFill>
+                  <a:schemeClr val="tx1"/>
+                </a:solidFill>
+              </a:rPr>
+              <a:t>Angaben</a:t>
+            </a:r>
+            <a:r>
+              <a:rPr lang="en-GB" dirty="0">
+                <a:solidFill>
+                  <a:schemeClr val="tx1"/>
+                </a:solidFill>
+              </a:rPr>
+              <a:t> des </a:t>
+            </a:r>
+            <a:r>
+              <a:rPr lang="en-GB" dirty="0" err="1">
+                <a:solidFill>
+                  <a:schemeClr val="tx1"/>
+                </a:solidFill>
+              </a:rPr>
+              <a:t>Fraunhofer</a:t>
+            </a:r>
+            <a:r>
+              <a:rPr lang="en-GB" dirty="0">
+                <a:solidFill>
+                  <a:schemeClr val="tx1"/>
+                </a:solidFill>
+              </a:rPr>
+              <a:t> </a:t>
+            </a:r>
+            <a:r>
+              <a:rPr lang="en-GB" dirty="0" err="1">
+                <a:solidFill>
+                  <a:schemeClr val="tx1"/>
+                </a:solidFill>
+              </a:rPr>
+              <a:t>Instituts</a:t>
+            </a:r>
+            <a:endParaRPr lang="en-GB" dirty="0">
+              <a:solidFill>
+                <a:schemeClr val="tx1"/>
+              </a:solidFill>
+            </a:endParaRPr>
+          </a:p>
+          <a:p>
+            <a:r>
+              <a:rPr lang="en-GB" dirty="0" err="1">
+                <a:solidFill>
+                  <a:schemeClr val="tx1"/>
+                </a:solidFill>
+              </a:rPr>
+              <a:t>Erstellen</a:t>
+            </a:r>
+            <a:r>
+              <a:rPr lang="en-GB" dirty="0">
+                <a:solidFill>
+                  <a:schemeClr val="tx1"/>
+                </a:solidFill>
+              </a:rPr>
+              <a:t> </a:t>
+            </a:r>
+            <a:r>
+              <a:rPr lang="en-GB" dirty="0" err="1">
+                <a:solidFill>
+                  <a:schemeClr val="tx1"/>
+                </a:solidFill>
+              </a:rPr>
+              <a:t>einer</a:t>
+            </a:r>
+            <a:r>
+              <a:rPr lang="en-GB" dirty="0">
+                <a:solidFill>
+                  <a:schemeClr val="tx1"/>
+                </a:solidFill>
+              </a:rPr>
+              <a:t> </a:t>
+            </a:r>
+            <a:r>
+              <a:rPr lang="en-GB" dirty="0" smtClean="0">
+                <a:solidFill>
+                  <a:schemeClr val="tx1"/>
+                </a:solidFill>
+              </a:rPr>
+              <a:t>Demonstration</a:t>
+            </a:r>
+          </a:p>
+          <a:p>
+            <a:r>
+              <a:rPr lang="en-GB" b="1" dirty="0" err="1" smtClean="0">
+                <a:solidFill>
+                  <a:schemeClr val="tx1"/>
+                </a:solidFill>
+              </a:rPr>
+              <a:t>Weitere</a:t>
+            </a:r>
+            <a:r>
+              <a:rPr lang="en-GB" b="1" dirty="0" smtClean="0">
+                <a:solidFill>
+                  <a:schemeClr val="tx1"/>
+                </a:solidFill>
+              </a:rPr>
+              <a:t> </a:t>
+            </a:r>
+            <a:r>
+              <a:rPr lang="en-GB" b="1" dirty="0" err="1" smtClean="0">
+                <a:solidFill>
+                  <a:schemeClr val="tx1"/>
+                </a:solidFill>
+              </a:rPr>
+              <a:t>Literaturrecherche</a:t>
+            </a:r>
+            <a:r>
+              <a:rPr lang="en-GB" b="1" dirty="0" smtClean="0">
+                <a:solidFill>
+                  <a:schemeClr val="tx1"/>
+                </a:solidFill>
+              </a:rPr>
+              <a:t> und </a:t>
+            </a:r>
+            <a:r>
+              <a:rPr lang="en-GB" b="1" dirty="0" err="1" smtClean="0">
+                <a:solidFill>
+                  <a:schemeClr val="tx1"/>
+                </a:solidFill>
+              </a:rPr>
+              <a:t>Implementierung</a:t>
+            </a:r>
+            <a:r>
+              <a:rPr lang="en-GB" b="1" dirty="0" smtClean="0">
+                <a:solidFill>
+                  <a:schemeClr val="tx1"/>
+                </a:solidFill>
+              </a:rPr>
+              <a:t> der Filter</a:t>
+            </a:r>
+          </a:p>
+          <a:p>
+            <a:r>
+              <a:rPr lang="de-DE" dirty="0">
+                <a:solidFill>
+                  <a:schemeClr val="tx1"/>
+                </a:solidFill>
+              </a:rPr>
+              <a:t>Die Verteilung der Personen durch Permutationen realisieren (bei der Automatisierung  der Simulation)</a:t>
+            </a:r>
+          </a:p>
+          <a:p>
+            <a:r>
+              <a:rPr lang="de-DE" dirty="0">
+                <a:solidFill>
+                  <a:schemeClr val="tx1"/>
+                </a:solidFill>
+              </a:rPr>
+              <a:t>Codeoptimierung</a:t>
+            </a:r>
+          </a:p>
+          <a:p>
+            <a:r>
+              <a:rPr lang="de-DE" dirty="0">
+                <a:solidFill>
+                  <a:schemeClr val="tx1"/>
+                </a:solidFill>
+              </a:rPr>
+              <a:t>Erstellen von Dokumentationen für die implementierten Skripte</a:t>
+            </a:r>
+          </a:p>
+          <a:p>
+            <a:r>
+              <a:rPr lang="de-DE" b="1" dirty="0">
+                <a:solidFill>
+                  <a:schemeClr val="tx1"/>
+                </a:solidFill>
+              </a:rPr>
+              <a:t>Testen der Software</a:t>
+            </a:r>
+          </a:p>
+          <a:p>
+            <a:r>
+              <a:rPr lang="de-DE" dirty="0">
+                <a:solidFill>
+                  <a:schemeClr val="tx1"/>
+                </a:solidFill>
+              </a:rPr>
+              <a:t>Datengenerierung (Datenbeauftragte)</a:t>
+            </a:r>
+          </a:p>
+          <a:p>
+            <a:r>
+              <a:rPr lang="de-DE" b="1" dirty="0">
+                <a:solidFill>
+                  <a:schemeClr val="tx1"/>
+                </a:solidFill>
+              </a:rPr>
+              <a:t>Aktualisierung des Trello Projektes/</a:t>
+            </a:r>
+            <a:r>
+              <a:rPr lang="de-DE" b="1" dirty="0" err="1">
+                <a:solidFill>
+                  <a:schemeClr val="tx1"/>
+                </a:solidFill>
+              </a:rPr>
+              <a:t>Repos</a:t>
+            </a:r>
+            <a:r>
+              <a:rPr lang="de-DE" b="1" dirty="0">
+                <a:solidFill>
+                  <a:schemeClr val="tx1"/>
+                </a:solidFill>
+              </a:rPr>
+              <a:t>/Organisation der </a:t>
+            </a:r>
+            <a:r>
+              <a:rPr lang="de-DE" b="1" dirty="0" smtClean="0">
+                <a:solidFill>
+                  <a:schemeClr val="tx1"/>
+                </a:solidFill>
+              </a:rPr>
+              <a:t>Treffen</a:t>
+            </a:r>
+          </a:p>
+          <a:p>
+            <a:r>
+              <a:rPr lang="de-DE" dirty="0" err="1" smtClean="0">
+                <a:solidFill>
+                  <a:schemeClr val="tx1"/>
+                </a:solidFill>
+              </a:rPr>
+              <a:t>Scrum</a:t>
+            </a:r>
+            <a:r>
+              <a:rPr lang="de-DE" dirty="0" smtClean="0">
+                <a:solidFill>
+                  <a:schemeClr val="tx1"/>
+                </a:solidFill>
+              </a:rPr>
+              <a:t> Master</a:t>
+            </a:r>
+            <a:endParaRPr lang="de-DE" dirty="0">
+              <a:solidFill>
+                <a:schemeClr val="tx1"/>
+              </a:solidFill>
+            </a:endParaRPr>
+          </a:p>
+          <a:p>
+            <a:endParaRPr lang="de-DE" dirty="0">
+              <a:solidFill>
+                <a:schemeClr val="tx1"/>
+              </a:solidFill>
+            </a:endParaRPr>
+          </a:p>
+          <a:p>
+            <a:pPr lvl="0"/>
+            <a:endParaRPr lang="de-DE" dirty="0" smtClean="0">
+              <a:solidFill>
+                <a:schemeClr val="tx1"/>
+              </a:solidFill>
+            </a:endParaRPr>
+          </a:p>
+          <a:p>
+            <a:pPr lvl="0"/>
+            <a:endParaRPr lang="de-DE" dirty="0">
+              <a:solidFill>
+                <a:schemeClr val="tx1"/>
+              </a:solidFill>
             </a:endParaRPr>
           </a:p>
         </p:txBody>
@@ -13262,7 +13220,7 @@
     </p:spTree>
     <p:extLst>
       <p:ext uri="{BB962C8B-B14F-4D97-AF65-F5344CB8AC3E}">
-        <p14:creationId xmlns:p14="http://schemas.microsoft.com/office/powerpoint/2010/main" val="2661106770"/>
+        <p14:creationId xmlns:p14="http://schemas.microsoft.com/office/powerpoint/2010/main" val="492849555"/>
       </p:ext>
     </p:extLst>
   </p:cSld>
@@ -13301,105 +13259,53 @@
       </p:grpSpPr>
       <p:sp>
         <p:nvSpPr>
-          <p:cNvPr id="2" name="Titel 1">
-            <a:extLst>
-              <a:ext uri="{FF2B5EF4-FFF2-40B4-BE49-F238E27FC236}">
-                <a16:creationId xmlns="" xmlns:a16="http://schemas.microsoft.com/office/drawing/2014/main" id="{7C466F08-D41F-B44B-878A-0F6156E05756}"/>
-              </a:ext>
-            </a:extLst>
-          </p:cNvPr>
+          <p:cNvPr id="2" name="Titel 1"/>
           <p:cNvSpPr>
             <a:spLocks noGrp="1"/>
           </p:cNvSpPr>
           <p:nvPr>
-            <p:ph type="title"/>
+            <p:ph type="ctrTitle"/>
           </p:nvPr>
         </p:nvSpPr>
         <p:spPr/>
         <p:txBody>
-          <a:bodyPr/>
+          <a:bodyPr>
+            <a:noAutofit/>
+          </a:bodyPr>
           <a:lstStyle/>
           <a:p>
-            <a:r>
-              <a:rPr lang="de-DE"/>
-              <a:t>Aufgaben Sprint 2</a:t>
-            </a:r>
-          </a:p>
-        </p:txBody>
-      </p:sp>
-      <p:sp>
-        <p:nvSpPr>
-          <p:cNvPr id="3" name="Inhaltsplatzhalter 2">
-            <a:extLst>
-              <a:ext uri="{FF2B5EF4-FFF2-40B4-BE49-F238E27FC236}">
-                <a16:creationId xmlns="" xmlns:a16="http://schemas.microsoft.com/office/drawing/2014/main" id="{3652AF28-3647-BC42-BE24-88ACBF436C67}"/>
-              </a:ext>
-            </a:extLst>
-          </p:cNvPr>
-          <p:cNvSpPr>
-            <a:spLocks noGrp="1"/>
-          </p:cNvSpPr>
-          <p:nvPr>
-            <p:ph idx="1"/>
-          </p:nvPr>
-        </p:nvSpPr>
-        <p:spPr>
-          <a:xfrm>
-            <a:off x="3869268" y="864108"/>
-            <a:ext cx="7315200" cy="5120640"/>
-          </a:xfrm>
-        </p:spPr>
-        <p:txBody>
-          <a:bodyPr/>
-          <a:lstStyle/>
-          <a:p>
-            <a:r>
-              <a:rPr lang="de-DE"/>
-              <a:t>Datenbeauftragte</a:t>
-            </a:r>
-          </a:p>
-          <a:p>
-            <a:pPr lvl="1"/>
-            <a:r>
-              <a:rPr lang="de-DE"/>
-              <a:t>Besprechung mit den Maschin Learning Gruppen</a:t>
-            </a:r>
-          </a:p>
-          <a:p>
-            <a:pPr lvl="1"/>
-            <a:r>
-              <a:rPr lang="de-DE"/>
-              <a:t>Erstellen der Dichte und Trajektorien Daten</a:t>
-            </a:r>
-          </a:p>
-          <a:p>
-            <a:r>
-              <a:rPr lang="de-DE"/>
-              <a:t>Kontiniuierliche Simulationsdaten</a:t>
-            </a:r>
-          </a:p>
-          <a:p>
-            <a:r>
-              <a:rPr lang="de-DE"/>
-              <a:t>Neues Trajectorien Format</a:t>
-            </a:r>
-          </a:p>
-          <a:p>
-            <a:pPr lvl="1"/>
-            <a:endParaRPr lang="de-DE"/>
+            <a:pPr algn="l"/>
+            <a:r>
+              <a:rPr lang="de-DE" sz="7000" dirty="0" smtClean="0">
+                <a:solidFill>
+                  <a:schemeClr val="bg1"/>
+                </a:solidFill>
+                <a:cs typeface="Times New Roman" panose="02020603050405020304" pitchFamily="18" charset="0"/>
+              </a:rPr>
+              <a:t>Rebecca</a:t>
+            </a:r>
+            <a:endParaRPr lang="de-DE" sz="7000" dirty="0">
+              <a:solidFill>
+                <a:schemeClr val="bg1"/>
+              </a:solidFill>
+              <a:cs typeface="Times New Roman" panose="02020603050405020304" pitchFamily="18" charset="0"/>
+            </a:endParaRPr>
           </a:p>
         </p:txBody>
       </p:sp>
     </p:spTree>
     <p:extLst>
       <p:ext uri="{BB962C8B-B14F-4D97-AF65-F5344CB8AC3E}">
-        <p14:creationId xmlns:p14="http://schemas.microsoft.com/office/powerpoint/2010/main" val="3341924957"/>
+        <p14:creationId xmlns:p14="http://schemas.microsoft.com/office/powerpoint/2010/main" val="2661106770"/>
       </p:ext>
     </p:extLst>
   </p:cSld>
   <p:clrMapOvr>
     <a:masterClrMapping/>
   </p:clrMapOvr>
+  <p:transition spd="slow">
+    <p:push dir="u"/>
+  </p:transition>
   <p:timing>
     <p:tnLst>
       <p:par>
@@ -13432,7 +13338,7 @@
           <p:cNvPr id="2" name="Titel 1">
             <a:extLst>
               <a:ext uri="{FF2B5EF4-FFF2-40B4-BE49-F238E27FC236}">
-                <a16:creationId xmlns="" xmlns:a16="http://schemas.microsoft.com/office/drawing/2014/main" id="{5550C5C1-77F3-5640-BC82-0B04B277E2EC}"/>
+                <a16:creationId xmlns:a16="http://schemas.microsoft.com/office/drawing/2014/main" xmlns="" id="{7C466F08-D41F-B44B-878A-0F6156E05756}"/>
               </a:ext>
             </a:extLst>
           </p:cNvPr>
@@ -13450,7 +13356,7 @@
           <a:p>
             <a:r>
               <a:rPr lang="de-DE"/>
-              <a:t>Daten</a:t>
+              <a:t>Aufgaben Sprint 2</a:t>
             </a:r>
           </a:p>
         </p:txBody>
@@ -13460,7 +13366,7 @@
           <p:cNvPr id="3" name="Inhaltsplatzhalter 2">
             <a:extLst>
               <a:ext uri="{FF2B5EF4-FFF2-40B4-BE49-F238E27FC236}">
-                <a16:creationId xmlns="" xmlns:a16="http://schemas.microsoft.com/office/drawing/2014/main" id="{C114DB1C-4BDC-994A-8978-6E886BDF613A}"/>
+                <a16:creationId xmlns:a16="http://schemas.microsoft.com/office/drawing/2014/main" xmlns="" id="{3652AF28-3647-BC42-BE24-88ACBF436C67}"/>
               </a:ext>
             </a:extLst>
           </p:cNvPr>
@@ -13471,123 +13377,57 @@
             <p:ph idx="1"/>
           </p:nvPr>
         </p:nvSpPr>
-        <p:spPr/>
+        <p:spPr>
+          <a:xfrm>
+            <a:off x="3869268" y="864108"/>
+            <a:ext cx="7315200" cy="5120640"/>
+          </a:xfrm>
+        </p:spPr>
         <p:txBody>
           <a:bodyPr/>
           <a:lstStyle/>
           <a:p>
-            <a:pPr marL="0" indent="0">
-              <a:buNone/>
-            </a:pPr>
-            <a:r>
-              <a:rPr lang="de-DE" dirty="0"/>
-              <a:t>Aufgaben als </a:t>
-            </a:r>
-            <a:r>
-              <a:rPr lang="de-DE" dirty="0" smtClean="0"/>
-              <a:t>Datenbeauftragte:</a:t>
-            </a:r>
-            <a:endParaRPr lang="de-DE" dirty="0"/>
-          </a:p>
-          <a:p>
-            <a:r>
-              <a:rPr lang="de-DE" dirty="0"/>
-              <a:t>Besprechung mit </a:t>
-            </a:r>
-            <a:r>
-              <a:rPr lang="de-DE" dirty="0" err="1"/>
-              <a:t>Maschin</a:t>
-            </a:r>
-            <a:r>
-              <a:rPr lang="de-DE" dirty="0"/>
-              <a:t> Learning Gruppen</a:t>
+            <a:r>
+              <a:rPr lang="de-DE"/>
+              <a:t>Datenbeauftragte</a:t>
             </a:r>
           </a:p>
           <a:p>
             <a:pPr lvl="1"/>
             <a:r>
-              <a:rPr lang="de-DE" dirty="0"/>
-              <a:t>Welche Daten? </a:t>
+              <a:rPr lang="de-DE"/>
+              <a:t>Besprechung mit den Maschin Learning Gruppen</a:t>
             </a:r>
           </a:p>
           <a:p>
             <a:pPr lvl="1"/>
             <a:r>
-              <a:rPr lang="de-DE" dirty="0"/>
-              <a:t>Welche Parameter?  Framerate, Resolution, Zeitausschnitt </a:t>
-            </a:r>
-            <a:r>
-              <a:rPr lang="de-DE" dirty="0" err="1"/>
-              <a:t>ect</a:t>
-            </a:r>
-            <a:r>
-              <a:rPr lang="de-DE" dirty="0"/>
-              <a:t>.</a:t>
+              <a:rPr lang="de-DE"/>
+              <a:t>Erstellen der Dichte und Trajektorien Daten</a:t>
+            </a:r>
+          </a:p>
+          <a:p>
+            <a:r>
+              <a:rPr lang="de-DE"/>
+              <a:t>Kontiniuierliche Simulationsdaten</a:t>
+            </a:r>
+          </a:p>
+          <a:p>
+            <a:r>
+              <a:rPr lang="de-DE"/>
+              <a:t>Neues Trajectorien Format</a:t>
             </a:r>
           </a:p>
           <a:p>
             <a:pPr lvl="1"/>
-            <a:r>
-              <a:rPr lang="de-DE" dirty="0"/>
-              <a:t>Welche Kamera </a:t>
-            </a:r>
-            <a:r>
-              <a:rPr lang="de-DE" dirty="0" err="1"/>
-              <a:t>Possitionen</a:t>
-            </a:r>
-            <a:r>
-              <a:rPr lang="de-DE" dirty="0"/>
-              <a:t>? Variation der Kamera Größe</a:t>
-            </a:r>
-          </a:p>
-          <a:p>
-            <a:r>
-              <a:rPr lang="de-DE" dirty="0"/>
-              <a:t>Generieren der Daten aus den Output Files von Vadere</a:t>
-            </a:r>
-          </a:p>
-          <a:p>
-            <a:r>
-              <a:rPr lang="de-DE" dirty="0"/>
-              <a:t>Dokumentation der Daten</a:t>
-            </a:r>
-          </a:p>
-          <a:p>
-            <a:pPr lvl="1"/>
-            <a:r>
-              <a:rPr lang="de-DE" dirty="0"/>
-              <a:t>attributes.txt</a:t>
-            </a:r>
-          </a:p>
-          <a:p>
-            <a:pPr lvl="1"/>
-            <a:r>
-              <a:rPr lang="de-DE" dirty="0" err="1"/>
-              <a:t>Excle</a:t>
-            </a:r>
-            <a:r>
-              <a:rPr lang="de-DE" dirty="0"/>
-              <a:t> </a:t>
-            </a:r>
-          </a:p>
-          <a:p>
-            <a:pPr lvl="1"/>
-            <a:endParaRPr lang="de-DE" dirty="0"/>
-          </a:p>
-          <a:p>
-            <a:pPr lvl="1"/>
-            <a:endParaRPr lang="de-DE" dirty="0"/>
-          </a:p>
-          <a:p>
-            <a:pPr lvl="1"/>
-            <a:endParaRPr lang="de-DE" dirty="0"/>
+            <a:endParaRPr lang="de-DE"/>
           </a:p>
         </p:txBody>
       </p:sp>
     </p:spTree>
     <p:extLst>
       <p:ext uri="{BB962C8B-B14F-4D97-AF65-F5344CB8AC3E}">
-        <p14:creationId xmlns:p14="http://schemas.microsoft.com/office/powerpoint/2010/main" val="1353358236"/>
+        <p14:creationId xmlns:p14="http://schemas.microsoft.com/office/powerpoint/2010/main" val="3341924957"/>
       </p:ext>
     </p:extLst>
   </p:cSld>
@@ -13802,7 +13642,7 @@
           <p:cNvPr id="2" name="Titel 1">
             <a:extLst>
               <a:ext uri="{FF2B5EF4-FFF2-40B4-BE49-F238E27FC236}">
-                <a16:creationId xmlns="" xmlns:a16="http://schemas.microsoft.com/office/drawing/2014/main" id="{07E07690-01B7-F746-A7E6-8FB0DD43EBBC}"/>
+                <a16:creationId xmlns:a16="http://schemas.microsoft.com/office/drawing/2014/main" xmlns="" id="{5550C5C1-77F3-5640-BC82-0B04B277E2EC}"/>
               </a:ext>
             </a:extLst>
           </p:cNvPr>
@@ -13820,7 +13660,7 @@
           <a:p>
             <a:r>
               <a:rPr lang="de-DE"/>
-              <a:t>Trajectories</a:t>
+              <a:t>Daten</a:t>
             </a:r>
           </a:p>
         </p:txBody>
@@ -13830,7 +13670,7 @@
           <p:cNvPr id="3" name="Inhaltsplatzhalter 2">
             <a:extLst>
               <a:ext uri="{FF2B5EF4-FFF2-40B4-BE49-F238E27FC236}">
-                <a16:creationId xmlns="" xmlns:a16="http://schemas.microsoft.com/office/drawing/2014/main" id="{F341579B-468C-034A-AF55-E85B57B64D58}"/>
+                <a16:creationId xmlns:a16="http://schemas.microsoft.com/office/drawing/2014/main" xmlns="" id="{C114DB1C-4BDC-994A-8978-6E886BDF613A}"/>
               </a:ext>
             </a:extLst>
           </p:cNvPr>
@@ -13850,65 +13690,114 @@
               <a:buNone/>
             </a:pPr>
             <a:r>
-              <a:rPr lang="de-DE"/>
-              <a:t>Neues Format für Trajektorien:</a:t>
-            </a:r>
-          </a:p>
-          <a:p>
-            <a:r>
-              <a:rPr lang="de-DE"/>
-              <a:t>Problem: altes Format der Trajektorien enthielt den Wert -1 falls die Person nicht mehr im Kamera Ausschnit ist. NN konnte damit nicht richtig lernen.</a:t>
-            </a:r>
-          </a:p>
-          <a:p>
-            <a:r>
-              <a:rPr lang="de-DE"/>
-              <a:t>Vorschlag der Maschin Learning Gruppen: Zeit unabhangige Trajektorien Daten</a:t>
-            </a:r>
-          </a:p>
-          <a:p>
-            <a:r>
-              <a:rPr lang="de-DE"/>
-              <a:t>Neues Format:</a:t>
+              <a:rPr lang="de-DE" dirty="0"/>
+              <a:t>Aufgaben als </a:t>
+            </a:r>
+            <a:r>
+              <a:rPr lang="de-DE" dirty="0" smtClean="0"/>
+              <a:t>Datenbeauftragte:</a:t>
+            </a:r>
+            <a:endParaRPr lang="de-DE" dirty="0"/>
+          </a:p>
+          <a:p>
+            <a:r>
+              <a:rPr lang="de-DE" dirty="0"/>
+              <a:t>Besprechung mit </a:t>
+            </a:r>
+            <a:r>
+              <a:rPr lang="de-DE" dirty="0" err="1"/>
+              <a:t>Maschin</a:t>
+            </a:r>
+            <a:r>
+              <a:rPr lang="de-DE" dirty="0"/>
+              <a:t> Learning Gruppen</a:t>
             </a:r>
           </a:p>
           <a:p>
             <a:pPr lvl="1"/>
             <a:r>
-              <a:rPr lang="de-DE"/>
-              <a:t>Unterteilung in Intervalle an hand größren Schrittes aller Personen</a:t>
+              <a:rPr lang="de-DE" dirty="0"/>
+              <a:t>Welche Daten? </a:t>
             </a:r>
           </a:p>
           <a:p>
             <a:pPr lvl="1"/>
             <a:r>
-              <a:rPr lang="de-DE"/>
-              <a:t>Pro Intervall immer nur ein Schritt behalten</a:t>
+              <a:rPr lang="de-DE" dirty="0"/>
+              <a:t>Welche Parameter?  Framerate, Resolution, Zeitausschnitt </a:t>
+            </a:r>
+            <a:r>
+              <a:rPr lang="de-DE" dirty="0" err="1"/>
+              <a:t>ect</a:t>
+            </a:r>
+            <a:r>
+              <a:rPr lang="de-DE" dirty="0"/>
+              <a:t>.</a:t>
             </a:r>
           </a:p>
           <a:p>
             <a:pPr lvl="1"/>
             <a:r>
-              <a:rPr lang="de-DE"/>
-              <a:t>Ergebniss: Alle trajektorien haben die gleiche Anzahl an Schritten</a:t>
-            </a:r>
-          </a:p>
-          <a:p>
-            <a:endParaRPr lang="de-DE"/>
+              <a:rPr lang="de-DE" dirty="0"/>
+              <a:t>Welche Kamera </a:t>
+            </a:r>
+            <a:r>
+              <a:rPr lang="de-DE" dirty="0" err="1"/>
+              <a:t>Possitionen</a:t>
+            </a:r>
+            <a:r>
+              <a:rPr lang="de-DE" dirty="0"/>
+              <a:t>? Variation der Kamera Größe</a:t>
+            </a:r>
+          </a:p>
+          <a:p>
+            <a:r>
+              <a:rPr lang="de-DE" dirty="0"/>
+              <a:t>Generieren der Daten aus den Output Files von Vadere</a:t>
+            </a:r>
+          </a:p>
+          <a:p>
+            <a:r>
+              <a:rPr lang="de-DE" dirty="0"/>
+              <a:t>Dokumentation der Daten</a:t>
+            </a:r>
           </a:p>
           <a:p>
             <a:pPr lvl="1"/>
-            <a:endParaRPr lang="de-DE"/>
-          </a:p>
-          <a:p>
-            <a:endParaRPr lang="de-DE"/>
+            <a:r>
+              <a:rPr lang="de-DE" dirty="0"/>
+              <a:t>attributes.txt</a:t>
+            </a:r>
+          </a:p>
+          <a:p>
+            <a:pPr lvl="1"/>
+            <a:r>
+              <a:rPr lang="de-DE" dirty="0" err="1"/>
+              <a:t>Excle</a:t>
+            </a:r>
+            <a:r>
+              <a:rPr lang="de-DE" dirty="0"/>
+              <a:t> </a:t>
+            </a:r>
+          </a:p>
+          <a:p>
+            <a:pPr lvl="1"/>
+            <a:endParaRPr lang="de-DE" dirty="0"/>
+          </a:p>
+          <a:p>
+            <a:pPr lvl="1"/>
+            <a:endParaRPr lang="de-DE" dirty="0"/>
+          </a:p>
+          <a:p>
+            <a:pPr lvl="1"/>
+            <a:endParaRPr lang="de-DE" dirty="0"/>
           </a:p>
         </p:txBody>
       </p:sp>
     </p:spTree>
     <p:extLst>
       <p:ext uri="{BB962C8B-B14F-4D97-AF65-F5344CB8AC3E}">
-        <p14:creationId xmlns:p14="http://schemas.microsoft.com/office/powerpoint/2010/main" val="1039519784"/>
+        <p14:creationId xmlns:p14="http://schemas.microsoft.com/office/powerpoint/2010/main" val="1353358236"/>
       </p:ext>
     </p:extLst>
   </p:cSld>
@@ -13944,14 +13833,14 @@
       </p:grpSpPr>
       <p:sp>
         <p:nvSpPr>
-          <p:cNvPr id="2" name="Title 6">
+          <p:cNvPr id="2" name="Titel 1">
             <a:extLst>
               <a:ext uri="{FF2B5EF4-FFF2-40B4-BE49-F238E27FC236}">
-                <a16:creationId xmlns:a16="http://schemas.microsoft.com/office/drawing/2014/main" xmlns="" id="{04F78A0C-BF40-4E0B-9FA4-AAAA57E3C4EF}"/>
+                <a16:creationId xmlns:a16="http://schemas.microsoft.com/office/drawing/2014/main" xmlns="" id="{07E07690-01B7-F746-A7E6-8FB0DD43EBBC}"/>
               </a:ext>
             </a:extLst>
           </p:cNvPr>
-          <p:cNvSpPr txBox="1">
+          <p:cNvSpPr>
             <a:spLocks noGrp="1"/>
           </p:cNvSpPr>
           <p:nvPr>
@@ -13960,534 +13849,106 @@
         </p:nvSpPr>
         <p:spPr/>
         <p:txBody>
-          <a:bodyPr>
-            <a:normAutofit/>
-          </a:bodyPr>
+          <a:bodyPr/>
           <a:lstStyle/>
           <a:p>
-            <a:pPr lvl="0" algn="ctr"/>
-            <a:r>
-              <a:rPr lang="en-GB" sz="4500" dirty="0" smtClean="0"/>
-              <a:t>16,5%</a:t>
-            </a:r>
-            <a:endParaRPr lang="en-GB" sz="4500" dirty="0"/>
-          </a:p>
-        </p:txBody>
-      </p:sp>
-      <p:sp>
-        <p:nvSpPr>
-          <p:cNvPr id="3" name="Content Placeholder 7">
+            <a:r>
+              <a:rPr lang="de-DE"/>
+              <a:t>Trajectories</a:t>
+            </a:r>
+          </a:p>
+        </p:txBody>
+      </p:sp>
+      <p:sp>
+        <p:nvSpPr>
+          <p:cNvPr id="3" name="Inhaltsplatzhalter 2">
             <a:extLst>
               <a:ext uri="{FF2B5EF4-FFF2-40B4-BE49-F238E27FC236}">
-                <a16:creationId xmlns:a16="http://schemas.microsoft.com/office/drawing/2014/main" xmlns="" id="{3A52400E-A01D-4CCF-8280-EBE32B011F8E}"/>
+                <a16:creationId xmlns:a16="http://schemas.microsoft.com/office/drawing/2014/main" xmlns="" id="{F341579B-468C-034A-AF55-E85B57B64D58}"/>
               </a:ext>
             </a:extLst>
           </p:cNvPr>
-          <p:cNvSpPr txBox="1">
+          <p:cNvSpPr>
             <a:spLocks noGrp="1"/>
           </p:cNvSpPr>
           <p:nvPr>
             <p:ph idx="1"/>
           </p:nvPr>
         </p:nvSpPr>
-        <p:spPr>
-          <a:xfrm>
-            <a:off x="3775138" y="753034"/>
-            <a:ext cx="7315200" cy="5984748"/>
-          </a:xfrm>
-        </p:spPr>
-        <p:txBody>
-          <a:bodyPr>
-            <a:normAutofit fontScale="92500" lnSpcReduction="20000"/>
-          </a:bodyPr>
+        <p:spPr/>
+        <p:txBody>
+          <a:bodyPr/>
           <a:lstStyle/>
           <a:p>
-            <a:pPr marL="0" lvl="0" indent="0">
-              <a:lnSpc>
-                <a:spcPct val="200000"/>
-              </a:lnSpc>
+            <a:pPr marL="0" indent="0">
               <a:buNone/>
             </a:pPr>
             <a:r>
-              <a:rPr lang="de-DE" sz="2800" dirty="0">
-                <a:solidFill>
-                  <a:schemeClr val="tx1"/>
-                </a:solidFill>
-              </a:rPr>
-              <a:t>Selbsteinschätzung:</a:t>
-            </a:r>
-          </a:p>
-          <a:p>
-            <a:pPr lvl="0"/>
-            <a:r>
-              <a:rPr lang="de-DE" dirty="0" smtClean="0">
-                <a:solidFill>
-                  <a:schemeClr val="tx1"/>
-                </a:solidFill>
-              </a:rPr>
-              <a:t>Verfassen eines technischen Berichts</a:t>
-            </a:r>
-          </a:p>
-          <a:p>
-            <a:pPr lvl="0"/>
-            <a:r>
-              <a:rPr lang="en-GB" b="1" dirty="0" smtClean="0">
-                <a:solidFill>
-                  <a:schemeClr val="tx1"/>
-                </a:solidFill>
-              </a:rPr>
-              <a:t>Modellieren </a:t>
-            </a:r>
-            <a:r>
-              <a:rPr lang="en-GB" b="1" dirty="0" err="1">
-                <a:solidFill>
-                  <a:schemeClr val="tx1"/>
-                </a:solidFill>
-              </a:rPr>
-              <a:t>realistischer</a:t>
-            </a:r>
-            <a:r>
-              <a:rPr lang="en-GB" b="1" dirty="0">
-                <a:solidFill>
-                  <a:schemeClr val="tx1"/>
-                </a:solidFill>
-              </a:rPr>
-              <a:t> und </a:t>
-            </a:r>
-            <a:r>
-              <a:rPr lang="en-GB" b="1" dirty="0" err="1">
-                <a:solidFill>
-                  <a:schemeClr val="tx1"/>
-                </a:solidFill>
-              </a:rPr>
-              <a:t>variantenreicher</a:t>
-            </a:r>
-            <a:r>
-              <a:rPr lang="en-GB" b="1" dirty="0">
-                <a:solidFill>
-                  <a:schemeClr val="tx1"/>
-                </a:solidFill>
-              </a:rPr>
-              <a:t> </a:t>
-            </a:r>
-            <a:r>
-              <a:rPr lang="en-GB" b="1" dirty="0" err="1">
-                <a:solidFill>
-                  <a:schemeClr val="tx1"/>
-                </a:solidFill>
-              </a:rPr>
-              <a:t>Szenarien</a:t>
-            </a:r>
-            <a:endParaRPr lang="en-GB" b="1" dirty="0" smtClean="0">
-              <a:solidFill>
-                <a:schemeClr val="tx1"/>
-              </a:solidFill>
-            </a:endParaRPr>
-          </a:p>
-          <a:p>
-            <a:pPr lvl="0"/>
-            <a:r>
-              <a:rPr lang="en-GB" dirty="0" err="1">
-                <a:solidFill>
-                  <a:schemeClr val="tx1"/>
-                </a:solidFill>
-              </a:rPr>
-              <a:t>S</a:t>
-            </a:r>
-            <a:r>
-              <a:rPr lang="en-GB" dirty="0" err="1" smtClean="0">
-                <a:solidFill>
-                  <a:schemeClr val="tx1"/>
-                </a:solidFill>
-              </a:rPr>
-              <a:t>imulieren</a:t>
-            </a:r>
-            <a:r>
-              <a:rPr lang="en-GB" dirty="0" smtClean="0">
-                <a:solidFill>
-                  <a:schemeClr val="tx1"/>
-                </a:solidFill>
-              </a:rPr>
-              <a:t> </a:t>
-            </a:r>
-            <a:r>
-              <a:rPr lang="en-GB" dirty="0" err="1">
-                <a:solidFill>
-                  <a:schemeClr val="tx1"/>
-                </a:solidFill>
-              </a:rPr>
-              <a:t>realistischer</a:t>
-            </a:r>
-            <a:r>
-              <a:rPr lang="en-GB" dirty="0">
-                <a:solidFill>
-                  <a:schemeClr val="tx1"/>
-                </a:solidFill>
-              </a:rPr>
-              <a:t> und </a:t>
-            </a:r>
-            <a:r>
-              <a:rPr lang="en-GB" dirty="0" err="1">
-                <a:solidFill>
-                  <a:schemeClr val="tx1"/>
-                </a:solidFill>
-              </a:rPr>
-              <a:t>variantenreicher</a:t>
-            </a:r>
-            <a:r>
-              <a:rPr lang="en-GB" dirty="0">
-                <a:solidFill>
-                  <a:schemeClr val="tx1"/>
-                </a:solidFill>
-              </a:rPr>
-              <a:t> </a:t>
-            </a:r>
-            <a:r>
-              <a:rPr lang="en-GB" dirty="0" err="1">
-                <a:solidFill>
-                  <a:schemeClr val="tx1"/>
-                </a:solidFill>
-              </a:rPr>
-              <a:t>Szenarien</a:t>
-            </a:r>
-            <a:endParaRPr lang="en-GB" dirty="0">
-              <a:solidFill>
-                <a:schemeClr val="tx1"/>
-              </a:solidFill>
-            </a:endParaRPr>
-          </a:p>
-          <a:p>
-            <a:r>
-              <a:rPr lang="en-GB" dirty="0" err="1">
-                <a:solidFill>
-                  <a:schemeClr val="tx1"/>
-                </a:solidFill>
-              </a:rPr>
-              <a:t>Aufbereitung</a:t>
-            </a:r>
-            <a:r>
-              <a:rPr lang="en-GB" dirty="0">
-                <a:solidFill>
-                  <a:schemeClr val="tx1"/>
-                </a:solidFill>
-              </a:rPr>
-              <a:t> des </a:t>
-            </a:r>
-            <a:r>
-              <a:rPr lang="en-GB" dirty="0" err="1">
-                <a:solidFill>
-                  <a:schemeClr val="tx1"/>
-                </a:solidFill>
-              </a:rPr>
-              <a:t>Datenformats</a:t>
-            </a:r>
-            <a:r>
-              <a:rPr lang="en-GB" dirty="0">
-                <a:solidFill>
-                  <a:schemeClr val="tx1"/>
-                </a:solidFill>
-              </a:rPr>
-              <a:t> </a:t>
-            </a:r>
-            <a:r>
-              <a:rPr lang="en-GB" dirty="0" err="1">
-                <a:solidFill>
-                  <a:schemeClr val="tx1"/>
-                </a:solidFill>
-              </a:rPr>
-              <a:t>entsprechend</a:t>
-            </a:r>
-            <a:r>
-              <a:rPr lang="en-GB" dirty="0">
-                <a:solidFill>
-                  <a:schemeClr val="tx1"/>
-                </a:solidFill>
-              </a:rPr>
-              <a:t> den </a:t>
-            </a:r>
-            <a:r>
-              <a:rPr lang="en-GB" dirty="0" err="1">
-                <a:solidFill>
-                  <a:schemeClr val="tx1"/>
-                </a:solidFill>
-              </a:rPr>
-              <a:t>Angaben</a:t>
-            </a:r>
-            <a:r>
-              <a:rPr lang="en-GB" dirty="0">
-                <a:solidFill>
-                  <a:schemeClr val="tx1"/>
-                </a:solidFill>
-              </a:rPr>
-              <a:t> des </a:t>
-            </a:r>
-            <a:r>
-              <a:rPr lang="en-GB" dirty="0" err="1">
-                <a:solidFill>
-                  <a:schemeClr val="tx1"/>
-                </a:solidFill>
-              </a:rPr>
-              <a:t>Fraunhofer</a:t>
-            </a:r>
-            <a:r>
-              <a:rPr lang="en-GB" dirty="0">
-                <a:solidFill>
-                  <a:schemeClr val="tx1"/>
-                </a:solidFill>
-              </a:rPr>
-              <a:t> </a:t>
-            </a:r>
-            <a:r>
-              <a:rPr lang="en-GB" dirty="0" err="1">
-                <a:solidFill>
-                  <a:schemeClr val="tx1"/>
-                </a:solidFill>
-              </a:rPr>
-              <a:t>Instituts</a:t>
-            </a:r>
-            <a:endParaRPr lang="en-GB" dirty="0">
-              <a:solidFill>
-                <a:schemeClr val="tx1"/>
-              </a:solidFill>
-            </a:endParaRPr>
-          </a:p>
-          <a:p>
-            <a:r>
-              <a:rPr lang="en-GB" dirty="0" err="1">
-                <a:solidFill>
-                  <a:schemeClr val="tx1"/>
-                </a:solidFill>
-              </a:rPr>
-              <a:t>Erstellen</a:t>
-            </a:r>
-            <a:r>
-              <a:rPr lang="en-GB" dirty="0">
-                <a:solidFill>
-                  <a:schemeClr val="tx1"/>
-                </a:solidFill>
-              </a:rPr>
-              <a:t> </a:t>
-            </a:r>
-            <a:r>
-              <a:rPr lang="en-GB" dirty="0" err="1">
-                <a:solidFill>
-                  <a:schemeClr val="tx1"/>
-                </a:solidFill>
-              </a:rPr>
-              <a:t>einer</a:t>
-            </a:r>
-            <a:r>
-              <a:rPr lang="en-GB" dirty="0">
-                <a:solidFill>
-                  <a:schemeClr val="tx1"/>
-                </a:solidFill>
-              </a:rPr>
-              <a:t> </a:t>
-            </a:r>
-            <a:r>
-              <a:rPr lang="en-GB" dirty="0" smtClean="0">
-                <a:solidFill>
-                  <a:schemeClr val="tx1"/>
-                </a:solidFill>
-              </a:rPr>
-              <a:t>Demonstration</a:t>
-            </a:r>
-          </a:p>
-          <a:p>
-            <a:r>
-              <a:rPr lang="en-GB" dirty="0" err="1" smtClean="0">
-                <a:solidFill>
-                  <a:schemeClr val="tx1"/>
-                </a:solidFill>
-              </a:rPr>
-              <a:t>Weitere</a:t>
-            </a:r>
-            <a:r>
-              <a:rPr lang="en-GB" dirty="0" smtClean="0">
-                <a:solidFill>
-                  <a:schemeClr val="tx1"/>
-                </a:solidFill>
-              </a:rPr>
-              <a:t> </a:t>
-            </a:r>
-            <a:r>
-              <a:rPr lang="en-GB" dirty="0" err="1" smtClean="0">
-                <a:solidFill>
-                  <a:schemeClr val="tx1"/>
-                </a:solidFill>
-              </a:rPr>
-              <a:t>Literaturrecherche</a:t>
-            </a:r>
-            <a:r>
-              <a:rPr lang="en-GB" dirty="0" smtClean="0">
-                <a:solidFill>
-                  <a:schemeClr val="tx1"/>
-                </a:solidFill>
-              </a:rPr>
-              <a:t> und </a:t>
-            </a:r>
-            <a:r>
-              <a:rPr lang="en-GB" dirty="0" err="1" smtClean="0">
-                <a:solidFill>
-                  <a:schemeClr val="tx1"/>
-                </a:solidFill>
-              </a:rPr>
-              <a:t>Implementierung</a:t>
-            </a:r>
-            <a:r>
-              <a:rPr lang="en-GB" dirty="0" smtClean="0">
-                <a:solidFill>
-                  <a:schemeClr val="tx1"/>
-                </a:solidFill>
-              </a:rPr>
-              <a:t> der Filter</a:t>
-            </a:r>
-          </a:p>
-          <a:p>
-            <a:r>
-              <a:rPr lang="de-DE" dirty="0">
-                <a:solidFill>
-                  <a:schemeClr val="tx1"/>
-                </a:solidFill>
-              </a:rPr>
-              <a:t>Die Verteilung der Personen durch Permutationen realisieren (bei der Automatisierung  der Simulation)</a:t>
-            </a:r>
-          </a:p>
-          <a:p>
-            <a:r>
-              <a:rPr lang="de-DE" dirty="0">
-                <a:solidFill>
-                  <a:schemeClr val="tx1"/>
-                </a:solidFill>
-              </a:rPr>
-              <a:t>Codeoptimierung</a:t>
-            </a:r>
-          </a:p>
-          <a:p>
-            <a:r>
-              <a:rPr lang="de-DE" dirty="0">
-                <a:solidFill>
-                  <a:schemeClr val="tx1"/>
-                </a:solidFill>
-              </a:rPr>
-              <a:t>Erstellen von Dokumentationen für die implementierten Skripte</a:t>
-            </a:r>
-          </a:p>
-          <a:p>
-            <a:r>
-              <a:rPr lang="de-DE" dirty="0">
-                <a:solidFill>
-                  <a:schemeClr val="tx1"/>
-                </a:solidFill>
-              </a:rPr>
-              <a:t>Testen der Software</a:t>
-            </a:r>
-          </a:p>
-          <a:p>
-            <a:r>
-              <a:rPr lang="de-DE" b="1" dirty="0">
-                <a:solidFill>
-                  <a:schemeClr val="tx1"/>
-                </a:solidFill>
-              </a:rPr>
-              <a:t>Datengenerierung (Datenbeauftragte)</a:t>
-            </a:r>
-          </a:p>
-          <a:p>
-            <a:r>
-              <a:rPr lang="de-DE" b="1" dirty="0">
-                <a:solidFill>
-                  <a:schemeClr val="tx1"/>
-                </a:solidFill>
-              </a:rPr>
-              <a:t>Aktualisierung des Trello Projektes/</a:t>
-            </a:r>
-            <a:r>
-              <a:rPr lang="de-DE" b="1" dirty="0" err="1">
-                <a:solidFill>
-                  <a:schemeClr val="tx1"/>
-                </a:solidFill>
-              </a:rPr>
-              <a:t>Repos</a:t>
-            </a:r>
-            <a:r>
-              <a:rPr lang="de-DE" b="1" dirty="0">
-                <a:solidFill>
-                  <a:schemeClr val="tx1"/>
-                </a:solidFill>
-              </a:rPr>
-              <a:t>/Organisation der </a:t>
-            </a:r>
-            <a:r>
-              <a:rPr lang="de-DE" b="1" dirty="0" smtClean="0">
-                <a:solidFill>
-                  <a:schemeClr val="tx1"/>
-                </a:solidFill>
-              </a:rPr>
-              <a:t>Treffen</a:t>
-            </a:r>
-          </a:p>
-          <a:p>
-            <a:r>
-              <a:rPr lang="de-DE" dirty="0" err="1" smtClean="0">
-                <a:solidFill>
-                  <a:schemeClr val="tx1"/>
-                </a:solidFill>
-              </a:rPr>
-              <a:t>Scrum</a:t>
-            </a:r>
-            <a:r>
-              <a:rPr lang="de-DE" dirty="0" smtClean="0">
-                <a:solidFill>
-                  <a:schemeClr val="tx1"/>
-                </a:solidFill>
-              </a:rPr>
-              <a:t> Master</a:t>
-            </a:r>
-            <a:endParaRPr lang="de-DE" dirty="0">
-              <a:solidFill>
-                <a:schemeClr val="tx1"/>
-              </a:solidFill>
-            </a:endParaRPr>
-          </a:p>
-          <a:p>
-            <a:endParaRPr lang="de-DE" dirty="0">
-              <a:solidFill>
-                <a:schemeClr val="tx1"/>
-              </a:solidFill>
-            </a:endParaRPr>
-          </a:p>
-          <a:p>
-            <a:pPr lvl="0"/>
-            <a:endParaRPr lang="de-DE" dirty="0" smtClean="0">
-              <a:solidFill>
-                <a:schemeClr val="tx1"/>
-              </a:solidFill>
-            </a:endParaRPr>
-          </a:p>
-          <a:p>
-            <a:pPr lvl="0"/>
-            <a:endParaRPr lang="de-DE" dirty="0">
-              <a:solidFill>
-                <a:schemeClr val="tx1"/>
-              </a:solidFill>
-            </a:endParaRPr>
+              <a:rPr lang="de-DE"/>
+              <a:t>Neues Format für Trajektorien:</a:t>
+            </a:r>
+          </a:p>
+          <a:p>
+            <a:r>
+              <a:rPr lang="de-DE"/>
+              <a:t>Problem: altes Format der Trajektorien enthielt den Wert -1 falls die Person nicht mehr im Kamera Ausschnit ist. NN konnte damit nicht richtig lernen.</a:t>
+            </a:r>
+          </a:p>
+          <a:p>
+            <a:r>
+              <a:rPr lang="de-DE"/>
+              <a:t>Vorschlag der Maschin Learning Gruppen: Zeit unabhangige Trajektorien Daten</a:t>
+            </a:r>
+          </a:p>
+          <a:p>
+            <a:r>
+              <a:rPr lang="de-DE"/>
+              <a:t>Neues Format:</a:t>
+            </a:r>
+          </a:p>
+          <a:p>
+            <a:pPr lvl="1"/>
+            <a:r>
+              <a:rPr lang="de-DE"/>
+              <a:t>Unterteilung in Intervalle an hand größren Schrittes aller Personen</a:t>
+            </a:r>
+          </a:p>
+          <a:p>
+            <a:pPr lvl="1"/>
+            <a:r>
+              <a:rPr lang="de-DE"/>
+              <a:t>Pro Intervall immer nur ein Schritt behalten</a:t>
+            </a:r>
+          </a:p>
+          <a:p>
+            <a:pPr lvl="1"/>
+            <a:r>
+              <a:rPr lang="de-DE"/>
+              <a:t>Ergebniss: Alle trajektorien haben die gleiche Anzahl an Schritten</a:t>
+            </a:r>
+          </a:p>
+          <a:p>
+            <a:endParaRPr lang="de-DE"/>
+          </a:p>
+          <a:p>
+            <a:pPr lvl="1"/>
+            <a:endParaRPr lang="de-DE"/>
+          </a:p>
+          <a:p>
+            <a:endParaRPr lang="de-DE"/>
           </a:p>
         </p:txBody>
       </p:sp>
     </p:spTree>
     <p:extLst>
       <p:ext uri="{BB962C8B-B14F-4D97-AF65-F5344CB8AC3E}">
-        <p14:creationId xmlns:p14="http://schemas.microsoft.com/office/powerpoint/2010/main" val="754192892"/>
+        <p14:creationId xmlns:p14="http://schemas.microsoft.com/office/powerpoint/2010/main" val="1039519784"/>
       </p:ext>
     </p:extLst>
   </p:cSld>
   <p:clrMapOvr>
     <a:masterClrMapping/>
   </p:clrMapOvr>
-  <p:transition spd="slow">
-    <p:push dir="u"/>
-  </p:transition>
   <p:timing>
     <p:tnLst>
       <p:par>
@@ -14517,36 +13978,533 @@
       </p:grpSpPr>
       <p:sp>
         <p:nvSpPr>
-          <p:cNvPr id="2" name="Titel 1"/>
-          <p:cNvSpPr>
+          <p:cNvPr id="2" name="Title 6">
+            <a:extLst>
+              <a:ext uri="{FF2B5EF4-FFF2-40B4-BE49-F238E27FC236}">
+                <a16:creationId xmlns="" xmlns:a16="http://schemas.microsoft.com/office/drawing/2014/main" id="{04F78A0C-BF40-4E0B-9FA4-AAAA57E3C4EF}"/>
+              </a:ext>
+            </a:extLst>
+          </p:cNvPr>
+          <p:cNvSpPr txBox="1">
             <a:spLocks noGrp="1"/>
           </p:cNvSpPr>
           <p:nvPr>
-            <p:ph type="ctrTitle"/>
+            <p:ph type="title"/>
           </p:nvPr>
         </p:nvSpPr>
         <p:spPr/>
         <p:txBody>
           <a:bodyPr>
-            <a:noAutofit/>
+            <a:normAutofit/>
           </a:bodyPr>
           <a:lstStyle/>
           <a:p>
-            <a:pPr algn="l"/>
-            <a:r>
-              <a:rPr lang="de-DE" sz="7000" dirty="0" smtClean="0">
-                <a:solidFill>
-                  <a:schemeClr val="bg1"/>
-                </a:solidFill>
-                <a:cs typeface="Times New Roman" panose="02020603050405020304" pitchFamily="18" charset="0"/>
-              </a:rPr>
-              <a:t>Lisa</a:t>
-            </a:r>
-            <a:endParaRPr lang="de-DE" sz="7000" dirty="0">
+            <a:pPr lvl="0" algn="ctr"/>
+            <a:r>
+              <a:rPr lang="en-GB" sz="4500" dirty="0" smtClean="0"/>
+              <a:t>16,5%</a:t>
+            </a:r>
+            <a:endParaRPr lang="en-GB" sz="4500" dirty="0"/>
+          </a:p>
+        </p:txBody>
+      </p:sp>
+      <p:sp>
+        <p:nvSpPr>
+          <p:cNvPr id="3" name="Content Placeholder 7">
+            <a:extLst>
+              <a:ext uri="{FF2B5EF4-FFF2-40B4-BE49-F238E27FC236}">
+                <a16:creationId xmlns="" xmlns:a16="http://schemas.microsoft.com/office/drawing/2014/main" id="{3A52400E-A01D-4CCF-8280-EBE32B011F8E}"/>
+              </a:ext>
+            </a:extLst>
+          </p:cNvPr>
+          <p:cNvSpPr txBox="1">
+            <a:spLocks noGrp="1"/>
+          </p:cNvSpPr>
+          <p:nvPr>
+            <p:ph idx="1"/>
+          </p:nvPr>
+        </p:nvSpPr>
+        <p:spPr>
+          <a:xfrm>
+            <a:off x="3775138" y="753034"/>
+            <a:ext cx="7315200" cy="5984748"/>
+          </a:xfrm>
+        </p:spPr>
+        <p:txBody>
+          <a:bodyPr>
+            <a:normAutofit fontScale="92500" lnSpcReduction="20000"/>
+          </a:bodyPr>
+          <a:lstStyle/>
+          <a:p>
+            <a:pPr marL="0" lvl="0" indent="0">
+              <a:lnSpc>
+                <a:spcPct val="200000"/>
+              </a:lnSpc>
+              <a:buNone/>
+            </a:pPr>
+            <a:r>
+              <a:rPr lang="de-DE" sz="2800" dirty="0">
+                <a:solidFill>
+                  <a:schemeClr val="tx1"/>
+                </a:solidFill>
+              </a:rPr>
+              <a:t>Selbsteinschätzung:</a:t>
+            </a:r>
+          </a:p>
+          <a:p>
+            <a:pPr lvl="0"/>
+            <a:r>
+              <a:rPr lang="de-DE" dirty="0" smtClean="0">
+                <a:solidFill>
+                  <a:schemeClr val="tx1"/>
+                </a:solidFill>
+              </a:rPr>
+              <a:t>Verfassen eines technischen Berichts</a:t>
+            </a:r>
+          </a:p>
+          <a:p>
+            <a:pPr lvl="0"/>
+            <a:r>
+              <a:rPr lang="en-GB" b="1" dirty="0" smtClean="0">
+                <a:solidFill>
+                  <a:schemeClr val="tx1"/>
+                </a:solidFill>
+              </a:rPr>
+              <a:t>Modellieren </a:t>
+            </a:r>
+            <a:r>
+              <a:rPr lang="en-GB" b="1" dirty="0" err="1">
+                <a:solidFill>
+                  <a:schemeClr val="tx1"/>
+                </a:solidFill>
+              </a:rPr>
+              <a:t>realistischer</a:t>
+            </a:r>
+            <a:r>
+              <a:rPr lang="en-GB" b="1" dirty="0">
+                <a:solidFill>
+                  <a:schemeClr val="tx1"/>
+                </a:solidFill>
+              </a:rPr>
+              <a:t> und </a:t>
+            </a:r>
+            <a:r>
+              <a:rPr lang="en-GB" b="1" dirty="0" err="1">
+                <a:solidFill>
+                  <a:schemeClr val="tx1"/>
+                </a:solidFill>
+              </a:rPr>
+              <a:t>variantenreicher</a:t>
+            </a:r>
+            <a:r>
+              <a:rPr lang="en-GB" b="1" dirty="0">
+                <a:solidFill>
+                  <a:schemeClr val="tx1"/>
+                </a:solidFill>
+              </a:rPr>
+              <a:t> </a:t>
+            </a:r>
+            <a:r>
+              <a:rPr lang="en-GB" b="1" dirty="0" err="1">
+                <a:solidFill>
+                  <a:schemeClr val="tx1"/>
+                </a:solidFill>
+              </a:rPr>
+              <a:t>Szenarien</a:t>
+            </a:r>
+            <a:endParaRPr lang="en-GB" b="1" dirty="0" smtClean="0">
               <a:solidFill>
-                <a:schemeClr val="bg1"/>
+                <a:schemeClr val="tx1"/>
               </a:solidFill>
-              <a:cs typeface="Times New Roman" panose="02020603050405020304" pitchFamily="18" charset="0"/>
+            </a:endParaRPr>
+          </a:p>
+          <a:p>
+            <a:pPr lvl="0"/>
+            <a:r>
+              <a:rPr lang="en-GB" dirty="0" err="1">
+                <a:solidFill>
+                  <a:schemeClr val="tx1"/>
+                </a:solidFill>
+              </a:rPr>
+              <a:t>S</a:t>
+            </a:r>
+            <a:r>
+              <a:rPr lang="en-GB" dirty="0" err="1" smtClean="0">
+                <a:solidFill>
+                  <a:schemeClr val="tx1"/>
+                </a:solidFill>
+              </a:rPr>
+              <a:t>imulieren</a:t>
+            </a:r>
+            <a:r>
+              <a:rPr lang="en-GB" dirty="0" smtClean="0">
+                <a:solidFill>
+                  <a:schemeClr val="tx1"/>
+                </a:solidFill>
+              </a:rPr>
+              <a:t> </a:t>
+            </a:r>
+            <a:r>
+              <a:rPr lang="en-GB" dirty="0" err="1">
+                <a:solidFill>
+                  <a:schemeClr val="tx1"/>
+                </a:solidFill>
+              </a:rPr>
+              <a:t>realistischer</a:t>
+            </a:r>
+            <a:r>
+              <a:rPr lang="en-GB" dirty="0">
+                <a:solidFill>
+                  <a:schemeClr val="tx1"/>
+                </a:solidFill>
+              </a:rPr>
+              <a:t> und </a:t>
+            </a:r>
+            <a:r>
+              <a:rPr lang="en-GB" dirty="0" err="1">
+                <a:solidFill>
+                  <a:schemeClr val="tx1"/>
+                </a:solidFill>
+              </a:rPr>
+              <a:t>variantenreicher</a:t>
+            </a:r>
+            <a:r>
+              <a:rPr lang="en-GB" dirty="0">
+                <a:solidFill>
+                  <a:schemeClr val="tx1"/>
+                </a:solidFill>
+              </a:rPr>
+              <a:t> </a:t>
+            </a:r>
+            <a:r>
+              <a:rPr lang="en-GB" dirty="0" err="1">
+                <a:solidFill>
+                  <a:schemeClr val="tx1"/>
+                </a:solidFill>
+              </a:rPr>
+              <a:t>Szenarien</a:t>
+            </a:r>
+            <a:endParaRPr lang="en-GB" dirty="0">
+              <a:solidFill>
+                <a:schemeClr val="tx1"/>
+              </a:solidFill>
+            </a:endParaRPr>
+          </a:p>
+          <a:p>
+            <a:r>
+              <a:rPr lang="en-GB" dirty="0" err="1">
+                <a:solidFill>
+                  <a:schemeClr val="tx1"/>
+                </a:solidFill>
+              </a:rPr>
+              <a:t>Aufbereitung</a:t>
+            </a:r>
+            <a:r>
+              <a:rPr lang="en-GB" dirty="0">
+                <a:solidFill>
+                  <a:schemeClr val="tx1"/>
+                </a:solidFill>
+              </a:rPr>
+              <a:t> des </a:t>
+            </a:r>
+            <a:r>
+              <a:rPr lang="en-GB" dirty="0" err="1">
+                <a:solidFill>
+                  <a:schemeClr val="tx1"/>
+                </a:solidFill>
+              </a:rPr>
+              <a:t>Datenformats</a:t>
+            </a:r>
+            <a:r>
+              <a:rPr lang="en-GB" dirty="0">
+                <a:solidFill>
+                  <a:schemeClr val="tx1"/>
+                </a:solidFill>
+              </a:rPr>
+              <a:t> </a:t>
+            </a:r>
+            <a:r>
+              <a:rPr lang="en-GB" dirty="0" err="1">
+                <a:solidFill>
+                  <a:schemeClr val="tx1"/>
+                </a:solidFill>
+              </a:rPr>
+              <a:t>entsprechend</a:t>
+            </a:r>
+            <a:r>
+              <a:rPr lang="en-GB" dirty="0">
+                <a:solidFill>
+                  <a:schemeClr val="tx1"/>
+                </a:solidFill>
+              </a:rPr>
+              <a:t> den </a:t>
+            </a:r>
+            <a:r>
+              <a:rPr lang="en-GB" dirty="0" err="1">
+                <a:solidFill>
+                  <a:schemeClr val="tx1"/>
+                </a:solidFill>
+              </a:rPr>
+              <a:t>Angaben</a:t>
+            </a:r>
+            <a:r>
+              <a:rPr lang="en-GB" dirty="0">
+                <a:solidFill>
+                  <a:schemeClr val="tx1"/>
+                </a:solidFill>
+              </a:rPr>
+              <a:t> des </a:t>
+            </a:r>
+            <a:r>
+              <a:rPr lang="en-GB" dirty="0" err="1">
+                <a:solidFill>
+                  <a:schemeClr val="tx1"/>
+                </a:solidFill>
+              </a:rPr>
+              <a:t>Fraunhofer</a:t>
+            </a:r>
+            <a:r>
+              <a:rPr lang="en-GB" dirty="0">
+                <a:solidFill>
+                  <a:schemeClr val="tx1"/>
+                </a:solidFill>
+              </a:rPr>
+              <a:t> </a:t>
+            </a:r>
+            <a:r>
+              <a:rPr lang="en-GB" dirty="0" err="1">
+                <a:solidFill>
+                  <a:schemeClr val="tx1"/>
+                </a:solidFill>
+              </a:rPr>
+              <a:t>Instituts</a:t>
+            </a:r>
+            <a:endParaRPr lang="en-GB" dirty="0">
+              <a:solidFill>
+                <a:schemeClr val="tx1"/>
+              </a:solidFill>
+            </a:endParaRPr>
+          </a:p>
+          <a:p>
+            <a:r>
+              <a:rPr lang="en-GB" dirty="0" err="1">
+                <a:solidFill>
+                  <a:schemeClr val="tx1"/>
+                </a:solidFill>
+              </a:rPr>
+              <a:t>Erstellen</a:t>
+            </a:r>
+            <a:r>
+              <a:rPr lang="en-GB" dirty="0">
+                <a:solidFill>
+                  <a:schemeClr val="tx1"/>
+                </a:solidFill>
+              </a:rPr>
+              <a:t> </a:t>
+            </a:r>
+            <a:r>
+              <a:rPr lang="en-GB" dirty="0" err="1">
+                <a:solidFill>
+                  <a:schemeClr val="tx1"/>
+                </a:solidFill>
+              </a:rPr>
+              <a:t>einer</a:t>
+            </a:r>
+            <a:r>
+              <a:rPr lang="en-GB" dirty="0">
+                <a:solidFill>
+                  <a:schemeClr val="tx1"/>
+                </a:solidFill>
+              </a:rPr>
+              <a:t> </a:t>
+            </a:r>
+            <a:r>
+              <a:rPr lang="en-GB" dirty="0" smtClean="0">
+                <a:solidFill>
+                  <a:schemeClr val="tx1"/>
+                </a:solidFill>
+              </a:rPr>
+              <a:t>Demonstration</a:t>
+            </a:r>
+          </a:p>
+          <a:p>
+            <a:r>
+              <a:rPr lang="en-GB" dirty="0" err="1" smtClean="0">
+                <a:solidFill>
+                  <a:schemeClr val="tx1"/>
+                </a:solidFill>
+              </a:rPr>
+              <a:t>Weitere</a:t>
+            </a:r>
+            <a:r>
+              <a:rPr lang="en-GB" dirty="0" smtClean="0">
+                <a:solidFill>
+                  <a:schemeClr val="tx1"/>
+                </a:solidFill>
+              </a:rPr>
+              <a:t> </a:t>
+            </a:r>
+            <a:r>
+              <a:rPr lang="en-GB" dirty="0" err="1" smtClean="0">
+                <a:solidFill>
+                  <a:schemeClr val="tx1"/>
+                </a:solidFill>
+              </a:rPr>
+              <a:t>Literaturrecherche</a:t>
+            </a:r>
+            <a:r>
+              <a:rPr lang="en-GB" dirty="0" smtClean="0">
+                <a:solidFill>
+                  <a:schemeClr val="tx1"/>
+                </a:solidFill>
+              </a:rPr>
+              <a:t> und </a:t>
+            </a:r>
+            <a:r>
+              <a:rPr lang="en-GB" dirty="0" err="1" smtClean="0">
+                <a:solidFill>
+                  <a:schemeClr val="tx1"/>
+                </a:solidFill>
+              </a:rPr>
+              <a:t>Implementierung</a:t>
+            </a:r>
+            <a:r>
+              <a:rPr lang="en-GB" dirty="0" smtClean="0">
+                <a:solidFill>
+                  <a:schemeClr val="tx1"/>
+                </a:solidFill>
+              </a:rPr>
+              <a:t> der Filter</a:t>
+            </a:r>
+          </a:p>
+          <a:p>
+            <a:r>
+              <a:rPr lang="de-DE" dirty="0">
+                <a:solidFill>
+                  <a:schemeClr val="tx1"/>
+                </a:solidFill>
+              </a:rPr>
+              <a:t>Die Verteilung der Personen durch Permutationen realisieren (bei der Automatisierung  der Simulation)</a:t>
+            </a:r>
+          </a:p>
+          <a:p>
+            <a:r>
+              <a:rPr lang="de-DE" dirty="0">
+                <a:solidFill>
+                  <a:schemeClr val="tx1"/>
+                </a:solidFill>
+              </a:rPr>
+              <a:t>Codeoptimierung</a:t>
+            </a:r>
+          </a:p>
+          <a:p>
+            <a:r>
+              <a:rPr lang="de-DE" dirty="0">
+                <a:solidFill>
+                  <a:schemeClr val="tx1"/>
+                </a:solidFill>
+              </a:rPr>
+              <a:t>Erstellen von Dokumentationen für die implementierten Skripte</a:t>
+            </a:r>
+          </a:p>
+          <a:p>
+            <a:r>
+              <a:rPr lang="de-DE" dirty="0">
+                <a:solidFill>
+                  <a:schemeClr val="tx1"/>
+                </a:solidFill>
+              </a:rPr>
+              <a:t>Testen der Software</a:t>
+            </a:r>
+          </a:p>
+          <a:p>
+            <a:r>
+              <a:rPr lang="de-DE" b="1" dirty="0">
+                <a:solidFill>
+                  <a:schemeClr val="tx1"/>
+                </a:solidFill>
+              </a:rPr>
+              <a:t>Datengenerierung (Datenbeauftragte)</a:t>
+            </a:r>
+          </a:p>
+          <a:p>
+            <a:r>
+              <a:rPr lang="de-DE" b="1" dirty="0">
+                <a:solidFill>
+                  <a:schemeClr val="tx1"/>
+                </a:solidFill>
+              </a:rPr>
+              <a:t>Aktualisierung des Trello Projektes/</a:t>
+            </a:r>
+            <a:r>
+              <a:rPr lang="de-DE" b="1" dirty="0" err="1">
+                <a:solidFill>
+                  <a:schemeClr val="tx1"/>
+                </a:solidFill>
+              </a:rPr>
+              <a:t>Repos</a:t>
+            </a:r>
+            <a:r>
+              <a:rPr lang="de-DE" b="1" dirty="0">
+                <a:solidFill>
+                  <a:schemeClr val="tx1"/>
+                </a:solidFill>
+              </a:rPr>
+              <a:t>/Organisation der </a:t>
+            </a:r>
+            <a:r>
+              <a:rPr lang="de-DE" b="1" dirty="0" smtClean="0">
+                <a:solidFill>
+                  <a:schemeClr val="tx1"/>
+                </a:solidFill>
+              </a:rPr>
+              <a:t>Treffen</a:t>
+            </a:r>
+          </a:p>
+          <a:p>
+            <a:r>
+              <a:rPr lang="de-DE" dirty="0" err="1" smtClean="0">
+                <a:solidFill>
+                  <a:schemeClr val="tx1"/>
+                </a:solidFill>
+              </a:rPr>
+              <a:t>Scrum</a:t>
+            </a:r>
+            <a:r>
+              <a:rPr lang="de-DE" dirty="0" smtClean="0">
+                <a:solidFill>
+                  <a:schemeClr val="tx1"/>
+                </a:solidFill>
+              </a:rPr>
+              <a:t> Master</a:t>
+            </a:r>
+            <a:endParaRPr lang="de-DE" dirty="0">
+              <a:solidFill>
+                <a:schemeClr val="tx1"/>
+              </a:solidFill>
+            </a:endParaRPr>
+          </a:p>
+          <a:p>
+            <a:endParaRPr lang="de-DE" dirty="0">
+              <a:solidFill>
+                <a:schemeClr val="tx1"/>
+              </a:solidFill>
+            </a:endParaRPr>
+          </a:p>
+          <a:p>
+            <a:pPr lvl="0"/>
+            <a:endParaRPr lang="de-DE" dirty="0" smtClean="0">
+              <a:solidFill>
+                <a:schemeClr val="tx1"/>
+              </a:solidFill>
+            </a:endParaRPr>
+          </a:p>
+          <a:p>
+            <a:pPr lvl="0"/>
+            <a:endParaRPr lang="de-DE" dirty="0">
+              <a:solidFill>
+                <a:schemeClr val="tx1"/>
+              </a:solidFill>
             </a:endParaRPr>
           </a:p>
         </p:txBody>
@@ -14554,7 +14512,7 @@
     </p:spTree>
     <p:extLst>
       <p:ext uri="{BB962C8B-B14F-4D97-AF65-F5344CB8AC3E}">
-        <p14:creationId xmlns:p14="http://schemas.microsoft.com/office/powerpoint/2010/main" val="624400286"/>
+        <p14:creationId xmlns:p14="http://schemas.microsoft.com/office/powerpoint/2010/main" val="754192892"/>
       </p:ext>
     </p:extLst>
   </p:cSld>
@@ -14593,10 +14551,86 @@
       </p:grpSpPr>
       <p:sp>
         <p:nvSpPr>
+          <p:cNvPr id="2" name="Titel 1"/>
+          <p:cNvSpPr>
+            <a:spLocks noGrp="1"/>
+          </p:cNvSpPr>
+          <p:nvPr>
+            <p:ph type="ctrTitle"/>
+          </p:nvPr>
+        </p:nvSpPr>
+        <p:spPr/>
+        <p:txBody>
+          <a:bodyPr>
+            <a:noAutofit/>
+          </a:bodyPr>
+          <a:lstStyle/>
+          <a:p>
+            <a:pPr algn="l"/>
+            <a:r>
+              <a:rPr lang="de-DE" sz="7000" dirty="0" smtClean="0">
+                <a:solidFill>
+                  <a:schemeClr val="bg1"/>
+                </a:solidFill>
+                <a:cs typeface="Times New Roman" panose="02020603050405020304" pitchFamily="18" charset="0"/>
+              </a:rPr>
+              <a:t>Lisa</a:t>
+            </a:r>
+            <a:endParaRPr lang="de-DE" sz="7000" dirty="0">
+              <a:solidFill>
+                <a:schemeClr val="bg1"/>
+              </a:solidFill>
+              <a:cs typeface="Times New Roman" panose="02020603050405020304" pitchFamily="18" charset="0"/>
+            </a:endParaRPr>
+          </a:p>
+        </p:txBody>
+      </p:sp>
+    </p:spTree>
+    <p:extLst>
+      <p:ext uri="{BB962C8B-B14F-4D97-AF65-F5344CB8AC3E}">
+        <p14:creationId xmlns:p14="http://schemas.microsoft.com/office/powerpoint/2010/main" val="624400286"/>
+      </p:ext>
+    </p:extLst>
+  </p:cSld>
+  <p:clrMapOvr>
+    <a:masterClrMapping/>
+  </p:clrMapOvr>
+  <p:transition spd="slow">
+    <p:push dir="u"/>
+  </p:transition>
+  <p:timing>
+    <p:tnLst>
+      <p:par>
+        <p:cTn id="1" dur="indefinite" restart="never" nodeType="tmRoot"/>
+      </p:par>
+    </p:tnLst>
+  </p:timing>
+</p:sld>
+</file>
+
+<file path=ppt/slides/slide44.xml><?xml version="1.0" encoding="utf-8"?>
+<p:sld xmlns:a="http://schemas.openxmlformats.org/drawingml/2006/main" xmlns:r="http://schemas.openxmlformats.org/officeDocument/2006/relationships" xmlns:p="http://schemas.openxmlformats.org/presentationml/2006/main">
+  <p:cSld>
+    <p:spTree>
+      <p:nvGrpSpPr>
+        <p:cNvPr id="1" name=""/>
+        <p:cNvGrpSpPr/>
+        <p:nvPr/>
+      </p:nvGrpSpPr>
+      <p:grpSpPr>
+        <a:xfrm>
+          <a:off x="0" y="0"/>
+          <a:ext cx="0" cy="0"/>
+          <a:chOff x="0" y="0"/>
+          <a:chExt cx="0" cy="0"/>
+        </a:xfrm>
+      </p:grpSpPr>
+      <p:sp>
+        <p:nvSpPr>
           <p:cNvPr id="2" name="Title 6">
             <a:extLst>
               <a:ext uri="{FF2B5EF4-FFF2-40B4-BE49-F238E27FC236}">
-                <a16:creationId xmlns:a16="http://schemas.microsoft.com/office/drawing/2014/main" xmlns="" id="{04F78A0C-BF40-4E0B-9FA4-AAAA57E3C4EF}"/>
+                <a16:creationId xmlns="" xmlns:a16="http://schemas.microsoft.com/office/drawing/2014/main" id="{04F78A0C-BF40-4E0B-9FA4-AAAA57E3C4EF}"/>
               </a:ext>
             </a:extLst>
           </p:cNvPr>
@@ -14636,7 +14670,7 @@
           <p:cNvPr id="3" name="Content Placeholder 7">
             <a:extLst>
               <a:ext uri="{FF2B5EF4-FFF2-40B4-BE49-F238E27FC236}">
-                <a16:creationId xmlns:a16="http://schemas.microsoft.com/office/drawing/2014/main" xmlns="" id="{3A52400E-A01D-4CCF-8280-EBE32B011F8E}"/>
+                <a16:creationId xmlns="" xmlns:a16="http://schemas.microsoft.com/office/drawing/2014/main" id="{3A52400E-A01D-4CCF-8280-EBE32B011F8E}"/>
               </a:ext>
             </a:extLst>
           </p:cNvPr>
@@ -14870,7 +14904,7 @@
 </p:sld>
 </file>
 
-<file path=ppt/slides/slide44.xml><?xml version="1.0" encoding="utf-8"?>
+<file path=ppt/slides/slide45.xml><?xml version="1.0" encoding="utf-8"?>
 <p:sld xmlns:a="http://schemas.openxmlformats.org/drawingml/2006/main" xmlns:r="http://schemas.openxmlformats.org/officeDocument/2006/relationships" xmlns:p="http://schemas.openxmlformats.org/presentationml/2006/main">
   <p:cSld>
     <p:spTree>
@@ -14892,7 +14926,7 @@
           <p:cNvPr id="2" name="Title 6">
             <a:extLst>
               <a:ext uri="{FF2B5EF4-FFF2-40B4-BE49-F238E27FC236}">
-                <a16:creationId xmlns:a16="http://schemas.microsoft.com/office/drawing/2014/main" xmlns="" id="{04F78A0C-BF40-4E0B-9FA4-AAAA57E3C4EF}"/>
+                <a16:creationId xmlns="" xmlns:a16="http://schemas.microsoft.com/office/drawing/2014/main" id="{04F78A0C-BF40-4E0B-9FA4-AAAA57E3C4EF}"/>
               </a:ext>
             </a:extLst>
           </p:cNvPr>
@@ -14932,7 +14966,7 @@
           <p:cNvPr id="3" name="Content Placeholder 7">
             <a:extLst>
               <a:ext uri="{FF2B5EF4-FFF2-40B4-BE49-F238E27FC236}">
-                <a16:creationId xmlns:a16="http://schemas.microsoft.com/office/drawing/2014/main" xmlns="" id="{3A52400E-A01D-4CCF-8280-EBE32B011F8E}"/>
+                <a16:creationId xmlns="" xmlns:a16="http://schemas.microsoft.com/office/drawing/2014/main" id="{3A52400E-A01D-4CCF-8280-EBE32B011F8E}"/>
               </a:ext>
             </a:extLst>
           </p:cNvPr>
@@ -15163,7 +15197,7 @@
 </p:sld>
 </file>
 
-<file path=ppt/slides/slide45.xml><?xml version="1.0" encoding="utf-8"?>
+<file path=ppt/slides/slide46.xml><?xml version="1.0" encoding="utf-8"?>
 <p:sld xmlns:a="http://schemas.openxmlformats.org/drawingml/2006/main" xmlns:r="http://schemas.openxmlformats.org/officeDocument/2006/relationships" xmlns:p="http://schemas.openxmlformats.org/presentationml/2006/main">
   <p:cSld>
     <p:spTree>
@@ -15185,7 +15219,7 @@
           <p:cNvPr id="2" name="Title 6">
             <a:extLst>
               <a:ext uri="{FF2B5EF4-FFF2-40B4-BE49-F238E27FC236}">
-                <a16:creationId xmlns:a16="http://schemas.microsoft.com/office/drawing/2014/main" xmlns="" id="{04F78A0C-BF40-4E0B-9FA4-AAAA57E3C4EF}"/>
+                <a16:creationId xmlns="" xmlns:a16="http://schemas.microsoft.com/office/drawing/2014/main" id="{04F78A0C-BF40-4E0B-9FA4-AAAA57E3C4EF}"/>
               </a:ext>
             </a:extLst>
           </p:cNvPr>
@@ -15217,7 +15251,7 @@
           <p:cNvPr id="3" name="Content Placeholder 7">
             <a:extLst>
               <a:ext uri="{FF2B5EF4-FFF2-40B4-BE49-F238E27FC236}">
-                <a16:creationId xmlns:a16="http://schemas.microsoft.com/office/drawing/2014/main" xmlns="" id="{3A52400E-A01D-4CCF-8280-EBE32B011F8E}"/>
+                <a16:creationId xmlns="" xmlns:a16="http://schemas.microsoft.com/office/drawing/2014/main" id="{3A52400E-A01D-4CCF-8280-EBE32B011F8E}"/>
               </a:ext>
             </a:extLst>
           </p:cNvPr>
@@ -15778,7 +15812,7 @@
           <p:cNvPr id="3" name="Content Placeholder 2">
             <a:extLst>
               <a:ext uri="{FF2B5EF4-FFF2-40B4-BE49-F238E27FC236}">
-                <a16:creationId xmlns:a16="http://schemas.microsoft.com/office/drawing/2014/main" xmlns="" id="{5D4B6457-3E37-4879-A8CB-262CE10EA13A}"/>
+                <a16:creationId xmlns="" xmlns:a16="http://schemas.microsoft.com/office/drawing/2014/main" id="{5D4B6457-3E37-4879-A8CB-262CE10EA13A}"/>
               </a:ext>
             </a:extLst>
           </p:cNvPr>
@@ -16139,7 +16173,7 @@
           <p:cNvPr id="9" name="Content Placeholder 8">
             <a:extLst>
               <a:ext uri="{FF2B5EF4-FFF2-40B4-BE49-F238E27FC236}">
-                <a16:creationId xmlns:a16="http://schemas.microsoft.com/office/drawing/2014/main" xmlns="" id="{08DF57E2-668B-4E5A-AEBF-D8CEC596E7D4}"/>
+                <a16:creationId xmlns="" xmlns:a16="http://schemas.microsoft.com/office/drawing/2014/main" id="{08DF57E2-668B-4E5A-AEBF-D8CEC596E7D4}"/>
               </a:ext>
             </a:extLst>
           </p:cNvPr>
@@ -16371,7 +16405,7 @@
           <p:cNvPr id="8" name="Text Placeholder 7">
             <a:extLst>
               <a:ext uri="{FF2B5EF4-FFF2-40B4-BE49-F238E27FC236}">
-                <a16:creationId xmlns:a16="http://schemas.microsoft.com/office/drawing/2014/main" xmlns="" id="{7C7B7B5E-EB63-48A8-BCF5-30057479D808}"/>
+                <a16:creationId xmlns="" xmlns:a16="http://schemas.microsoft.com/office/drawing/2014/main" id="{7C7B7B5E-EB63-48A8-BCF5-30057479D808}"/>
               </a:ext>
             </a:extLst>
           </p:cNvPr>
@@ -16426,7 +16460,7 @@
           <p:cNvPr id="9" name="Content Placeholder 8">
             <a:extLst>
               <a:ext uri="{FF2B5EF4-FFF2-40B4-BE49-F238E27FC236}">
-                <a16:creationId xmlns:a16="http://schemas.microsoft.com/office/drawing/2014/main" xmlns="" id="{B69192B4-B668-4E8C-8C21-3A34BA8E13E7}"/>
+                <a16:creationId xmlns="" xmlns:a16="http://schemas.microsoft.com/office/drawing/2014/main" id="{B69192B4-B668-4E8C-8C21-3A34BA8E13E7}"/>
               </a:ext>
             </a:extLst>
           </p:cNvPr>
@@ -16570,7 +16604,7 @@
           <p:cNvPr id="10" name="Text Placeholder 9">
             <a:extLst>
               <a:ext uri="{FF2B5EF4-FFF2-40B4-BE49-F238E27FC236}">
-                <a16:creationId xmlns:a16="http://schemas.microsoft.com/office/drawing/2014/main" xmlns="" id="{528A301B-E3B1-4B35-BE7D-F69C91D785D0}"/>
+                <a16:creationId xmlns="" xmlns:a16="http://schemas.microsoft.com/office/drawing/2014/main" id="{528A301B-E3B1-4B35-BE7D-F69C91D785D0}"/>
               </a:ext>
             </a:extLst>
           </p:cNvPr>
@@ -16609,7 +16643,7 @@
           <p:cNvPr id="11" name="Content Placeholder 10">
             <a:extLst>
               <a:ext uri="{FF2B5EF4-FFF2-40B4-BE49-F238E27FC236}">
-                <a16:creationId xmlns:a16="http://schemas.microsoft.com/office/drawing/2014/main" xmlns="" id="{33DCA290-89C4-4275-A93D-319C803D2771}"/>
+                <a16:creationId xmlns="" xmlns:a16="http://schemas.microsoft.com/office/drawing/2014/main" id="{33DCA290-89C4-4275-A93D-319C803D2771}"/>
               </a:ext>
             </a:extLst>
           </p:cNvPr>
@@ -16717,7 +16751,7 @@
           <p:cNvPr id="12" name="Arrow: Down 11">
             <a:extLst>
               <a:ext uri="{FF2B5EF4-FFF2-40B4-BE49-F238E27FC236}">
-                <a16:creationId xmlns:a16="http://schemas.microsoft.com/office/drawing/2014/main" xmlns="" id="{5F710989-371B-4482-A9BD-56DFD57DBD75}"/>
+                <a16:creationId xmlns="" xmlns:a16="http://schemas.microsoft.com/office/drawing/2014/main" id="{5F710989-371B-4482-A9BD-56DFD57DBD75}"/>
               </a:ext>
             </a:extLst>
           </p:cNvPr>
@@ -16771,7 +16805,7 @@
           <p:cNvPr id="13" name="Arrow: Down 12">
             <a:extLst>
               <a:ext uri="{FF2B5EF4-FFF2-40B4-BE49-F238E27FC236}">
-                <a16:creationId xmlns:a16="http://schemas.microsoft.com/office/drawing/2014/main" xmlns="" id="{3C3CD861-7549-47BE-8D26-BF01FD79F024}"/>
+                <a16:creationId xmlns="" xmlns:a16="http://schemas.microsoft.com/office/drawing/2014/main" id="{3C3CD861-7549-47BE-8D26-BF01FD79F024}"/>
               </a:ext>
             </a:extLst>
           </p:cNvPr>
@@ -16865,7 +16899,7 @@
           <p:cNvPr id="11" name="Text Placeholder 10">
             <a:extLst>
               <a:ext uri="{FF2B5EF4-FFF2-40B4-BE49-F238E27FC236}">
-                <a16:creationId xmlns:a16="http://schemas.microsoft.com/office/drawing/2014/main" xmlns="" id="{EA176D17-8200-422B-A524-7F10475ECEF8}"/>
+                <a16:creationId xmlns="" xmlns:a16="http://schemas.microsoft.com/office/drawing/2014/main" id="{EA176D17-8200-422B-A524-7F10475ECEF8}"/>
               </a:ext>
             </a:extLst>
           </p:cNvPr>
@@ -16917,7 +16951,7 @@
           <p:cNvPr id="8" name="Content Placeholder 7">
             <a:extLst>
               <a:ext uri="{FF2B5EF4-FFF2-40B4-BE49-F238E27FC236}">
-                <a16:creationId xmlns:a16="http://schemas.microsoft.com/office/drawing/2014/main" xmlns="" id="{5FF4DCB6-21B0-4D52-90D0-4B41F67FF51E}"/>
+                <a16:creationId xmlns="" xmlns:a16="http://schemas.microsoft.com/office/drawing/2014/main" id="{5FF4DCB6-21B0-4D52-90D0-4B41F67FF51E}"/>
               </a:ext>
             </a:extLst>
           </p:cNvPr>
@@ -17037,7 +17071,7 @@
           <p:cNvPr id="9" name="Content Placeholder 8">
             <a:extLst>
               <a:ext uri="{FF2B5EF4-FFF2-40B4-BE49-F238E27FC236}">
-                <a16:creationId xmlns:a16="http://schemas.microsoft.com/office/drawing/2014/main" xmlns="" id="{6D926286-4DAB-48EB-97A3-06175DC678CE}"/>
+                <a16:creationId xmlns="" xmlns:a16="http://schemas.microsoft.com/office/drawing/2014/main" id="{6D926286-4DAB-48EB-97A3-06175DC678CE}"/>
               </a:ext>
             </a:extLst>
           </p:cNvPr>
@@ -17375,7 +17409,7 @@
           <p:cNvPr id="14" name="Picture 13">
             <a:extLst>
               <a:ext uri="{FF2B5EF4-FFF2-40B4-BE49-F238E27FC236}">
-                <a16:creationId xmlns:a16="http://schemas.microsoft.com/office/drawing/2014/main" xmlns="" id="{6F1B2972-00B7-472B-870D-CC70C6F0BD20}"/>
+                <a16:creationId xmlns="" xmlns:a16="http://schemas.microsoft.com/office/drawing/2014/main" id="{6F1B2972-00B7-472B-870D-CC70C6F0BD20}"/>
               </a:ext>
             </a:extLst>
           </p:cNvPr>
@@ -18003,7 +18037,7 @@
           <p:cNvPr id="14" name="Content Placeholder 13">
             <a:extLst>
               <a:ext uri="{FF2B5EF4-FFF2-40B4-BE49-F238E27FC236}">
-                <a16:creationId xmlns:a16="http://schemas.microsoft.com/office/drawing/2014/main" xmlns="" id="{86EA5D6E-C62C-47D0-8138-CB405D04E4E4}"/>
+                <a16:creationId xmlns="" xmlns:a16="http://schemas.microsoft.com/office/drawing/2014/main" id="{86EA5D6E-C62C-47D0-8138-CB405D04E4E4}"/>
               </a:ext>
             </a:extLst>
           </p:cNvPr>
@@ -18224,7 +18258,7 @@
           <p:cNvPr id="9" name="Titel 1">
             <a:extLst>
               <a:ext uri="{FF2B5EF4-FFF2-40B4-BE49-F238E27FC236}">
-                <a16:creationId xmlns:a16="http://schemas.microsoft.com/office/drawing/2014/main" xmlns="" id="{E5885248-D7EC-46A9-881C-FEC0809E0C48}"/>
+                <a16:creationId xmlns="" xmlns:a16="http://schemas.microsoft.com/office/drawing/2014/main" id="{E5885248-D7EC-46A9-881C-FEC0809E0C48}"/>
               </a:ext>
             </a:extLst>
           </p:cNvPr>
@@ -18244,7 +18278,7 @@
         </p:spPr>
         <p:txBody>
           <a:bodyPr vert="horz" lIns="91440" tIns="45720" rIns="91440" bIns="45720" rtlCol="0" anchor="b">
-            <a:normAutofit lnSpcReduction="10000"/>
+            <a:normAutofit/>
           </a:bodyPr>
           <a:lstStyle>
             <a:lvl1pPr algn="l" defTabSz="914400" rtl="0" eaLnBrk="1" latinLnBrk="0" hangingPunct="1">
@@ -18301,7 +18335,7 @@
           <p:cNvPr id="16" name="Title 15">
             <a:extLst>
               <a:ext uri="{FF2B5EF4-FFF2-40B4-BE49-F238E27FC236}">
-                <a16:creationId xmlns:a16="http://schemas.microsoft.com/office/drawing/2014/main" xmlns="" id="{0311113E-B278-4458-8FCF-AD752B46CF64}"/>
+                <a16:creationId xmlns="" xmlns:a16="http://schemas.microsoft.com/office/drawing/2014/main" id="{0311113E-B278-4458-8FCF-AD752B46CF64}"/>
               </a:ext>
             </a:extLst>
           </p:cNvPr>
